--- a/Data_Model_diabetes_readmission/Data_Model_diabetes_readmission/Report/Diabetes_Readmission_Presentation.pptx
+++ b/Data_Model_diabetes_readmission/Data_Model_diabetes_readmission/Report/Diabetes_Readmission_Presentation.pptx
@@ -3166,10 +3166,9 @@
         <a:lstStyle/>
         <a:p>
           <a:r>
-            <a:rPr lang="en-IN" dirty="0" smtClean="0"/>
+            <a:rPr lang="en-IN" dirty="0"/>
             <a:t>Problem Statement</a:t>
           </a:r>
-          <a:endParaRPr lang="en-IN" dirty="0"/>
         </a:p>
       </dgm:t>
     </dgm:pt>
@@ -3203,16 +3202,12 @@
         <a:lstStyle/>
         <a:p>
           <a:r>
-            <a:rPr lang="en-IN" dirty="0" smtClean="0">
+            <a:rPr lang="en-IN" dirty="0">
               <a:latin typeface="Arial" panose="020B0604020202020204" pitchFamily="34" charset="0"/>
               <a:cs typeface="Arial" panose="020B0604020202020204" pitchFamily="34" charset="0"/>
             </a:rPr>
             <a:t>Business Outlook</a:t>
           </a:r>
-          <a:endParaRPr lang="en-IN" dirty="0">
-            <a:latin typeface="Arial" panose="020B0604020202020204" pitchFamily="34" charset="0"/>
-            <a:cs typeface="Arial" panose="020B0604020202020204" pitchFamily="34" charset="0"/>
-          </a:endParaRPr>
         </a:p>
       </dgm:t>
     </dgm:pt>
@@ -3246,10 +3241,9 @@
         <a:lstStyle/>
         <a:p>
           <a:r>
-            <a:rPr lang="en-IN" dirty="0" smtClean="0"/>
+            <a:rPr lang="en-IN" dirty="0"/>
             <a:t>Data Pre-mining</a:t>
           </a:r>
-          <a:endParaRPr lang="en-IN" dirty="0"/>
         </a:p>
       </dgm:t>
     </dgm:pt>
@@ -3283,16 +3277,12 @@
         <a:lstStyle/>
         <a:p>
           <a:r>
-            <a:rPr lang="en-IN" sz="1400" dirty="0" smtClean="0">
+            <a:rPr lang="en-IN" sz="1400" dirty="0">
               <a:latin typeface="Arial" panose="020B0604020202020204" pitchFamily="34" charset="0"/>
               <a:cs typeface="Arial" panose="020B0604020202020204" pitchFamily="34" charset="0"/>
             </a:rPr>
             <a:t>Data Processing</a:t>
           </a:r>
-          <a:endParaRPr lang="en-IN" sz="1400" dirty="0">
-            <a:latin typeface="Arial" panose="020B0604020202020204" pitchFamily="34" charset="0"/>
-            <a:cs typeface="Arial" panose="020B0604020202020204" pitchFamily="34" charset="0"/>
-          </a:endParaRPr>
         </a:p>
       </dgm:t>
     </dgm:pt>
@@ -3326,10 +3316,9 @@
         <a:lstStyle/>
         <a:p>
           <a:r>
-            <a:rPr lang="en-IN" dirty="0" smtClean="0"/>
+            <a:rPr lang="en-IN" dirty="0"/>
             <a:t>Perform Analysis</a:t>
           </a:r>
-          <a:endParaRPr lang="en-IN" dirty="0"/>
         </a:p>
       </dgm:t>
     </dgm:pt>
@@ -3363,16 +3352,12 @@
         <a:lstStyle/>
         <a:p>
           <a:r>
-            <a:rPr lang="en-IN" dirty="0" smtClean="0">
+            <a:rPr lang="en-IN" dirty="0">
               <a:latin typeface="Arial" panose="020B0604020202020204" pitchFamily="34" charset="0"/>
               <a:cs typeface="Arial" panose="020B0604020202020204" pitchFamily="34" charset="0"/>
             </a:rPr>
             <a:t>Model Building</a:t>
           </a:r>
-          <a:endParaRPr lang="en-IN" dirty="0">
-            <a:latin typeface="Arial" panose="020B0604020202020204" pitchFamily="34" charset="0"/>
-            <a:cs typeface="Arial" panose="020B0604020202020204" pitchFamily="34" charset="0"/>
-          </a:endParaRPr>
         </a:p>
       </dgm:t>
     </dgm:pt>
@@ -3406,10 +3391,9 @@
         <a:lstStyle/>
         <a:p>
           <a:r>
-            <a:rPr lang="en-IN" dirty="0" smtClean="0"/>
+            <a:rPr lang="en-IN" dirty="0"/>
             <a:t>Evaluation</a:t>
           </a:r>
-          <a:endParaRPr lang="en-IN" dirty="0"/>
         </a:p>
       </dgm:t>
     </dgm:pt>
@@ -3443,16 +3427,12 @@
         <a:lstStyle/>
         <a:p>
           <a:r>
-            <a:rPr lang="en-IN" dirty="0" smtClean="0">
+            <a:rPr lang="en-IN" dirty="0">
               <a:latin typeface="Arial" panose="020B0604020202020204" pitchFamily="34" charset="0"/>
               <a:cs typeface="Arial" panose="020B0604020202020204" pitchFamily="34" charset="0"/>
             </a:rPr>
             <a:t>Accuracy comparison</a:t>
           </a:r>
-          <a:endParaRPr lang="en-IN" dirty="0">
-            <a:latin typeface="Arial" panose="020B0604020202020204" pitchFamily="34" charset="0"/>
-            <a:cs typeface="Arial" panose="020B0604020202020204" pitchFamily="34" charset="0"/>
-          </a:endParaRPr>
         </a:p>
       </dgm:t>
     </dgm:pt>
@@ -3486,16 +3466,12 @@
         <a:lstStyle/>
         <a:p>
           <a:r>
-            <a:rPr lang="en-IN" sz="1400" dirty="0" smtClean="0">
+            <a:rPr lang="en-IN" sz="1400" dirty="0">
               <a:latin typeface="Arial" panose="020B0604020202020204" pitchFamily="34" charset="0"/>
               <a:cs typeface="Arial" panose="020B0604020202020204" pitchFamily="34" charset="0"/>
             </a:rPr>
             <a:t>Variable Selection</a:t>
           </a:r>
-          <a:endParaRPr lang="en-IN" sz="1400" dirty="0">
-            <a:latin typeface="Arial" panose="020B0604020202020204" pitchFamily="34" charset="0"/>
-            <a:cs typeface="Arial" panose="020B0604020202020204" pitchFamily="34" charset="0"/>
-          </a:endParaRPr>
         </a:p>
       </dgm:t>
     </dgm:pt>
@@ -3529,16 +3505,12 @@
         <a:lstStyle/>
         <a:p>
           <a:r>
-            <a:rPr lang="en-IN" dirty="0" smtClean="0">
+            <a:rPr lang="en-IN" dirty="0">
               <a:latin typeface="Arial" panose="020B0604020202020204" pitchFamily="34" charset="0"/>
               <a:cs typeface="Arial" panose="020B0604020202020204" pitchFamily="34" charset="0"/>
             </a:rPr>
             <a:t>Conclusion</a:t>
           </a:r>
-          <a:endParaRPr lang="en-IN" dirty="0">
-            <a:latin typeface="Arial" panose="020B0604020202020204" pitchFamily="34" charset="0"/>
-            <a:cs typeface="Arial" panose="020B0604020202020204" pitchFamily="34" charset="0"/>
-          </a:endParaRPr>
         </a:p>
       </dgm:t>
     </dgm:pt>
@@ -3610,13 +3582,6 @@
         </dgm:presLayoutVars>
       </dgm:prSet>
       <dgm:spPr/>
-      <dgm:t>
-        <a:bodyPr/>
-        <a:lstStyle/>
-        <a:p>
-          <a:endParaRPr lang="en-IN"/>
-        </a:p>
-      </dgm:t>
     </dgm:pt>
     <dgm:pt modelId="{A254EA95-C456-4FCF-8E08-AB68A2C123A6}" type="pres">
       <dgm:prSet presAssocID="{C05AE960-976A-420A-A7B4-DFDB1941F5A5}" presName="children" presStyleCnt="0"/>
@@ -3629,13 +3594,6 @@
     <dgm:pt modelId="{C15D8DB8-8F3C-4782-B43B-5A43A7BA1A91}" type="pres">
       <dgm:prSet presAssocID="{C05AE960-976A-420A-A7B4-DFDB1941F5A5}" presName="child1" presStyleLbl="bgAcc1" presStyleIdx="0" presStyleCnt="4" custScaleX="148103"/>
       <dgm:spPr/>
-      <dgm:t>
-        <a:bodyPr/>
-        <a:lstStyle/>
-        <a:p>
-          <a:endParaRPr lang="en-IN"/>
-        </a:p>
-      </dgm:t>
     </dgm:pt>
     <dgm:pt modelId="{9F5393C6-576B-40A5-8964-390B2ECEE028}" type="pres">
       <dgm:prSet presAssocID="{C05AE960-976A-420A-A7B4-DFDB1941F5A5}" presName="child1Text" presStyleLbl="bgAcc1" presStyleIdx="0" presStyleCnt="4">
@@ -3644,13 +3602,6 @@
         </dgm:presLayoutVars>
       </dgm:prSet>
       <dgm:spPr/>
-      <dgm:t>
-        <a:bodyPr/>
-        <a:lstStyle/>
-        <a:p>
-          <a:endParaRPr lang="en-IN"/>
-        </a:p>
-      </dgm:t>
     </dgm:pt>
     <dgm:pt modelId="{85E676E5-690F-472E-8B81-CD661597B695}" type="pres">
       <dgm:prSet presAssocID="{C05AE960-976A-420A-A7B4-DFDB1941F5A5}" presName="child2group" presStyleCnt="0"/>
@@ -3659,13 +3610,6 @@
     <dgm:pt modelId="{DC6B30DA-7579-47C4-8B5B-DAA315B7271B}" type="pres">
       <dgm:prSet presAssocID="{C05AE960-976A-420A-A7B4-DFDB1941F5A5}" presName="child2" presStyleLbl="bgAcc1" presStyleIdx="1" presStyleCnt="4" custScaleX="147180"/>
       <dgm:spPr/>
-      <dgm:t>
-        <a:bodyPr/>
-        <a:lstStyle/>
-        <a:p>
-          <a:endParaRPr lang="en-IN"/>
-        </a:p>
-      </dgm:t>
     </dgm:pt>
     <dgm:pt modelId="{0A224A57-3E6E-4A40-BFC1-BAF539CFD623}" type="pres">
       <dgm:prSet presAssocID="{C05AE960-976A-420A-A7B4-DFDB1941F5A5}" presName="child2Text" presStyleLbl="bgAcc1" presStyleIdx="1" presStyleCnt="4">
@@ -3674,13 +3618,6 @@
         </dgm:presLayoutVars>
       </dgm:prSet>
       <dgm:spPr/>
-      <dgm:t>
-        <a:bodyPr/>
-        <a:lstStyle/>
-        <a:p>
-          <a:endParaRPr lang="en-IN"/>
-        </a:p>
-      </dgm:t>
     </dgm:pt>
     <dgm:pt modelId="{9B9B3743-0067-45C0-A35A-11EC3942ED2E}" type="pres">
       <dgm:prSet presAssocID="{C05AE960-976A-420A-A7B4-DFDB1941F5A5}" presName="child3group" presStyleCnt="0"/>
@@ -3689,13 +3626,6 @@
     <dgm:pt modelId="{B1CDD707-2EAE-4D06-9527-8E2781CC0660}" type="pres">
       <dgm:prSet presAssocID="{C05AE960-976A-420A-A7B4-DFDB1941F5A5}" presName="child3" presStyleLbl="bgAcc1" presStyleIdx="2" presStyleCnt="4" custScaleX="144471"/>
       <dgm:spPr/>
-      <dgm:t>
-        <a:bodyPr/>
-        <a:lstStyle/>
-        <a:p>
-          <a:endParaRPr lang="en-IN"/>
-        </a:p>
-      </dgm:t>
     </dgm:pt>
     <dgm:pt modelId="{429975E5-2103-4B4F-92F4-BACCAEC5B8E4}" type="pres">
       <dgm:prSet presAssocID="{C05AE960-976A-420A-A7B4-DFDB1941F5A5}" presName="child3Text" presStyleLbl="bgAcc1" presStyleIdx="2" presStyleCnt="4">
@@ -3704,13 +3634,6 @@
         </dgm:presLayoutVars>
       </dgm:prSet>
       <dgm:spPr/>
-      <dgm:t>
-        <a:bodyPr/>
-        <a:lstStyle/>
-        <a:p>
-          <a:endParaRPr lang="en-IN"/>
-        </a:p>
-      </dgm:t>
     </dgm:pt>
     <dgm:pt modelId="{57D5C677-AD39-4E7B-9ADB-734D7853BAE0}" type="pres">
       <dgm:prSet presAssocID="{C05AE960-976A-420A-A7B4-DFDB1941F5A5}" presName="child4group" presStyleCnt="0"/>
@@ -3719,13 +3642,6 @@
     <dgm:pt modelId="{87075A52-C6A1-427C-BCA3-324215B0BDA8}" type="pres">
       <dgm:prSet presAssocID="{C05AE960-976A-420A-A7B4-DFDB1941F5A5}" presName="child4" presStyleLbl="bgAcc1" presStyleIdx="3" presStyleCnt="4" custScaleX="143885"/>
       <dgm:spPr/>
-      <dgm:t>
-        <a:bodyPr/>
-        <a:lstStyle/>
-        <a:p>
-          <a:endParaRPr lang="en-IN"/>
-        </a:p>
-      </dgm:t>
     </dgm:pt>
     <dgm:pt modelId="{D055328A-21DB-4C4D-8C49-AD03320FD3FD}" type="pres">
       <dgm:prSet presAssocID="{C05AE960-976A-420A-A7B4-DFDB1941F5A5}" presName="child4Text" presStyleLbl="bgAcc1" presStyleIdx="3" presStyleCnt="4">
@@ -3734,13 +3650,6 @@
         </dgm:presLayoutVars>
       </dgm:prSet>
       <dgm:spPr/>
-      <dgm:t>
-        <a:bodyPr/>
-        <a:lstStyle/>
-        <a:p>
-          <a:endParaRPr lang="en-IN"/>
-        </a:p>
-      </dgm:t>
     </dgm:pt>
     <dgm:pt modelId="{41A2F8DD-1C89-44F3-8D7B-FFA3B1B8C43C}" type="pres">
       <dgm:prSet presAssocID="{C05AE960-976A-420A-A7B4-DFDB1941F5A5}" presName="childPlaceholder" presStyleCnt="0"/>
@@ -3758,13 +3667,6 @@
         </dgm:presLayoutVars>
       </dgm:prSet>
       <dgm:spPr/>
-      <dgm:t>
-        <a:bodyPr/>
-        <a:lstStyle/>
-        <a:p>
-          <a:endParaRPr lang="en-IN"/>
-        </a:p>
-      </dgm:t>
     </dgm:pt>
     <dgm:pt modelId="{6878E3AF-91B7-4F47-AD57-2E4E1DECA4DC}" type="pres">
       <dgm:prSet presAssocID="{C05AE960-976A-420A-A7B4-DFDB1941F5A5}" presName="quadrant2" presStyleLbl="node1" presStyleIdx="1" presStyleCnt="4">
@@ -3774,13 +3676,6 @@
         </dgm:presLayoutVars>
       </dgm:prSet>
       <dgm:spPr/>
-      <dgm:t>
-        <a:bodyPr/>
-        <a:lstStyle/>
-        <a:p>
-          <a:endParaRPr lang="en-IN"/>
-        </a:p>
-      </dgm:t>
     </dgm:pt>
     <dgm:pt modelId="{BF346ED4-70E4-4127-9DCC-122E272A4B3A}" type="pres">
       <dgm:prSet presAssocID="{C05AE960-976A-420A-A7B4-DFDB1941F5A5}" presName="quadrant3" presStyleLbl="node1" presStyleIdx="2" presStyleCnt="4">
@@ -3790,13 +3685,6 @@
         </dgm:presLayoutVars>
       </dgm:prSet>
       <dgm:spPr/>
-      <dgm:t>
-        <a:bodyPr/>
-        <a:lstStyle/>
-        <a:p>
-          <a:endParaRPr lang="en-IN"/>
-        </a:p>
-      </dgm:t>
     </dgm:pt>
     <dgm:pt modelId="{31E5ECED-5131-477F-8C5E-19FD1E5F7E28}" type="pres">
       <dgm:prSet presAssocID="{C05AE960-976A-420A-A7B4-DFDB1941F5A5}" presName="quadrant4" presStyleLbl="node1" presStyleIdx="3" presStyleCnt="4">
@@ -3806,13 +3694,6 @@
         </dgm:presLayoutVars>
       </dgm:prSet>
       <dgm:spPr/>
-      <dgm:t>
-        <a:bodyPr/>
-        <a:lstStyle/>
-        <a:p>
-          <a:endParaRPr lang="en-IN"/>
-        </a:p>
-      </dgm:t>
     </dgm:pt>
     <dgm:pt modelId="{0CE18C7C-E50B-40A5-9D1E-794ACDA165B6}" type="pres">
       <dgm:prSet presAssocID="{C05AE960-976A-420A-A7B4-DFDB1941F5A5}" presName="quadrantPlaceholder" presStyleCnt="0"/>
@@ -3828,36 +3709,36 @@
     </dgm:pt>
   </dgm:ptLst>
   <dgm:cxnLst>
+    <dgm:cxn modelId="{DFCC4803-7877-47C5-A0C7-3C47DA2D6551}" type="presOf" srcId="{8371B75D-998F-49E6-BEF9-2876A8012DCE}" destId="{D055328A-21DB-4C4D-8C49-AD03320FD3FD}" srcOrd="1" destOrd="0" presId="urn:microsoft.com/office/officeart/2005/8/layout/cycle4"/>
+    <dgm:cxn modelId="{DD19F911-5DB3-455E-9C99-1DD85DBAD19B}" type="presOf" srcId="{A63B2818-9164-40BC-B940-E62F6FDA2773}" destId="{B1CDD707-2EAE-4D06-9527-8E2781CC0660}" srcOrd="0" destOrd="0" presId="urn:microsoft.com/office/officeart/2005/8/layout/cycle4"/>
+    <dgm:cxn modelId="{A3A4C713-66F7-4109-B70C-C6C7E905D676}" type="presOf" srcId="{EBD158B9-ADA1-4172-886E-FC60D77EB1D8}" destId="{D055328A-21DB-4C4D-8C49-AD03320FD3FD}" srcOrd="1" destOrd="1" presId="urn:microsoft.com/office/officeart/2005/8/layout/cycle4"/>
+    <dgm:cxn modelId="{44484417-0F39-4451-9E9D-EF19708001C1}" srcId="{7BC656CB-3A1A-4F45-B524-DE9BCAD0BC1F}" destId="{B6B1C34A-17D5-49D4-A336-B88B60FE091E}" srcOrd="0" destOrd="0" parTransId="{53060E30-0E94-495F-9DE1-0049F37C5055}" sibTransId="{F221B66D-02B9-4438-A0BE-D691B6128A3C}"/>
+    <dgm:cxn modelId="{61AF1E20-232B-4D81-BD76-191380F3F2D8}" type="presOf" srcId="{07D889A7-6842-4942-A622-F0E072F532BE}" destId="{DC6B30DA-7579-47C4-8B5B-DAA315B7271B}" srcOrd="0" destOrd="0" presId="urn:microsoft.com/office/officeart/2005/8/layout/cycle4"/>
+    <dgm:cxn modelId="{AD2F4729-C10B-4CDF-92FD-B399B0A206A1}" type="presOf" srcId="{B6B1C34A-17D5-49D4-A336-B88B60FE091E}" destId="{9F5393C6-576B-40A5-8964-390B2ECEE028}" srcOrd="1" destOrd="0" presId="urn:microsoft.com/office/officeart/2005/8/layout/cycle4"/>
+    <dgm:cxn modelId="{1A6C6A2C-3804-4CC1-883B-1195D2BE977A}" srcId="{C05AE960-976A-420A-A7B4-DFDB1941F5A5}" destId="{FEB3D173-14F6-4492-A6DF-D4EF512DAA3E}" srcOrd="3" destOrd="0" parTransId="{3CD494CB-5B8A-46B1-80AB-E3C6ED7D0103}" sibTransId="{95E28C3F-5A81-4DBC-9B04-F23DE5657719}"/>
+    <dgm:cxn modelId="{11D8742C-8995-4D03-87E0-2E652942880B}" type="presOf" srcId="{B6B1C34A-17D5-49D4-A336-B88B60FE091E}" destId="{C15D8DB8-8F3C-4782-B43B-5A43A7BA1A91}" srcOrd="0" destOrd="0" presId="urn:microsoft.com/office/officeart/2005/8/layout/cycle4"/>
+    <dgm:cxn modelId="{0B7DBD2D-E8FE-45C7-9EA9-A7874A6BA55D}" srcId="{378E6AD5-EF0A-4532-9E26-F21DFB740526}" destId="{A63B2818-9164-40BC-B940-E62F6FDA2773}" srcOrd="0" destOrd="0" parTransId="{4A643D97-444E-4E35-B716-46F7C32F9A1D}" sibTransId="{5556D073-FB74-4636-AC5D-2E7A0BDE7470}"/>
+    <dgm:cxn modelId="{BCFA1530-86D2-4549-AD36-5CA9C4644650}" type="presOf" srcId="{FEB3D173-14F6-4492-A6DF-D4EF512DAA3E}" destId="{31E5ECED-5131-477F-8C5E-19FD1E5F7E28}" srcOrd="0" destOrd="0" presId="urn:microsoft.com/office/officeart/2005/8/layout/cycle4"/>
+    <dgm:cxn modelId="{25765B3A-278B-4AC0-991D-0401C0DD399B}" type="presOf" srcId="{69930360-863D-4E7F-B16D-B46B22D33653}" destId="{429975E5-2103-4B4F-92F4-BACCAEC5B8E4}" srcOrd="1" destOrd="1" presId="urn:microsoft.com/office/officeart/2005/8/layout/cycle4"/>
+    <dgm:cxn modelId="{74576C62-DC6E-4DA3-910B-A4769E1E80A0}" type="presOf" srcId="{07D889A7-6842-4942-A622-F0E072F532BE}" destId="{0A224A57-3E6E-4A40-BFC1-BAF539CFD623}" srcOrd="1" destOrd="0" presId="urn:microsoft.com/office/officeart/2005/8/layout/cycle4"/>
+    <dgm:cxn modelId="{A6B3A145-FD3D-4513-B1DB-47F3F29B8F0C}" type="presOf" srcId="{15F9CA3C-9D77-42A7-9B64-6234DF72EBF7}" destId="{6878E3AF-91B7-4F47-AD57-2E4E1DECA4DC}" srcOrd="0" destOrd="0" presId="urn:microsoft.com/office/officeart/2005/8/layout/cycle4"/>
+    <dgm:cxn modelId="{C0F9D869-DA2D-43FE-86F8-A6EABA42A7A6}" srcId="{15F9CA3C-9D77-42A7-9B64-6234DF72EBF7}" destId="{288290FF-9583-4E6A-AF71-220F0DAA229C}" srcOrd="1" destOrd="0" parTransId="{AC23AC80-9A19-4BFE-B24F-61CE03949DBE}" sibTransId="{6C7464C4-9653-4BD2-82A0-F2CFC25B1730}"/>
+    <dgm:cxn modelId="{35C7BC4E-4E5D-4684-A371-D1217B6B9BD2}" type="presOf" srcId="{288290FF-9583-4E6A-AF71-220F0DAA229C}" destId="{DC6B30DA-7579-47C4-8B5B-DAA315B7271B}" srcOrd="0" destOrd="1" presId="urn:microsoft.com/office/officeart/2005/8/layout/cycle4"/>
     <dgm:cxn modelId="{E4BA034F-3D19-4CB9-9DB1-2EEF49051CF8}" srcId="{FEB3D173-14F6-4492-A6DF-D4EF512DAA3E}" destId="{8371B75D-998F-49E6-BEF9-2876A8012DCE}" srcOrd="0" destOrd="0" parTransId="{C22624BD-0EA7-45B0-A9C4-C3AF19E5DBBC}" sibTransId="{331E6D43-106D-45AE-BA1E-3F224EA91DFA}"/>
+    <dgm:cxn modelId="{84F06D70-3E69-444B-8778-437E788EED8B}" srcId="{378E6AD5-EF0A-4532-9E26-F21DFB740526}" destId="{69930360-863D-4E7F-B16D-B46B22D33653}" srcOrd="1" destOrd="0" parTransId="{BE61CE77-C6C6-4C93-B8F0-B8A2D991CF58}" sibTransId="{A4A4BF05-FCD4-4134-BB87-0453D6F43949}"/>
+    <dgm:cxn modelId="{62092D51-2B73-4C25-B1E3-0DFBC7F310FC}" srcId="{C05AE960-976A-420A-A7B4-DFDB1941F5A5}" destId="{15F9CA3C-9D77-42A7-9B64-6234DF72EBF7}" srcOrd="1" destOrd="0" parTransId="{17C96210-7F99-43A9-9D8A-E53E809DC861}" sibTransId="{4F885712-C6C0-4013-831E-33DD08FAA1EC}"/>
+    <dgm:cxn modelId="{71620897-50B9-4D05-9ABE-12771CB4DBE8}" type="presOf" srcId="{EBD158B9-ADA1-4172-886E-FC60D77EB1D8}" destId="{87075A52-C6A1-427C-BCA3-324215B0BDA8}" srcOrd="0" destOrd="1" presId="urn:microsoft.com/office/officeart/2005/8/layout/cycle4"/>
+    <dgm:cxn modelId="{4A635EA3-68D3-4892-B701-E5663784CA6F}" srcId="{FEB3D173-14F6-4492-A6DF-D4EF512DAA3E}" destId="{EBD158B9-ADA1-4172-886E-FC60D77EB1D8}" srcOrd="1" destOrd="0" parTransId="{3268F215-D542-4556-BAF1-1EFFAAB2CD29}" sibTransId="{D52BD872-233C-45A2-A3D5-9F5081DA49FF}"/>
+    <dgm:cxn modelId="{AFBB61A3-F7C1-4642-86E2-6D3E0C3EE781}" srcId="{C05AE960-976A-420A-A7B4-DFDB1941F5A5}" destId="{378E6AD5-EF0A-4532-9E26-F21DFB740526}" srcOrd="2" destOrd="0" parTransId="{777551A7-3423-42CC-BCAF-274FD5D01773}" sibTransId="{F220D412-64FD-4B43-AA28-17CAF05FE13C}"/>
     <dgm:cxn modelId="{C59C89B8-D423-4851-A8B2-6DBD8AB8BBEC}" type="presOf" srcId="{288290FF-9583-4E6A-AF71-220F0DAA229C}" destId="{0A224A57-3E6E-4A40-BFC1-BAF539CFD623}" srcOrd="1" destOrd="1" presId="urn:microsoft.com/office/officeart/2005/8/layout/cycle4"/>
+    <dgm:cxn modelId="{A64298C2-5ED6-4854-AC05-8568D22C77AD}" srcId="{C05AE960-976A-420A-A7B4-DFDB1941F5A5}" destId="{7BC656CB-3A1A-4F45-B524-DE9BCAD0BC1F}" srcOrd="0" destOrd="0" parTransId="{D5D7120C-5632-45A1-812B-DE62A43AC7BD}" sibTransId="{775FA5D9-C901-4D7A-A24C-C9BB8C7AC88A}"/>
+    <dgm:cxn modelId="{22F1E1C3-C8A7-457D-91D9-3434E589EB95}" type="presOf" srcId="{A63B2818-9164-40BC-B940-E62F6FDA2773}" destId="{429975E5-2103-4B4F-92F4-BACCAEC5B8E4}" srcOrd="1" destOrd="0" presId="urn:microsoft.com/office/officeart/2005/8/layout/cycle4"/>
+    <dgm:cxn modelId="{4A6E2CC6-1AA4-41D6-B4F7-02D552E94A0B}" type="presOf" srcId="{69930360-863D-4E7F-B16D-B46B22D33653}" destId="{B1CDD707-2EAE-4D06-9527-8E2781CC0660}" srcOrd="0" destOrd="1" presId="urn:microsoft.com/office/officeart/2005/8/layout/cycle4"/>
     <dgm:cxn modelId="{9E5F93D3-5612-4AA3-B327-FA0F2281AF21}" type="presOf" srcId="{C05AE960-976A-420A-A7B4-DFDB1941F5A5}" destId="{9D2B888C-5294-4DF5-82CE-D6FE1C3F2841}" srcOrd="0" destOrd="0" presId="urn:microsoft.com/office/officeart/2005/8/layout/cycle4"/>
-    <dgm:cxn modelId="{44484417-0F39-4451-9E9D-EF19708001C1}" srcId="{7BC656CB-3A1A-4F45-B524-DE9BCAD0BC1F}" destId="{B6B1C34A-17D5-49D4-A336-B88B60FE091E}" srcOrd="0" destOrd="0" parTransId="{53060E30-0E94-495F-9DE1-0049F37C5055}" sibTransId="{F221B66D-02B9-4438-A0BE-D691B6128A3C}"/>
-    <dgm:cxn modelId="{25765B3A-278B-4AC0-991D-0401C0DD399B}" type="presOf" srcId="{69930360-863D-4E7F-B16D-B46B22D33653}" destId="{429975E5-2103-4B4F-92F4-BACCAEC5B8E4}" srcOrd="1" destOrd="1" presId="urn:microsoft.com/office/officeart/2005/8/layout/cycle4"/>
-    <dgm:cxn modelId="{A64298C2-5ED6-4854-AC05-8568D22C77AD}" srcId="{C05AE960-976A-420A-A7B4-DFDB1941F5A5}" destId="{7BC656CB-3A1A-4F45-B524-DE9BCAD0BC1F}" srcOrd="0" destOrd="0" parTransId="{D5D7120C-5632-45A1-812B-DE62A43AC7BD}" sibTransId="{775FA5D9-C901-4D7A-A24C-C9BB8C7AC88A}"/>
+    <dgm:cxn modelId="{5D3066D5-F4BA-4421-BB14-B8D1A6887FF0}" type="presOf" srcId="{378E6AD5-EF0A-4532-9E26-F21DFB740526}" destId="{BF346ED4-70E4-4127-9DCC-122E272A4B3A}" srcOrd="0" destOrd="0" presId="urn:microsoft.com/office/officeart/2005/8/layout/cycle4"/>
+    <dgm:cxn modelId="{EF675AE1-E27C-477F-9202-2271D83416CE}" srcId="{15F9CA3C-9D77-42A7-9B64-6234DF72EBF7}" destId="{07D889A7-6842-4942-A622-F0E072F532BE}" srcOrd="0" destOrd="0" parTransId="{E0677FBB-EED8-4D1C-A41C-B6F8DC0D6071}" sibTransId="{14E64901-F952-4966-8318-A050172E76C8}"/>
     <dgm:cxn modelId="{40C18FE2-FDC4-4BF1-9020-0549E9DB3C90}" type="presOf" srcId="{8371B75D-998F-49E6-BEF9-2876A8012DCE}" destId="{87075A52-C6A1-427C-BCA3-324215B0BDA8}" srcOrd="0" destOrd="0" presId="urn:microsoft.com/office/officeart/2005/8/layout/cycle4"/>
-    <dgm:cxn modelId="{74576C62-DC6E-4DA3-910B-A4769E1E80A0}" type="presOf" srcId="{07D889A7-6842-4942-A622-F0E072F532BE}" destId="{0A224A57-3E6E-4A40-BFC1-BAF539CFD623}" srcOrd="1" destOrd="0" presId="urn:microsoft.com/office/officeart/2005/8/layout/cycle4"/>
-    <dgm:cxn modelId="{61AF1E20-232B-4D81-BD76-191380F3F2D8}" type="presOf" srcId="{07D889A7-6842-4942-A622-F0E072F532BE}" destId="{DC6B30DA-7579-47C4-8B5B-DAA315B7271B}" srcOrd="0" destOrd="0" presId="urn:microsoft.com/office/officeart/2005/8/layout/cycle4"/>
-    <dgm:cxn modelId="{EF675AE1-E27C-477F-9202-2271D83416CE}" srcId="{15F9CA3C-9D77-42A7-9B64-6234DF72EBF7}" destId="{07D889A7-6842-4942-A622-F0E072F532BE}" srcOrd="0" destOrd="0" parTransId="{E0677FBB-EED8-4D1C-A41C-B6F8DC0D6071}" sibTransId="{14E64901-F952-4966-8318-A050172E76C8}"/>
-    <dgm:cxn modelId="{0B7DBD2D-E8FE-45C7-9EA9-A7874A6BA55D}" srcId="{378E6AD5-EF0A-4532-9E26-F21DFB740526}" destId="{A63B2818-9164-40BC-B940-E62F6FDA2773}" srcOrd="0" destOrd="0" parTransId="{4A643D97-444E-4E35-B716-46F7C32F9A1D}" sibTransId="{5556D073-FB74-4636-AC5D-2E7A0BDE7470}"/>
-    <dgm:cxn modelId="{71620897-50B9-4D05-9ABE-12771CB4DBE8}" type="presOf" srcId="{EBD158B9-ADA1-4172-886E-FC60D77EB1D8}" destId="{87075A52-C6A1-427C-BCA3-324215B0BDA8}" srcOrd="0" destOrd="1" presId="urn:microsoft.com/office/officeart/2005/8/layout/cycle4"/>
-    <dgm:cxn modelId="{DFCC4803-7877-47C5-A0C7-3C47DA2D6551}" type="presOf" srcId="{8371B75D-998F-49E6-BEF9-2876A8012DCE}" destId="{D055328A-21DB-4C4D-8C49-AD03320FD3FD}" srcOrd="1" destOrd="0" presId="urn:microsoft.com/office/officeart/2005/8/layout/cycle4"/>
-    <dgm:cxn modelId="{4A6E2CC6-1AA4-41D6-B4F7-02D552E94A0B}" type="presOf" srcId="{69930360-863D-4E7F-B16D-B46B22D33653}" destId="{B1CDD707-2EAE-4D06-9527-8E2781CC0660}" srcOrd="0" destOrd="1" presId="urn:microsoft.com/office/officeart/2005/8/layout/cycle4"/>
-    <dgm:cxn modelId="{BCFA1530-86D2-4549-AD36-5CA9C4644650}" type="presOf" srcId="{FEB3D173-14F6-4492-A6DF-D4EF512DAA3E}" destId="{31E5ECED-5131-477F-8C5E-19FD1E5F7E28}" srcOrd="0" destOrd="0" presId="urn:microsoft.com/office/officeart/2005/8/layout/cycle4"/>
-    <dgm:cxn modelId="{84F06D70-3E69-444B-8778-437E788EED8B}" srcId="{378E6AD5-EF0A-4532-9E26-F21DFB740526}" destId="{69930360-863D-4E7F-B16D-B46B22D33653}" srcOrd="1" destOrd="0" parTransId="{BE61CE77-C6C6-4C93-B8F0-B8A2D991CF58}" sibTransId="{A4A4BF05-FCD4-4134-BB87-0453D6F43949}"/>
-    <dgm:cxn modelId="{1A6C6A2C-3804-4CC1-883B-1195D2BE977A}" srcId="{C05AE960-976A-420A-A7B4-DFDB1941F5A5}" destId="{FEB3D173-14F6-4492-A6DF-D4EF512DAA3E}" srcOrd="3" destOrd="0" parTransId="{3CD494CB-5B8A-46B1-80AB-E3C6ED7D0103}" sibTransId="{95E28C3F-5A81-4DBC-9B04-F23DE5657719}"/>
-    <dgm:cxn modelId="{DD19F911-5DB3-455E-9C99-1DD85DBAD19B}" type="presOf" srcId="{A63B2818-9164-40BC-B940-E62F6FDA2773}" destId="{B1CDD707-2EAE-4D06-9527-8E2781CC0660}" srcOrd="0" destOrd="0" presId="urn:microsoft.com/office/officeart/2005/8/layout/cycle4"/>
-    <dgm:cxn modelId="{A6B3A145-FD3D-4513-B1DB-47F3F29B8F0C}" type="presOf" srcId="{15F9CA3C-9D77-42A7-9B64-6234DF72EBF7}" destId="{6878E3AF-91B7-4F47-AD57-2E4E1DECA4DC}" srcOrd="0" destOrd="0" presId="urn:microsoft.com/office/officeart/2005/8/layout/cycle4"/>
-    <dgm:cxn modelId="{35C7BC4E-4E5D-4684-A371-D1217B6B9BD2}" type="presOf" srcId="{288290FF-9583-4E6A-AF71-220F0DAA229C}" destId="{DC6B30DA-7579-47C4-8B5B-DAA315B7271B}" srcOrd="0" destOrd="1" presId="urn:microsoft.com/office/officeart/2005/8/layout/cycle4"/>
-    <dgm:cxn modelId="{C0F9D869-DA2D-43FE-86F8-A6EABA42A7A6}" srcId="{15F9CA3C-9D77-42A7-9B64-6234DF72EBF7}" destId="{288290FF-9583-4E6A-AF71-220F0DAA229C}" srcOrd="1" destOrd="0" parTransId="{AC23AC80-9A19-4BFE-B24F-61CE03949DBE}" sibTransId="{6C7464C4-9653-4BD2-82A0-F2CFC25B1730}"/>
     <dgm:cxn modelId="{C2CDD5FC-58E9-450A-836B-2D1D478B070D}" type="presOf" srcId="{7BC656CB-3A1A-4F45-B524-DE9BCAD0BC1F}" destId="{5B9C950A-E163-49C9-985F-4BA4503C5A0E}" srcOrd="0" destOrd="0" presId="urn:microsoft.com/office/officeart/2005/8/layout/cycle4"/>
-    <dgm:cxn modelId="{5D3066D5-F4BA-4421-BB14-B8D1A6887FF0}" type="presOf" srcId="{378E6AD5-EF0A-4532-9E26-F21DFB740526}" destId="{BF346ED4-70E4-4127-9DCC-122E272A4B3A}" srcOrd="0" destOrd="0" presId="urn:microsoft.com/office/officeart/2005/8/layout/cycle4"/>
-    <dgm:cxn modelId="{62092D51-2B73-4C25-B1E3-0DFBC7F310FC}" srcId="{C05AE960-976A-420A-A7B4-DFDB1941F5A5}" destId="{15F9CA3C-9D77-42A7-9B64-6234DF72EBF7}" srcOrd="1" destOrd="0" parTransId="{17C96210-7F99-43A9-9D8A-E53E809DC861}" sibTransId="{4F885712-C6C0-4013-831E-33DD08FAA1EC}"/>
-    <dgm:cxn modelId="{4A635EA3-68D3-4892-B701-E5663784CA6F}" srcId="{FEB3D173-14F6-4492-A6DF-D4EF512DAA3E}" destId="{EBD158B9-ADA1-4172-886E-FC60D77EB1D8}" srcOrd="1" destOrd="0" parTransId="{3268F215-D542-4556-BAF1-1EFFAAB2CD29}" sibTransId="{D52BD872-233C-45A2-A3D5-9F5081DA49FF}"/>
-    <dgm:cxn modelId="{A3A4C713-66F7-4109-B70C-C6C7E905D676}" type="presOf" srcId="{EBD158B9-ADA1-4172-886E-FC60D77EB1D8}" destId="{D055328A-21DB-4C4D-8C49-AD03320FD3FD}" srcOrd="1" destOrd="1" presId="urn:microsoft.com/office/officeart/2005/8/layout/cycle4"/>
-    <dgm:cxn modelId="{11D8742C-8995-4D03-87E0-2E652942880B}" type="presOf" srcId="{B6B1C34A-17D5-49D4-A336-B88B60FE091E}" destId="{C15D8DB8-8F3C-4782-B43B-5A43A7BA1A91}" srcOrd="0" destOrd="0" presId="urn:microsoft.com/office/officeart/2005/8/layout/cycle4"/>
-    <dgm:cxn modelId="{AD2F4729-C10B-4CDF-92FD-B399B0A206A1}" type="presOf" srcId="{B6B1C34A-17D5-49D4-A336-B88B60FE091E}" destId="{9F5393C6-576B-40A5-8964-390B2ECEE028}" srcOrd="1" destOrd="0" presId="urn:microsoft.com/office/officeart/2005/8/layout/cycle4"/>
-    <dgm:cxn modelId="{AFBB61A3-F7C1-4642-86E2-6D3E0C3EE781}" srcId="{C05AE960-976A-420A-A7B4-DFDB1941F5A5}" destId="{378E6AD5-EF0A-4532-9E26-F21DFB740526}" srcOrd="2" destOrd="0" parTransId="{777551A7-3423-42CC-BCAF-274FD5D01773}" sibTransId="{F220D412-64FD-4B43-AA28-17CAF05FE13C}"/>
-    <dgm:cxn modelId="{22F1E1C3-C8A7-457D-91D9-3434E589EB95}" type="presOf" srcId="{A63B2818-9164-40BC-B940-E62F6FDA2773}" destId="{429975E5-2103-4B4F-92F4-BACCAEC5B8E4}" srcOrd="1" destOrd="0" presId="urn:microsoft.com/office/officeart/2005/8/layout/cycle4"/>
     <dgm:cxn modelId="{243FC6CD-3D0D-4A4F-8298-8695F06499D9}" type="presParOf" srcId="{9D2B888C-5294-4DF5-82CE-D6FE1C3F2841}" destId="{A254EA95-C456-4FCF-8E08-AB68A2C123A6}" srcOrd="0" destOrd="0" presId="urn:microsoft.com/office/officeart/2005/8/layout/cycle4"/>
     <dgm:cxn modelId="{F1893160-888D-47B6-A14D-BDAFE90A7A2C}" type="presParOf" srcId="{A254EA95-C456-4FCF-8E08-AB68A2C123A6}" destId="{5ACBC14E-9565-4CA1-A950-4CAE57E1D53A}" srcOrd="0" destOrd="0" presId="urn:microsoft.com/office/officeart/2005/8/layout/cycle4"/>
     <dgm:cxn modelId="{7C3A911E-10D5-4D2E-8017-C80A97DBE44C}" type="presParOf" srcId="{5ACBC14E-9565-4CA1-A950-4CAE57E1D53A}" destId="{C15D8DB8-8F3C-4782-B43B-5A43A7BA1A91}" srcOrd="0" destOrd="0" presId="urn:microsoft.com/office/officeart/2005/8/layout/cycle4"/>
@@ -3913,18 +3794,13 @@
         <a:lstStyle/>
         <a:p>
           <a:r>
-            <a:rPr lang="en-IN" dirty="0" smtClean="0">
+            <a:rPr lang="en-IN" dirty="0">
               <a:solidFill>
                 <a:srgbClr val="002060"/>
               </a:solidFill>
             </a:rPr>
             <a:t>Data Pre-processing </a:t>
           </a:r>
-          <a:endParaRPr lang="en-IN" dirty="0">
-            <a:solidFill>
-              <a:srgbClr val="002060"/>
-            </a:solidFill>
-          </a:endParaRPr>
         </a:p>
       </dgm:t>
     </dgm:pt>
@@ -3958,18 +3834,13 @@
         <a:lstStyle/>
         <a:p>
           <a:r>
-            <a:rPr lang="en-IN" dirty="0" smtClean="0">
+            <a:rPr lang="en-IN" dirty="0">
               <a:solidFill>
                 <a:srgbClr val="002060"/>
               </a:solidFill>
             </a:rPr>
             <a:t>Feature Engineering</a:t>
           </a:r>
-          <a:endParaRPr lang="en-IN" dirty="0">
-            <a:solidFill>
-              <a:srgbClr val="002060"/>
-            </a:solidFill>
-          </a:endParaRPr>
         </a:p>
       </dgm:t>
     </dgm:pt>
@@ -4003,10 +3874,9 @@
         <a:lstStyle/>
         <a:p>
           <a:r>
-            <a:rPr lang="en-IN" dirty="0" smtClean="0"/>
+            <a:rPr lang="en-IN" dirty="0"/>
             <a:t>Variable Extraction</a:t>
           </a:r>
-          <a:endParaRPr lang="en-IN" dirty="0"/>
         </a:p>
       </dgm:t>
     </dgm:pt>
@@ -4042,13 +3912,6 @@
         </dgm:presLayoutVars>
       </dgm:prSet>
       <dgm:spPr/>
-      <dgm:t>
-        <a:bodyPr/>
-        <a:lstStyle/>
-        <a:p>
-          <a:endParaRPr lang="en-IN"/>
-        </a:p>
-      </dgm:t>
     </dgm:pt>
     <dgm:pt modelId="{51B5240A-F40F-416D-AF11-D38CD1F88639}" type="pres">
       <dgm:prSet presAssocID="{B06F4D8A-F0E7-4DB2-949B-716D717AFC4E}" presName="composite" presStyleCnt="0"/>
@@ -4074,13 +3937,6 @@
         </dgm:presLayoutVars>
       </dgm:prSet>
       <dgm:spPr/>
-      <dgm:t>
-        <a:bodyPr/>
-        <a:lstStyle/>
-        <a:p>
-          <a:endParaRPr lang="en-IN"/>
-        </a:p>
-      </dgm:t>
     </dgm:pt>
     <dgm:pt modelId="{E60F53FA-1A1E-4236-A9A9-EBD8EC8B9763}" type="pres">
       <dgm:prSet presAssocID="{B06F4D8A-F0E7-4DB2-949B-716D717AFC4E}" presName="Triangle" presStyleLbl="alignNode1" presStyleIdx="1" presStyleCnt="5"/>
@@ -4118,13 +3974,6 @@
         </dgm:presLayoutVars>
       </dgm:prSet>
       <dgm:spPr/>
-      <dgm:t>
-        <a:bodyPr/>
-        <a:lstStyle/>
-        <a:p>
-          <a:endParaRPr lang="en-IN"/>
-        </a:p>
-      </dgm:t>
     </dgm:pt>
     <dgm:pt modelId="{CC2B7407-3D21-4472-8523-327C3ECCC9ED}" type="pres">
       <dgm:prSet presAssocID="{3A37493F-EE18-44C6-BFDB-F738178CDDD6}" presName="Triangle" presStyleLbl="alignNode1" presStyleIdx="3" presStyleCnt="5"/>
@@ -4161,23 +4010,16 @@
         </dgm:presLayoutVars>
       </dgm:prSet>
       <dgm:spPr/>
-      <dgm:t>
-        <a:bodyPr/>
-        <a:lstStyle/>
-        <a:p>
-          <a:endParaRPr lang="en-IN"/>
-        </a:p>
-      </dgm:t>
     </dgm:pt>
   </dgm:ptLst>
   <dgm:cxnLst>
+    <dgm:cxn modelId="{5F9A25A0-B8DC-4152-AE5D-8F9B6B9ABC09}" type="presOf" srcId="{4239EA25-DAC1-489E-9448-25CA01ABA5B9}" destId="{852F13B7-7AFA-451C-ADE5-2486B9A5527D}" srcOrd="0" destOrd="0" presId="urn:microsoft.com/office/officeart/2009/3/layout/StepUpProcess"/>
+    <dgm:cxn modelId="{5FDFDDA5-1E88-4DED-9414-898B8E255BCB}" srcId="{4F4F16E1-490D-4CDC-93B3-8A834BD607CC}" destId="{B06F4D8A-F0E7-4DB2-949B-716D717AFC4E}" srcOrd="0" destOrd="0" parTransId="{02E2A4C5-B960-4355-889A-27D3F60A096A}" sibTransId="{A6D14B1E-E5E2-42AF-9B1A-8E8AD6482CAE}"/>
+    <dgm:cxn modelId="{494CE6C9-82EA-4B1D-8C0A-20AC16FCAFCC}" type="presOf" srcId="{4F4F16E1-490D-4CDC-93B3-8A834BD607CC}" destId="{32886118-E1DD-41D0-BEFB-22A68ADF4136}" srcOrd="0" destOrd="0" presId="urn:microsoft.com/office/officeart/2009/3/layout/StepUpProcess"/>
+    <dgm:cxn modelId="{4B0887CA-3071-406E-9733-19AC8D16542C}" srcId="{4F4F16E1-490D-4CDC-93B3-8A834BD607CC}" destId="{4239EA25-DAC1-489E-9448-25CA01ABA5B9}" srcOrd="2" destOrd="0" parTransId="{3625AC54-4936-4769-BD93-558686F19A20}" sibTransId="{2CD40C60-3325-4FF6-9E35-0C296B424FE7}"/>
     <dgm:cxn modelId="{76FF1FD1-CCA7-4BCE-A8A9-3579FB37BB35}" srcId="{4F4F16E1-490D-4CDC-93B3-8A834BD607CC}" destId="{3A37493F-EE18-44C6-BFDB-F738178CDDD6}" srcOrd="1" destOrd="0" parTransId="{C24E8A4C-280B-4EAC-9AB8-46A35DCB0A79}" sibTransId="{2577D16B-2DD2-4297-BEBD-212BC7651E0E}"/>
-    <dgm:cxn modelId="{4B0887CA-3071-406E-9733-19AC8D16542C}" srcId="{4F4F16E1-490D-4CDC-93B3-8A834BD607CC}" destId="{4239EA25-DAC1-489E-9448-25CA01ABA5B9}" srcOrd="2" destOrd="0" parTransId="{3625AC54-4936-4769-BD93-558686F19A20}" sibTransId="{2CD40C60-3325-4FF6-9E35-0C296B424FE7}"/>
-    <dgm:cxn modelId="{494CE6C9-82EA-4B1D-8C0A-20AC16FCAFCC}" type="presOf" srcId="{4F4F16E1-490D-4CDC-93B3-8A834BD607CC}" destId="{32886118-E1DD-41D0-BEFB-22A68ADF4136}" srcOrd="0" destOrd="0" presId="urn:microsoft.com/office/officeart/2009/3/layout/StepUpProcess"/>
+    <dgm:cxn modelId="{117044D2-B763-4870-A161-03B434919BEF}" type="presOf" srcId="{B06F4D8A-F0E7-4DB2-949B-716D717AFC4E}" destId="{7F4A19A8-04C6-4DA1-A355-9AFE7B2045EB}" srcOrd="0" destOrd="0" presId="urn:microsoft.com/office/officeart/2009/3/layout/StepUpProcess"/>
     <dgm:cxn modelId="{6D40BEF8-498A-4D2C-B2E4-782A24EA6854}" type="presOf" srcId="{3A37493F-EE18-44C6-BFDB-F738178CDDD6}" destId="{B05EC917-1F0F-4075-AC78-800DFC3BFB8C}" srcOrd="0" destOrd="0" presId="urn:microsoft.com/office/officeart/2009/3/layout/StepUpProcess"/>
-    <dgm:cxn modelId="{5FDFDDA5-1E88-4DED-9414-898B8E255BCB}" srcId="{4F4F16E1-490D-4CDC-93B3-8A834BD607CC}" destId="{B06F4D8A-F0E7-4DB2-949B-716D717AFC4E}" srcOrd="0" destOrd="0" parTransId="{02E2A4C5-B960-4355-889A-27D3F60A096A}" sibTransId="{A6D14B1E-E5E2-42AF-9B1A-8E8AD6482CAE}"/>
-    <dgm:cxn modelId="{5F9A25A0-B8DC-4152-AE5D-8F9B6B9ABC09}" type="presOf" srcId="{4239EA25-DAC1-489E-9448-25CA01ABA5B9}" destId="{852F13B7-7AFA-451C-ADE5-2486B9A5527D}" srcOrd="0" destOrd="0" presId="urn:microsoft.com/office/officeart/2009/3/layout/StepUpProcess"/>
-    <dgm:cxn modelId="{117044D2-B763-4870-A161-03B434919BEF}" type="presOf" srcId="{B06F4D8A-F0E7-4DB2-949B-716D717AFC4E}" destId="{7F4A19A8-04C6-4DA1-A355-9AFE7B2045EB}" srcOrd="0" destOrd="0" presId="urn:microsoft.com/office/officeart/2009/3/layout/StepUpProcess"/>
     <dgm:cxn modelId="{C95C380C-E2F4-464B-8383-8F8AABE498E3}" type="presParOf" srcId="{32886118-E1DD-41D0-BEFB-22A68ADF4136}" destId="{51B5240A-F40F-416D-AF11-D38CD1F88639}" srcOrd="0" destOrd="0" presId="urn:microsoft.com/office/officeart/2009/3/layout/StepUpProcess"/>
     <dgm:cxn modelId="{55463DEE-C379-407B-B73A-CE2E83F75FA6}" type="presParOf" srcId="{51B5240A-F40F-416D-AF11-D38CD1F88639}" destId="{D15EC378-8F94-450B-80F7-2BA78245ED71}" srcOrd="0" destOrd="0" presId="urn:microsoft.com/office/officeart/2009/3/layout/StepUpProcess"/>
     <dgm:cxn modelId="{E2E1130D-EE22-47BD-B152-291761F45AF5}" type="presParOf" srcId="{51B5240A-F40F-416D-AF11-D38CD1F88639}" destId="{7F4A19A8-04C6-4DA1-A355-9AFE7B2045EB}" srcOrd="1" destOrd="0" presId="urn:microsoft.com/office/officeart/2009/3/layout/StepUpProcess"/>
@@ -4226,10 +4068,9 @@
         <a:lstStyle/>
         <a:p>
           <a:r>
-            <a:rPr lang="en-IN" dirty="0" smtClean="0"/>
+            <a:rPr lang="en-IN" dirty="0"/>
             <a:t>Data Insights</a:t>
           </a:r>
-          <a:endParaRPr lang="en-IN" dirty="0"/>
         </a:p>
       </dgm:t>
     </dgm:pt>
@@ -4331,13 +4172,6 @@
         </dgm:presLayoutVars>
       </dgm:prSet>
       <dgm:spPr/>
-      <dgm:t>
-        <a:bodyPr/>
-        <a:lstStyle/>
-        <a:p>
-          <a:endParaRPr lang="en-IN"/>
-        </a:p>
-      </dgm:t>
     </dgm:pt>
     <dgm:pt modelId="{DE7D8D80-8A42-4F31-B61D-847E587ACE78}" type="pres">
       <dgm:prSet presAssocID="{4A1888E5-95C4-4B5A-A87C-48D00B8FEECB}" presName="Parent" presStyleLbl="node1" presStyleIdx="0" presStyleCnt="2" custScaleX="101775">
@@ -4347,13 +4181,6 @@
         </dgm:presLayoutVars>
       </dgm:prSet>
       <dgm:spPr/>
-      <dgm:t>
-        <a:bodyPr/>
-        <a:lstStyle/>
-        <a:p>
-          <a:endParaRPr lang="en-IN"/>
-        </a:p>
-      </dgm:t>
     </dgm:pt>
     <dgm:pt modelId="{6B9CB8EB-11B9-427C-8607-0091D0DFF3FF}" type="pres">
       <dgm:prSet presAssocID="{BA7A639E-6339-44BA-A52E-912AFE522D9C}" presName="Accent" presStyleLbl="node1" presStyleIdx="1" presStyleCnt="2" custLinFactNeighborX="13114" custLinFactNeighborY="-6719"/>
@@ -4369,13 +4196,6 @@
           </a:stretch>
         </a:blipFill>
       </dgm:spPr>
-      <dgm:t>
-        <a:bodyPr/>
-        <a:lstStyle/>
-        <a:p>
-          <a:endParaRPr lang="en-IN"/>
-        </a:p>
-      </dgm:t>
     </dgm:pt>
     <dgm:pt modelId="{4A7C139A-53B6-431F-B946-484C7D670A7E}" type="pres">
       <dgm:prSet presAssocID="{BA7A639E-6339-44BA-A52E-912AFE522D9C}" presName="Child1" presStyleLbl="revTx" presStyleIdx="0" presStyleCnt="2" custFlipVert="1" custFlipHor="1" custScaleX="4534" custScaleY="68732" custLinFactNeighborX="-55820" custLinFactNeighborY="-12863">
@@ -4386,13 +4206,6 @@
         </dgm:presLayoutVars>
       </dgm:prSet>
       <dgm:spPr/>
-      <dgm:t>
-        <a:bodyPr/>
-        <a:lstStyle/>
-        <a:p>
-          <a:endParaRPr lang="en-IN"/>
-        </a:p>
-      </dgm:t>
     </dgm:pt>
     <dgm:pt modelId="{85AB2D54-5E92-4C65-A7A0-DC8101B4A34C}" type="pres">
       <dgm:prSet presAssocID="{B4E89A57-BE7A-4729-94BE-247BDC22EDE4}" presName="Image2" presStyleCnt="0"/>
@@ -4408,13 +4221,6 @@
           </a:stretch>
         </a:blipFill>
       </dgm:spPr>
-      <dgm:t>
-        <a:bodyPr/>
-        <a:lstStyle/>
-        <a:p>
-          <a:endParaRPr lang="en-IN"/>
-        </a:p>
-      </dgm:t>
     </dgm:pt>
     <dgm:pt modelId="{84278E41-0430-4182-A1E7-B769DCECC0B7}" type="pres">
       <dgm:prSet presAssocID="{B4E89A57-BE7A-4729-94BE-247BDC22EDE4}" presName="Child2" presStyleLbl="revTx" presStyleIdx="1" presStyleCnt="2" custFlipHor="1" custScaleX="8320" custScaleY="54335" custLinFactNeighborX="-52344" custLinFactNeighborY="2026">
@@ -4425,23 +4231,16 @@
         </dgm:presLayoutVars>
       </dgm:prSet>
       <dgm:spPr/>
-      <dgm:t>
-        <a:bodyPr/>
-        <a:lstStyle/>
-        <a:p>
-          <a:endParaRPr lang="en-IN"/>
-        </a:p>
-      </dgm:t>
     </dgm:pt>
   </dgm:ptLst>
   <dgm:cxnLst>
+    <dgm:cxn modelId="{BA1C1A24-2152-4859-8681-061DEAF89276}" srcId="{4A1888E5-95C4-4B5A-A87C-48D00B8FEECB}" destId="{B4E89A57-BE7A-4729-94BE-247BDC22EDE4}" srcOrd="1" destOrd="0" parTransId="{DE7F21D3-B97A-4CAA-B9F5-C1AD95816866}" sibTransId="{CDBE12FC-0024-4083-9F08-1FC51271B443}"/>
+    <dgm:cxn modelId="{67575332-E826-47D1-A47C-AC7537E77D4A}" type="presOf" srcId="{7E35DEC5-BB41-431F-A3D8-483B815FB0AE}" destId="{26EF5CC5-1EA0-49CD-8F86-8073BB72A6E3}" srcOrd="0" destOrd="0" presId="urn:microsoft.com/office/officeart/2011/layout/RadialPictureList"/>
+    <dgm:cxn modelId="{BFA1638D-7461-46B7-B071-DEBA23CBEC65}" srcId="{4A1888E5-95C4-4B5A-A87C-48D00B8FEECB}" destId="{BA7A639E-6339-44BA-A52E-912AFE522D9C}" srcOrd="0" destOrd="0" parTransId="{C2F2FB00-4F6D-475C-B166-004D42045B2B}" sibTransId="{799D188F-4B9C-4B76-9620-DFA401BE262A}"/>
+    <dgm:cxn modelId="{07C7AA96-BBA4-466E-9D8C-C1482F2B9F33}" srcId="{7E35DEC5-BB41-431F-A3D8-483B815FB0AE}" destId="{4A1888E5-95C4-4B5A-A87C-48D00B8FEECB}" srcOrd="0" destOrd="0" parTransId="{A7A47563-0C0E-4335-8BB3-E3BC1E02925C}" sibTransId="{70C94233-E0E6-4217-BD18-48DFFEA80107}"/>
+    <dgm:cxn modelId="{A82A0AAF-759C-4859-8FE5-C0603216E29A}" type="presOf" srcId="{BA7A639E-6339-44BA-A52E-912AFE522D9C}" destId="{4A7C139A-53B6-431F-B946-484C7D670A7E}" srcOrd="0" destOrd="0" presId="urn:microsoft.com/office/officeart/2011/layout/RadialPictureList"/>
+    <dgm:cxn modelId="{1AD16AC7-9DF3-452D-ADF7-6A19CB6E2F1A}" type="presOf" srcId="{4A1888E5-95C4-4B5A-A87C-48D00B8FEECB}" destId="{DE7D8D80-8A42-4F31-B61D-847E587ACE78}" srcOrd="0" destOrd="0" presId="urn:microsoft.com/office/officeart/2011/layout/RadialPictureList"/>
     <dgm:cxn modelId="{6D50AECC-B8EF-41E4-B808-CED043F0B98F}" type="presOf" srcId="{B4E89A57-BE7A-4729-94BE-247BDC22EDE4}" destId="{84278E41-0430-4182-A1E7-B769DCECC0B7}" srcOrd="0" destOrd="0" presId="urn:microsoft.com/office/officeart/2011/layout/RadialPictureList"/>
-    <dgm:cxn modelId="{BA1C1A24-2152-4859-8681-061DEAF89276}" srcId="{4A1888E5-95C4-4B5A-A87C-48D00B8FEECB}" destId="{B4E89A57-BE7A-4729-94BE-247BDC22EDE4}" srcOrd="1" destOrd="0" parTransId="{DE7F21D3-B97A-4CAA-B9F5-C1AD95816866}" sibTransId="{CDBE12FC-0024-4083-9F08-1FC51271B443}"/>
-    <dgm:cxn modelId="{07C7AA96-BBA4-466E-9D8C-C1482F2B9F33}" srcId="{7E35DEC5-BB41-431F-A3D8-483B815FB0AE}" destId="{4A1888E5-95C4-4B5A-A87C-48D00B8FEECB}" srcOrd="0" destOrd="0" parTransId="{A7A47563-0C0E-4335-8BB3-E3BC1E02925C}" sibTransId="{70C94233-E0E6-4217-BD18-48DFFEA80107}"/>
-    <dgm:cxn modelId="{BFA1638D-7461-46B7-B071-DEBA23CBEC65}" srcId="{4A1888E5-95C4-4B5A-A87C-48D00B8FEECB}" destId="{BA7A639E-6339-44BA-A52E-912AFE522D9C}" srcOrd="0" destOrd="0" parTransId="{C2F2FB00-4F6D-475C-B166-004D42045B2B}" sibTransId="{799D188F-4B9C-4B76-9620-DFA401BE262A}"/>
-    <dgm:cxn modelId="{A82A0AAF-759C-4859-8FE5-C0603216E29A}" type="presOf" srcId="{BA7A639E-6339-44BA-A52E-912AFE522D9C}" destId="{4A7C139A-53B6-431F-B946-484C7D670A7E}" srcOrd="0" destOrd="0" presId="urn:microsoft.com/office/officeart/2011/layout/RadialPictureList"/>
-    <dgm:cxn modelId="{67575332-E826-47D1-A47C-AC7537E77D4A}" type="presOf" srcId="{7E35DEC5-BB41-431F-A3D8-483B815FB0AE}" destId="{26EF5CC5-1EA0-49CD-8F86-8073BB72A6E3}" srcOrd="0" destOrd="0" presId="urn:microsoft.com/office/officeart/2011/layout/RadialPictureList"/>
-    <dgm:cxn modelId="{1AD16AC7-9DF3-452D-ADF7-6A19CB6E2F1A}" type="presOf" srcId="{4A1888E5-95C4-4B5A-A87C-48D00B8FEECB}" destId="{DE7D8D80-8A42-4F31-B61D-847E587ACE78}" srcOrd="0" destOrd="0" presId="urn:microsoft.com/office/officeart/2011/layout/RadialPictureList"/>
     <dgm:cxn modelId="{058F451E-44A5-49B8-B448-10B559514518}" type="presParOf" srcId="{26EF5CC5-1EA0-49CD-8F86-8073BB72A6E3}" destId="{DE7D8D80-8A42-4F31-B61D-847E587ACE78}" srcOrd="0" destOrd="0" presId="urn:microsoft.com/office/officeart/2011/layout/RadialPictureList"/>
     <dgm:cxn modelId="{6477A560-FE64-42D4-979F-B9A34C5CB550}" type="presParOf" srcId="{26EF5CC5-1EA0-49CD-8F86-8073BB72A6E3}" destId="{6B9CB8EB-11B9-427C-8607-0091D0DFF3FF}" srcOrd="1" destOrd="0" presId="urn:microsoft.com/office/officeart/2011/layout/RadialPictureList"/>
     <dgm:cxn modelId="{FDD5C420-361D-4507-A83D-AEB6FE3AC423}" type="presParOf" srcId="{26EF5CC5-1EA0-49CD-8F86-8073BB72A6E3}" destId="{4AC6C05A-C366-46D0-AB79-9F9A3F5DE8CD}" srcOrd="2" destOrd="0" presId="urn:microsoft.com/office/officeart/2011/layout/RadialPictureList"/>
@@ -4482,10 +4281,9 @@
         <a:lstStyle/>
         <a:p>
           <a:r>
-            <a:rPr lang="en-IN" dirty="0" smtClean="0"/>
+            <a:rPr lang="en-IN" dirty="0"/>
             <a:t>Classification </a:t>
           </a:r>
-          <a:endParaRPr lang="en-IN" dirty="0"/>
         </a:p>
       </dgm:t>
     </dgm:pt>
@@ -4519,10 +4317,9 @@
         <a:lstStyle/>
         <a:p>
           <a:r>
-            <a:rPr lang="en-IN" dirty="0" smtClean="0"/>
+            <a:rPr lang="en-IN" dirty="0"/>
             <a:t>Decision Tree</a:t>
           </a:r>
-          <a:endParaRPr lang="en-IN" dirty="0"/>
         </a:p>
       </dgm:t>
     </dgm:pt>
@@ -4556,10 +4353,9 @@
         <a:lstStyle/>
         <a:p>
           <a:r>
-            <a:rPr lang="en-IN" dirty="0" smtClean="0"/>
+            <a:rPr lang="en-IN" dirty="0"/>
             <a:t>Bagged CART</a:t>
           </a:r>
-          <a:endParaRPr lang="en-IN" dirty="0"/>
         </a:p>
       </dgm:t>
     </dgm:pt>
@@ -4593,11 +4389,11 @@
         <a:lstStyle/>
         <a:p>
           <a:r>
-            <a:rPr lang="en-IN" smtClean="0"/>
+            <a:rPr lang="en-IN"/>
             <a:t>Logistic</a:t>
           </a:r>
           <a:r>
-            <a:rPr lang="en-IN" baseline="0" smtClean="0"/>
+            <a:rPr lang="en-IN" baseline="0"/>
             <a:t> Regression</a:t>
           </a:r>
           <a:endParaRPr lang="en-IN" dirty="0"/>
@@ -4637,13 +4433,6 @@
         </dgm:presLayoutVars>
       </dgm:prSet>
       <dgm:spPr/>
-      <dgm:t>
-        <a:bodyPr/>
-        <a:lstStyle/>
-        <a:p>
-          <a:endParaRPr lang="en-IN"/>
-        </a:p>
-      </dgm:t>
     </dgm:pt>
     <dgm:pt modelId="{6BAA602B-0E66-4629-B2FA-395A647E83A6}" type="pres">
       <dgm:prSet presAssocID="{D36810B3-2EF7-4DF9-830E-FF0ABD01B616}" presName="root1" presStyleCnt="0"/>
@@ -4656,13 +4445,6 @@
         </dgm:presLayoutVars>
       </dgm:prSet>
       <dgm:spPr/>
-      <dgm:t>
-        <a:bodyPr/>
-        <a:lstStyle/>
-        <a:p>
-          <a:endParaRPr lang="en-IN"/>
-        </a:p>
-      </dgm:t>
     </dgm:pt>
     <dgm:pt modelId="{7C94178F-1187-4756-A3C9-72D9903B0D33}" type="pres">
       <dgm:prSet presAssocID="{D36810B3-2EF7-4DF9-830E-FF0ABD01B616}" presName="level2hierChild" presStyleCnt="0"/>
@@ -4671,24 +4453,10 @@
     <dgm:pt modelId="{ED8409BF-F7D8-443E-A67D-DFD3DE9C1C87}" type="pres">
       <dgm:prSet presAssocID="{EA2B9CEE-CDFF-472C-A87C-D27E4E480EAB}" presName="conn2-1" presStyleLbl="parChTrans1D2" presStyleIdx="0" presStyleCnt="3"/>
       <dgm:spPr/>
-      <dgm:t>
-        <a:bodyPr/>
-        <a:lstStyle/>
-        <a:p>
-          <a:endParaRPr lang="en-IN"/>
-        </a:p>
-      </dgm:t>
     </dgm:pt>
     <dgm:pt modelId="{D8D54449-C89C-4654-8041-3A22029803F4}" type="pres">
       <dgm:prSet presAssocID="{EA2B9CEE-CDFF-472C-A87C-D27E4E480EAB}" presName="connTx" presStyleLbl="parChTrans1D2" presStyleIdx="0" presStyleCnt="3"/>
       <dgm:spPr/>
-      <dgm:t>
-        <a:bodyPr/>
-        <a:lstStyle/>
-        <a:p>
-          <a:endParaRPr lang="en-IN"/>
-        </a:p>
-      </dgm:t>
     </dgm:pt>
     <dgm:pt modelId="{B38B05AA-0B80-459C-993A-3F9DD0BAFC65}" type="pres">
       <dgm:prSet presAssocID="{254FD350-5DCD-4B34-95B1-340F3170293A}" presName="root2" presStyleCnt="0"/>
@@ -4701,13 +4469,6 @@
         </dgm:presLayoutVars>
       </dgm:prSet>
       <dgm:spPr/>
-      <dgm:t>
-        <a:bodyPr/>
-        <a:lstStyle/>
-        <a:p>
-          <a:endParaRPr lang="en-IN"/>
-        </a:p>
-      </dgm:t>
     </dgm:pt>
     <dgm:pt modelId="{028CACE3-E546-4F80-BFA6-8A440CF2AEF9}" type="pres">
       <dgm:prSet presAssocID="{254FD350-5DCD-4B34-95B1-340F3170293A}" presName="level3hierChild" presStyleCnt="0"/>
@@ -4716,24 +4477,10 @@
     <dgm:pt modelId="{7874A738-1E6E-4289-993C-8A8E1A73E0D4}" type="pres">
       <dgm:prSet presAssocID="{F43B677C-4519-42B9-9346-B6F4330A1599}" presName="conn2-1" presStyleLbl="parChTrans1D2" presStyleIdx="1" presStyleCnt="3"/>
       <dgm:spPr/>
-      <dgm:t>
-        <a:bodyPr/>
-        <a:lstStyle/>
-        <a:p>
-          <a:endParaRPr lang="en-IN"/>
-        </a:p>
-      </dgm:t>
     </dgm:pt>
     <dgm:pt modelId="{477F7C4F-68EA-4697-AFC3-5739E6A4E1D1}" type="pres">
       <dgm:prSet presAssocID="{F43B677C-4519-42B9-9346-B6F4330A1599}" presName="connTx" presStyleLbl="parChTrans1D2" presStyleIdx="1" presStyleCnt="3"/>
       <dgm:spPr/>
-      <dgm:t>
-        <a:bodyPr/>
-        <a:lstStyle/>
-        <a:p>
-          <a:endParaRPr lang="en-IN"/>
-        </a:p>
-      </dgm:t>
     </dgm:pt>
     <dgm:pt modelId="{2FA4E95B-D3C1-4284-B999-54923B1C858E}" type="pres">
       <dgm:prSet presAssocID="{99234316-5AA5-4CD6-B4AB-3E10E6A65762}" presName="root2" presStyleCnt="0"/>
@@ -4746,13 +4493,6 @@
         </dgm:presLayoutVars>
       </dgm:prSet>
       <dgm:spPr/>
-      <dgm:t>
-        <a:bodyPr/>
-        <a:lstStyle/>
-        <a:p>
-          <a:endParaRPr lang="en-IN"/>
-        </a:p>
-      </dgm:t>
     </dgm:pt>
     <dgm:pt modelId="{E8A540B8-E7E7-46BB-8AB5-16DDB47C0ADA}" type="pres">
       <dgm:prSet presAssocID="{99234316-5AA5-4CD6-B4AB-3E10E6A65762}" presName="level3hierChild" presStyleCnt="0"/>
@@ -4761,24 +4501,10 @@
     <dgm:pt modelId="{06332B6F-EBF0-4081-BB72-D2CBF62DC15E}" type="pres">
       <dgm:prSet presAssocID="{3AF44C6A-6EC5-461C-9CDD-2653B4A5F6DA}" presName="conn2-1" presStyleLbl="parChTrans1D2" presStyleIdx="2" presStyleCnt="3"/>
       <dgm:spPr/>
-      <dgm:t>
-        <a:bodyPr/>
-        <a:lstStyle/>
-        <a:p>
-          <a:endParaRPr lang="en-IN"/>
-        </a:p>
-      </dgm:t>
     </dgm:pt>
     <dgm:pt modelId="{F8A4F87D-5731-448C-87F1-F16796717C72}" type="pres">
       <dgm:prSet presAssocID="{3AF44C6A-6EC5-461C-9CDD-2653B4A5F6DA}" presName="connTx" presStyleLbl="parChTrans1D2" presStyleIdx="2" presStyleCnt="3"/>
       <dgm:spPr/>
-      <dgm:t>
-        <a:bodyPr/>
-        <a:lstStyle/>
-        <a:p>
-          <a:endParaRPr lang="en-IN"/>
-        </a:p>
-      </dgm:t>
     </dgm:pt>
     <dgm:pt modelId="{545C607C-EE8B-46C6-B2E1-3FD37B956B74}" type="pres">
       <dgm:prSet presAssocID="{22E9F71C-498D-4A6C-AC3D-EC4E3152248E}" presName="root2" presStyleCnt="0"/>
@@ -4791,13 +4517,6 @@
         </dgm:presLayoutVars>
       </dgm:prSet>
       <dgm:spPr/>
-      <dgm:t>
-        <a:bodyPr/>
-        <a:lstStyle/>
-        <a:p>
-          <a:endParaRPr lang="en-IN"/>
-        </a:p>
-      </dgm:t>
     </dgm:pt>
     <dgm:pt modelId="{F848BD49-C1DB-4D04-8F42-E846CFF706F4}" type="pres">
       <dgm:prSet presAssocID="{22E9F71C-498D-4A6C-AC3D-EC4E3152248E}" presName="level3hierChild" presStyleCnt="0"/>
@@ -4805,21 +4524,21 @@
     </dgm:pt>
   </dgm:ptLst>
   <dgm:cxnLst>
-    <dgm:cxn modelId="{4EB7CAFD-5B03-42C8-A10C-C8C082C2FF12}" type="presOf" srcId="{22E9F71C-498D-4A6C-AC3D-EC4E3152248E}" destId="{9D4E4953-AB2C-40BE-9A29-77334DE27E56}" srcOrd="0" destOrd="0" presId="urn:microsoft.com/office/officeart/2008/layout/HorizontalMultiLevelHierarchy"/>
-    <dgm:cxn modelId="{FEB2A2B6-5F86-491D-9F45-B0503AAF0E02}" type="presOf" srcId="{254FD350-5DCD-4B34-95B1-340F3170293A}" destId="{CCF8B10B-5779-4BB3-93A9-DD32D112FAF9}" srcOrd="0" destOrd="0" presId="urn:microsoft.com/office/officeart/2008/layout/HorizontalMultiLevelHierarchy"/>
-    <dgm:cxn modelId="{CB70474C-AE9E-4985-9B39-C5D49294C763}" type="presOf" srcId="{3AF44C6A-6EC5-461C-9CDD-2653B4A5F6DA}" destId="{06332B6F-EBF0-4081-BB72-D2CBF62DC15E}" srcOrd="0" destOrd="0" presId="urn:microsoft.com/office/officeart/2008/layout/HorizontalMultiLevelHierarchy"/>
-    <dgm:cxn modelId="{6EB8E1D6-79A0-42E5-BD4C-0F8E3B42AFF5}" type="presOf" srcId="{3AF44C6A-6EC5-461C-9CDD-2653B4A5F6DA}" destId="{F8A4F87D-5731-448C-87F1-F16796717C72}" srcOrd="1" destOrd="0" presId="urn:microsoft.com/office/officeart/2008/layout/HorizontalMultiLevelHierarchy"/>
-    <dgm:cxn modelId="{EB5AA8BF-33D2-4AC2-9F40-45D6949593A6}" type="presOf" srcId="{F43B677C-4519-42B9-9346-B6F4330A1599}" destId="{477F7C4F-68EA-4697-AFC3-5739E6A4E1D1}" srcOrd="1" destOrd="0" presId="urn:microsoft.com/office/officeart/2008/layout/HorizontalMultiLevelHierarchy"/>
-    <dgm:cxn modelId="{ACE09594-8A39-4FF0-89CF-5031A93A7BD5}" type="presOf" srcId="{99234316-5AA5-4CD6-B4AB-3E10E6A65762}" destId="{A41F6D5C-DFA5-4C86-B9F3-5285DED1D311}" srcOrd="0" destOrd="0" presId="urn:microsoft.com/office/officeart/2008/layout/HorizontalMultiLevelHierarchy"/>
-    <dgm:cxn modelId="{50D78540-2403-4724-B9BC-A4FCB0F48950}" srcId="{D36810B3-2EF7-4DF9-830E-FF0ABD01B616}" destId="{254FD350-5DCD-4B34-95B1-340F3170293A}" srcOrd="0" destOrd="0" parTransId="{EA2B9CEE-CDFF-472C-A87C-D27E4E480EAB}" sibTransId="{1317A960-BA18-4299-828A-18FC00475096}"/>
-    <dgm:cxn modelId="{90344D56-706D-4138-8F85-CEC7D9411BDD}" type="presOf" srcId="{D36810B3-2EF7-4DF9-830E-FF0ABD01B616}" destId="{3546562E-32B2-4CA4-B04D-8C5F5E824308}" srcOrd="0" destOrd="0" presId="urn:microsoft.com/office/officeart/2008/layout/HorizontalMultiLevelHierarchy"/>
-    <dgm:cxn modelId="{2129BDC6-3938-480F-B3E1-6DCDEA2AA8E2}" srcId="{D36810B3-2EF7-4DF9-830E-FF0ABD01B616}" destId="{99234316-5AA5-4CD6-B4AB-3E10E6A65762}" srcOrd="1" destOrd="0" parTransId="{F43B677C-4519-42B9-9346-B6F4330A1599}" sibTransId="{93041281-BE25-42F3-AD76-EF6FF0731DBF}"/>
+    <dgm:cxn modelId="{69439609-F2F8-43B1-89E7-8C57AED3277F}" srcId="{D36810B3-2EF7-4DF9-830E-FF0ABD01B616}" destId="{22E9F71C-498D-4A6C-AC3D-EC4E3152248E}" srcOrd="2" destOrd="0" parTransId="{3AF44C6A-6EC5-461C-9CDD-2653B4A5F6DA}" sibTransId="{CB665342-75B4-44D7-9AB8-CC1CACD15922}"/>
     <dgm:cxn modelId="{C3D2B721-BBDC-4D89-8848-4BA6FF551211}" type="presOf" srcId="{F43B677C-4519-42B9-9346-B6F4330A1599}" destId="{7874A738-1E6E-4289-993C-8A8E1A73E0D4}" srcOrd="0" destOrd="0" presId="urn:microsoft.com/office/officeart/2008/layout/HorizontalMultiLevelHierarchy"/>
-    <dgm:cxn modelId="{E2E949B8-95F1-44F3-A113-0416BB69BF08}" srcId="{F660F0B9-9160-4E30-AF2A-DD2F0C112BB0}" destId="{D36810B3-2EF7-4DF9-830E-FF0ABD01B616}" srcOrd="0" destOrd="0" parTransId="{F575680C-2106-4AB8-A45E-B6E1AE690E2C}" sibTransId="{E4EA08C2-ACCC-4CEB-AA43-92C500C63758}"/>
     <dgm:cxn modelId="{1396292D-F0A4-4D4C-8648-A5A531D2B54D}" type="presOf" srcId="{F660F0B9-9160-4E30-AF2A-DD2F0C112BB0}" destId="{4DF5E665-1D5D-4EBC-9AFB-82E78E15FADE}" srcOrd="0" destOrd="0" presId="urn:microsoft.com/office/officeart/2008/layout/HorizontalMultiLevelHierarchy"/>
     <dgm:cxn modelId="{1E3D3B35-4771-499A-9EAA-86F498F90DF1}" type="presOf" srcId="{EA2B9CEE-CDFF-472C-A87C-D27E4E480EAB}" destId="{D8D54449-C89C-4654-8041-3A22029803F4}" srcOrd="1" destOrd="0" presId="urn:microsoft.com/office/officeart/2008/layout/HorizontalMultiLevelHierarchy"/>
+    <dgm:cxn modelId="{50D78540-2403-4724-B9BC-A4FCB0F48950}" srcId="{D36810B3-2EF7-4DF9-830E-FF0ABD01B616}" destId="{254FD350-5DCD-4B34-95B1-340F3170293A}" srcOrd="0" destOrd="0" parTransId="{EA2B9CEE-CDFF-472C-A87C-D27E4E480EAB}" sibTransId="{1317A960-BA18-4299-828A-18FC00475096}"/>
+    <dgm:cxn modelId="{CB70474C-AE9E-4985-9B39-C5D49294C763}" type="presOf" srcId="{3AF44C6A-6EC5-461C-9CDD-2653B4A5F6DA}" destId="{06332B6F-EBF0-4081-BB72-D2CBF62DC15E}" srcOrd="0" destOrd="0" presId="urn:microsoft.com/office/officeart/2008/layout/HorizontalMultiLevelHierarchy"/>
+    <dgm:cxn modelId="{90344D56-706D-4138-8F85-CEC7D9411BDD}" type="presOf" srcId="{D36810B3-2EF7-4DF9-830E-FF0ABD01B616}" destId="{3546562E-32B2-4CA4-B04D-8C5F5E824308}" srcOrd="0" destOrd="0" presId="urn:microsoft.com/office/officeart/2008/layout/HorizontalMultiLevelHierarchy"/>
     <dgm:cxn modelId="{30EC8D92-D035-45AC-AA70-CAC45992716F}" type="presOf" srcId="{EA2B9CEE-CDFF-472C-A87C-D27E4E480EAB}" destId="{ED8409BF-F7D8-443E-A67D-DFD3DE9C1C87}" srcOrd="0" destOrd="0" presId="urn:microsoft.com/office/officeart/2008/layout/HorizontalMultiLevelHierarchy"/>
-    <dgm:cxn modelId="{69439609-F2F8-43B1-89E7-8C57AED3277F}" srcId="{D36810B3-2EF7-4DF9-830E-FF0ABD01B616}" destId="{22E9F71C-498D-4A6C-AC3D-EC4E3152248E}" srcOrd="2" destOrd="0" parTransId="{3AF44C6A-6EC5-461C-9CDD-2653B4A5F6DA}" sibTransId="{CB665342-75B4-44D7-9AB8-CC1CACD15922}"/>
+    <dgm:cxn modelId="{ACE09594-8A39-4FF0-89CF-5031A93A7BD5}" type="presOf" srcId="{99234316-5AA5-4CD6-B4AB-3E10E6A65762}" destId="{A41F6D5C-DFA5-4C86-B9F3-5285DED1D311}" srcOrd="0" destOrd="0" presId="urn:microsoft.com/office/officeart/2008/layout/HorizontalMultiLevelHierarchy"/>
+    <dgm:cxn modelId="{FEB2A2B6-5F86-491D-9F45-B0503AAF0E02}" type="presOf" srcId="{254FD350-5DCD-4B34-95B1-340F3170293A}" destId="{CCF8B10B-5779-4BB3-93A9-DD32D112FAF9}" srcOrd="0" destOrd="0" presId="urn:microsoft.com/office/officeart/2008/layout/HorizontalMultiLevelHierarchy"/>
+    <dgm:cxn modelId="{E2E949B8-95F1-44F3-A113-0416BB69BF08}" srcId="{F660F0B9-9160-4E30-AF2A-DD2F0C112BB0}" destId="{D36810B3-2EF7-4DF9-830E-FF0ABD01B616}" srcOrd="0" destOrd="0" parTransId="{F575680C-2106-4AB8-A45E-B6E1AE690E2C}" sibTransId="{E4EA08C2-ACCC-4CEB-AA43-92C500C63758}"/>
+    <dgm:cxn modelId="{EB5AA8BF-33D2-4AC2-9F40-45D6949593A6}" type="presOf" srcId="{F43B677C-4519-42B9-9346-B6F4330A1599}" destId="{477F7C4F-68EA-4697-AFC3-5739E6A4E1D1}" srcOrd="1" destOrd="0" presId="urn:microsoft.com/office/officeart/2008/layout/HorizontalMultiLevelHierarchy"/>
+    <dgm:cxn modelId="{2129BDC6-3938-480F-B3E1-6DCDEA2AA8E2}" srcId="{D36810B3-2EF7-4DF9-830E-FF0ABD01B616}" destId="{99234316-5AA5-4CD6-B4AB-3E10E6A65762}" srcOrd="1" destOrd="0" parTransId="{F43B677C-4519-42B9-9346-B6F4330A1599}" sibTransId="{93041281-BE25-42F3-AD76-EF6FF0731DBF}"/>
+    <dgm:cxn modelId="{6EB8E1D6-79A0-42E5-BD4C-0F8E3B42AFF5}" type="presOf" srcId="{3AF44C6A-6EC5-461C-9CDD-2653B4A5F6DA}" destId="{F8A4F87D-5731-448C-87F1-F16796717C72}" srcOrd="1" destOrd="0" presId="urn:microsoft.com/office/officeart/2008/layout/HorizontalMultiLevelHierarchy"/>
+    <dgm:cxn modelId="{4EB7CAFD-5B03-42C8-A10C-C8C082C2FF12}" type="presOf" srcId="{22E9F71C-498D-4A6C-AC3D-EC4E3152248E}" destId="{9D4E4953-AB2C-40BE-9A29-77334DE27E56}" srcOrd="0" destOrd="0" presId="urn:microsoft.com/office/officeart/2008/layout/HorizontalMultiLevelHierarchy"/>
     <dgm:cxn modelId="{9B3224B4-1D69-4F97-BB18-E89276ABBCD5}" type="presParOf" srcId="{4DF5E665-1D5D-4EBC-9AFB-82E78E15FADE}" destId="{6BAA602B-0E66-4629-B2FA-395A647E83A6}" srcOrd="0" destOrd="0" presId="urn:microsoft.com/office/officeart/2008/layout/HorizontalMultiLevelHierarchy"/>
     <dgm:cxn modelId="{BE82823D-41D4-4CAF-B7DB-73C14E4FECD6}" type="presParOf" srcId="{6BAA602B-0E66-4629-B2FA-395A647E83A6}" destId="{3546562E-32B2-4CA4-B04D-8C5F5E824308}" srcOrd="0" destOrd="0" presId="urn:microsoft.com/office/officeart/2008/layout/HorizontalMultiLevelHierarchy"/>
     <dgm:cxn modelId="{AB1940A0-ECD5-4659-9F1D-2BD4509B9BD5}" type="presParOf" srcId="{6BAA602B-0E66-4629-B2FA-395A647E83A6}" destId="{7C94178F-1187-4756-A3C9-72D9903B0D33}" srcOrd="1" destOrd="0" presId="urn:microsoft.com/office/officeart/2008/layout/HorizontalMultiLevelHierarchy"/>
@@ -4935,7 +4654,7 @@
             <a:spcAft>
               <a:spcPct val="15000"/>
             </a:spcAft>
-            <a:buChar char="••"/>
+            <a:buChar char="•"/>
           </a:pPr>
           <a:endParaRPr lang="en-IN" sz="1500" kern="1200" dirty="0">
             <a:latin typeface="Arial" panose="020B0604020202020204" pitchFamily="34" charset="0"/>
@@ -4953,19 +4672,15 @@
             <a:spcAft>
               <a:spcPct val="15000"/>
             </a:spcAft>
-            <a:buChar char="••"/>
+            <a:buChar char="•"/>
           </a:pPr>
           <a:r>
-            <a:rPr lang="en-IN" sz="1500" kern="1200" dirty="0" smtClean="0">
+            <a:rPr lang="en-IN" sz="1500" kern="1200" dirty="0">
               <a:latin typeface="Arial" panose="020B0604020202020204" pitchFamily="34" charset="0"/>
               <a:cs typeface="Arial" panose="020B0604020202020204" pitchFamily="34" charset="0"/>
             </a:rPr>
             <a:t>Model Building</a:t>
           </a:r>
-          <a:endParaRPr lang="en-IN" sz="1500" kern="1200" dirty="0">
-            <a:latin typeface="Arial" panose="020B0604020202020204" pitchFamily="34" charset="0"/>
-            <a:cs typeface="Arial" panose="020B0604020202020204" pitchFamily="34" charset="0"/>
-          </a:endParaRPr>
         </a:p>
       </dsp:txBody>
       <dsp:txXfrm>
@@ -5051,19 +4766,15 @@
             <a:spcAft>
               <a:spcPct val="15000"/>
             </a:spcAft>
-            <a:buChar char="••"/>
+            <a:buChar char="•"/>
           </a:pPr>
           <a:r>
-            <a:rPr lang="en-IN" sz="1500" kern="1200" dirty="0" smtClean="0">
+            <a:rPr lang="en-IN" sz="1500" kern="1200" dirty="0">
               <a:latin typeface="Arial" panose="020B0604020202020204" pitchFamily="34" charset="0"/>
               <a:cs typeface="Arial" panose="020B0604020202020204" pitchFamily="34" charset="0"/>
             </a:rPr>
             <a:t>Accuracy comparison</a:t>
           </a:r>
-          <a:endParaRPr lang="en-IN" sz="1500" kern="1200" dirty="0">
-            <a:latin typeface="Arial" panose="020B0604020202020204" pitchFamily="34" charset="0"/>
-            <a:cs typeface="Arial" panose="020B0604020202020204" pitchFamily="34" charset="0"/>
-          </a:endParaRPr>
         </a:p>
         <a:p>
           <a:pPr marL="114300" lvl="1" indent="-114300" algn="l" defTabSz="666750">
@@ -5076,19 +4787,15 @@
             <a:spcAft>
               <a:spcPct val="15000"/>
             </a:spcAft>
-            <a:buChar char="••"/>
+            <a:buChar char="•"/>
           </a:pPr>
           <a:r>
-            <a:rPr lang="en-IN" sz="1500" kern="1200" dirty="0" smtClean="0">
+            <a:rPr lang="en-IN" sz="1500" kern="1200" dirty="0">
               <a:latin typeface="Arial" panose="020B0604020202020204" pitchFamily="34" charset="0"/>
               <a:cs typeface="Arial" panose="020B0604020202020204" pitchFamily="34" charset="0"/>
             </a:rPr>
             <a:t>Conclusion</a:t>
           </a:r>
-          <a:endParaRPr lang="en-IN" sz="1500" kern="1200" dirty="0">
-            <a:latin typeface="Arial" panose="020B0604020202020204" pitchFamily="34" charset="0"/>
-            <a:cs typeface="Arial" panose="020B0604020202020204" pitchFamily="34" charset="0"/>
-          </a:endParaRPr>
         </a:p>
       </dsp:txBody>
       <dsp:txXfrm>
@@ -5174,19 +4881,15 @@
             <a:spcAft>
               <a:spcPct val="15000"/>
             </a:spcAft>
-            <a:buChar char="••"/>
+            <a:buChar char="•"/>
           </a:pPr>
           <a:r>
-            <a:rPr lang="en-IN" sz="1400" kern="1200" dirty="0" smtClean="0">
+            <a:rPr lang="en-IN" sz="1400" kern="1200" dirty="0">
               <a:latin typeface="Arial" panose="020B0604020202020204" pitchFamily="34" charset="0"/>
               <a:cs typeface="Arial" panose="020B0604020202020204" pitchFamily="34" charset="0"/>
             </a:rPr>
             <a:t>Data Processing</a:t>
           </a:r>
-          <a:endParaRPr lang="en-IN" sz="1400" kern="1200" dirty="0">
-            <a:latin typeface="Arial" panose="020B0604020202020204" pitchFamily="34" charset="0"/>
-            <a:cs typeface="Arial" panose="020B0604020202020204" pitchFamily="34" charset="0"/>
-          </a:endParaRPr>
         </a:p>
         <a:p>
           <a:pPr marL="114300" lvl="1" indent="-114300" algn="l" defTabSz="622300">
@@ -5199,19 +4902,15 @@
             <a:spcAft>
               <a:spcPct val="15000"/>
             </a:spcAft>
-            <a:buChar char="••"/>
+            <a:buChar char="•"/>
           </a:pPr>
           <a:r>
-            <a:rPr lang="en-IN" sz="1400" kern="1200" dirty="0" smtClean="0">
+            <a:rPr lang="en-IN" sz="1400" kern="1200" dirty="0">
               <a:latin typeface="Arial" panose="020B0604020202020204" pitchFamily="34" charset="0"/>
               <a:cs typeface="Arial" panose="020B0604020202020204" pitchFamily="34" charset="0"/>
             </a:rPr>
             <a:t>Variable Selection</a:t>
           </a:r>
-          <a:endParaRPr lang="en-IN" sz="1400" kern="1200" dirty="0">
-            <a:latin typeface="Arial" panose="020B0604020202020204" pitchFamily="34" charset="0"/>
-            <a:cs typeface="Arial" panose="020B0604020202020204" pitchFamily="34" charset="0"/>
-          </a:endParaRPr>
         </a:p>
       </dsp:txBody>
       <dsp:txXfrm>
@@ -5297,19 +4996,15 @@
             <a:spcAft>
               <a:spcPct val="15000"/>
             </a:spcAft>
-            <a:buChar char="••"/>
+            <a:buChar char="•"/>
           </a:pPr>
           <a:r>
-            <a:rPr lang="en-IN" sz="1500" kern="1200" dirty="0" smtClean="0">
+            <a:rPr lang="en-IN" sz="1500" kern="1200" dirty="0">
               <a:latin typeface="Arial" panose="020B0604020202020204" pitchFamily="34" charset="0"/>
               <a:cs typeface="Arial" panose="020B0604020202020204" pitchFamily="34" charset="0"/>
             </a:rPr>
             <a:t>Business Outlook</a:t>
           </a:r>
-          <a:endParaRPr lang="en-IN" sz="1500" kern="1200" dirty="0">
-            <a:latin typeface="Arial" panose="020B0604020202020204" pitchFamily="34" charset="0"/>
-            <a:cs typeface="Arial" panose="020B0604020202020204" pitchFamily="34" charset="0"/>
-          </a:endParaRPr>
         </a:p>
       </dsp:txBody>
       <dsp:txXfrm>
@@ -5404,7 +5099,7 @@
         </a:bodyPr>
         <a:lstStyle/>
         <a:p>
-          <a:pPr lvl="0" algn="ctr" defTabSz="622300">
+          <a:pPr marL="0" lvl="0" indent="0" algn="ctr" defTabSz="622300">
             <a:lnSpc>
               <a:spcPct val="90000"/>
             </a:lnSpc>
@@ -5414,12 +5109,12 @@
             <a:spcAft>
               <a:spcPct val="35000"/>
             </a:spcAft>
+            <a:buNone/>
           </a:pPr>
           <a:r>
-            <a:rPr lang="en-IN" sz="1400" kern="1200" dirty="0" smtClean="0"/>
+            <a:rPr lang="en-IN" sz="1400" kern="1200" dirty="0"/>
             <a:t>Problem Statement</a:t>
           </a:r>
-          <a:endParaRPr lang="en-IN" sz="1400" kern="1200" dirty="0"/>
         </a:p>
       </dsp:txBody>
       <dsp:txXfrm>
@@ -5514,7 +5209,7 @@
         </a:bodyPr>
         <a:lstStyle/>
         <a:p>
-          <a:pPr lvl="0" algn="ctr" defTabSz="622300">
+          <a:pPr marL="0" lvl="0" indent="0" algn="ctr" defTabSz="622300">
             <a:lnSpc>
               <a:spcPct val="90000"/>
             </a:lnSpc>
@@ -5524,12 +5219,12 @@
             <a:spcAft>
               <a:spcPct val="35000"/>
             </a:spcAft>
+            <a:buNone/>
           </a:pPr>
           <a:r>
-            <a:rPr lang="en-IN" sz="1400" kern="1200" dirty="0" smtClean="0"/>
+            <a:rPr lang="en-IN" sz="1400" kern="1200" dirty="0"/>
             <a:t>Data Pre-mining</a:t>
           </a:r>
-          <a:endParaRPr lang="en-IN" sz="1400" kern="1200" dirty="0"/>
         </a:p>
       </dsp:txBody>
       <dsp:txXfrm rot="-5400000">
@@ -5624,7 +5319,7 @@
         </a:bodyPr>
         <a:lstStyle/>
         <a:p>
-          <a:pPr lvl="0" algn="ctr" defTabSz="622300">
+          <a:pPr marL="0" lvl="0" indent="0" algn="ctr" defTabSz="622300">
             <a:lnSpc>
               <a:spcPct val="90000"/>
             </a:lnSpc>
@@ -5634,12 +5329,12 @@
             <a:spcAft>
               <a:spcPct val="35000"/>
             </a:spcAft>
+            <a:buNone/>
           </a:pPr>
           <a:r>
-            <a:rPr lang="en-IN" sz="1400" kern="1200" dirty="0" smtClean="0"/>
+            <a:rPr lang="en-IN" sz="1400" kern="1200" dirty="0"/>
             <a:t>Perform Analysis</a:t>
           </a:r>
-          <a:endParaRPr lang="en-IN" sz="1400" kern="1200" dirty="0"/>
         </a:p>
       </dsp:txBody>
       <dsp:txXfrm rot="10800000">
@@ -5734,7 +5429,7 @@
         </a:bodyPr>
         <a:lstStyle/>
         <a:p>
-          <a:pPr lvl="0" algn="ctr" defTabSz="622300">
+          <a:pPr marL="0" lvl="0" indent="0" algn="ctr" defTabSz="622300">
             <a:lnSpc>
               <a:spcPct val="90000"/>
             </a:lnSpc>
@@ -5744,12 +5439,12 @@
             <a:spcAft>
               <a:spcPct val="35000"/>
             </a:spcAft>
+            <a:buNone/>
           </a:pPr>
           <a:r>
-            <a:rPr lang="en-IN" sz="1400" kern="1200" dirty="0" smtClean="0"/>
+            <a:rPr lang="en-IN" sz="1400" kern="1200" dirty="0"/>
             <a:t>Evaluation</a:t>
           </a:r>
-          <a:endParaRPr lang="en-IN" sz="1400" kern="1200" dirty="0"/>
         </a:p>
       </dsp:txBody>
       <dsp:txXfrm rot="5400000">
@@ -5968,7 +5663,7 @@
         </a:bodyPr>
         <a:lstStyle/>
         <a:p>
-          <a:pPr lvl="0" algn="l" defTabSz="1066800">
+          <a:pPr marL="0" lvl="0" indent="0" algn="l" defTabSz="1066800">
             <a:lnSpc>
               <a:spcPct val="90000"/>
             </a:lnSpc>
@@ -5978,20 +5673,16 @@
             <a:spcAft>
               <a:spcPct val="35000"/>
             </a:spcAft>
+            <a:buNone/>
           </a:pPr>
           <a:r>
-            <a:rPr lang="en-IN" sz="2400" kern="1200" dirty="0" smtClean="0">
+            <a:rPr lang="en-IN" sz="2400" kern="1200" dirty="0">
               <a:solidFill>
                 <a:srgbClr val="002060"/>
               </a:solidFill>
             </a:rPr>
             <a:t>Data Pre-processing </a:t>
           </a:r>
-          <a:endParaRPr lang="en-IN" sz="2400" kern="1200" dirty="0">
-            <a:solidFill>
-              <a:srgbClr val="002060"/>
-            </a:solidFill>
-          </a:endParaRPr>
         </a:p>
       </dsp:txBody>
       <dsp:txXfrm>
@@ -6137,7 +5828,7 @@
         </a:bodyPr>
         <a:lstStyle/>
         <a:p>
-          <a:pPr lvl="0" algn="l" defTabSz="1066800">
+          <a:pPr marL="0" lvl="0" indent="0" algn="l" defTabSz="1066800">
             <a:lnSpc>
               <a:spcPct val="90000"/>
             </a:lnSpc>
@@ -6147,20 +5838,16 @@
             <a:spcAft>
               <a:spcPct val="35000"/>
             </a:spcAft>
+            <a:buNone/>
           </a:pPr>
           <a:r>
-            <a:rPr lang="en-IN" sz="2400" kern="1200" dirty="0" smtClean="0">
+            <a:rPr lang="en-IN" sz="2400" kern="1200" dirty="0">
               <a:solidFill>
                 <a:srgbClr val="002060"/>
               </a:solidFill>
             </a:rPr>
             <a:t>Feature Engineering</a:t>
           </a:r>
-          <a:endParaRPr lang="en-IN" sz="2400" kern="1200" dirty="0">
-            <a:solidFill>
-              <a:srgbClr val="002060"/>
-            </a:solidFill>
-          </a:endParaRPr>
         </a:p>
       </dsp:txBody>
       <dsp:txXfrm>
@@ -6305,7 +5992,7 @@
         </a:bodyPr>
         <a:lstStyle/>
         <a:p>
-          <a:pPr lvl="0" algn="l" defTabSz="1066800">
+          <a:pPr marL="0" lvl="0" indent="0" algn="l" defTabSz="1066800">
             <a:lnSpc>
               <a:spcPct val="90000"/>
             </a:lnSpc>
@@ -6315,12 +6002,12 @@
             <a:spcAft>
               <a:spcPct val="35000"/>
             </a:spcAft>
+            <a:buNone/>
           </a:pPr>
           <a:r>
-            <a:rPr lang="en-IN" sz="2400" kern="1200" dirty="0" smtClean="0"/>
+            <a:rPr lang="en-IN" sz="2400" kern="1200" dirty="0"/>
             <a:t>Variable Extraction</a:t>
           </a:r>
-          <a:endParaRPr lang="en-IN" sz="2400" kern="1200" dirty="0"/>
         </a:p>
       </dsp:txBody>
       <dsp:txXfrm>
@@ -6430,7 +6117,7 @@
         </a:bodyPr>
         <a:lstStyle/>
         <a:p>
-          <a:pPr lvl="0" algn="ctr" defTabSz="1511300">
+          <a:pPr marL="0" lvl="0" indent="0" algn="ctr" defTabSz="1511300">
             <a:lnSpc>
               <a:spcPct val="90000"/>
             </a:lnSpc>
@@ -6440,12 +6127,12 @@
             <a:spcAft>
               <a:spcPct val="35000"/>
             </a:spcAft>
+            <a:buNone/>
           </a:pPr>
           <a:r>
-            <a:rPr lang="en-IN" sz="3400" kern="1200" dirty="0" smtClean="0"/>
+            <a:rPr lang="en-IN" sz="3400" kern="1200" dirty="0"/>
             <a:t>Data Insights</a:t>
           </a:r>
-          <a:endParaRPr lang="en-IN" sz="3400" kern="1200" dirty="0"/>
         </a:p>
       </dsp:txBody>
       <dsp:txXfrm>
@@ -6633,7 +6320,7 @@
         </a:bodyPr>
         <a:lstStyle/>
         <a:p>
-          <a:pPr lvl="0" algn="l" defTabSz="222250">
+          <a:pPr marL="0" lvl="0" indent="0" algn="l" defTabSz="222250">
             <a:lnSpc>
               <a:spcPct val="90000"/>
             </a:lnSpc>
@@ -6643,6 +6330,7 @@
             <a:spcAft>
               <a:spcPct val="10000"/>
             </a:spcAft>
+            <a:buNone/>
           </a:pPr>
           <a:endParaRPr lang="en-IN" sz="500" kern="1200" dirty="0"/>
         </a:p>
@@ -6743,7 +6431,7 @@
         </a:bodyPr>
         <a:lstStyle/>
         <a:p>
-          <a:pPr lvl="0" algn="l" defTabSz="222250">
+          <a:pPr marL="0" lvl="0" indent="0" algn="l" defTabSz="222250">
             <a:lnSpc>
               <a:spcPct val="90000"/>
             </a:lnSpc>
@@ -6753,6 +6441,7 @@
             <a:spcAft>
               <a:spcPct val="10000"/>
             </a:spcAft>
+            <a:buNone/>
           </a:pPr>
           <a:endParaRPr lang="en-IN" sz="500" kern="1200" dirty="0"/>
         </a:p>
@@ -6840,7 +6529,7 @@
         </a:bodyPr>
         <a:lstStyle/>
         <a:p>
-          <a:pPr lvl="0" algn="ctr" defTabSz="222250">
+          <a:pPr marL="0" lvl="0" indent="0" algn="ctr" defTabSz="222250">
             <a:lnSpc>
               <a:spcPct val="90000"/>
             </a:lnSpc>
@@ -6850,6 +6539,7 @@
             <a:spcAft>
               <a:spcPct val="35000"/>
             </a:spcAft>
+            <a:buNone/>
           </a:pPr>
           <a:endParaRPr lang="en-IN" sz="500" kern="1200"/>
         </a:p>
@@ -6919,7 +6609,7 @@
         </a:bodyPr>
         <a:lstStyle/>
         <a:p>
-          <a:pPr lvl="0" algn="ctr" defTabSz="222250">
+          <a:pPr marL="0" lvl="0" indent="0" algn="ctr" defTabSz="222250">
             <a:lnSpc>
               <a:spcPct val="90000"/>
             </a:lnSpc>
@@ -6929,6 +6619,7 @@
             <a:spcAft>
               <a:spcPct val="35000"/>
             </a:spcAft>
+            <a:buNone/>
           </a:pPr>
           <a:endParaRPr lang="en-IN" sz="500" kern="1200"/>
         </a:p>
@@ -7004,7 +6695,7 @@
         </a:bodyPr>
         <a:lstStyle/>
         <a:p>
-          <a:pPr lvl="0" algn="ctr" defTabSz="222250">
+          <a:pPr marL="0" lvl="0" indent="0" algn="ctr" defTabSz="222250">
             <a:lnSpc>
               <a:spcPct val="90000"/>
             </a:lnSpc>
@@ -7014,6 +6705,7 @@
             <a:spcAft>
               <a:spcPct val="35000"/>
             </a:spcAft>
+            <a:buNone/>
           </a:pPr>
           <a:endParaRPr lang="en-IN" sz="500" kern="1200"/>
         </a:p>
@@ -7077,7 +6769,7 @@
         </a:bodyPr>
         <a:lstStyle/>
         <a:p>
-          <a:pPr lvl="0" algn="ctr" defTabSz="1422400">
+          <a:pPr marL="0" lvl="0" indent="0" algn="ctr" defTabSz="1422400">
             <a:lnSpc>
               <a:spcPct val="90000"/>
             </a:lnSpc>
@@ -7087,12 +6779,12 @@
             <a:spcAft>
               <a:spcPct val="35000"/>
             </a:spcAft>
+            <a:buNone/>
           </a:pPr>
           <a:r>
-            <a:rPr lang="en-IN" sz="3200" kern="1200" dirty="0" smtClean="0"/>
+            <a:rPr lang="en-IN" sz="3200" kern="1200" dirty="0"/>
             <a:t>Classification </a:t>
           </a:r>
-          <a:endParaRPr lang="en-IN" sz="3200" kern="1200" dirty="0"/>
         </a:p>
       </dsp:txBody>
       <dsp:txXfrm>
@@ -7154,7 +6846,7 @@
         </a:bodyPr>
         <a:lstStyle/>
         <a:p>
-          <a:pPr lvl="0" algn="ctr" defTabSz="1155700">
+          <a:pPr marL="0" lvl="0" indent="0" algn="ctr" defTabSz="1155700">
             <a:lnSpc>
               <a:spcPct val="90000"/>
             </a:lnSpc>
@@ -7164,12 +6856,12 @@
             <a:spcAft>
               <a:spcPct val="35000"/>
             </a:spcAft>
+            <a:buNone/>
           </a:pPr>
           <a:r>
-            <a:rPr lang="en-IN" sz="2600" kern="1200" dirty="0" smtClean="0"/>
+            <a:rPr lang="en-IN" sz="2600" kern="1200" dirty="0"/>
             <a:t>Decision Tree</a:t>
           </a:r>
-          <a:endParaRPr lang="en-IN" sz="2600" kern="1200" dirty="0"/>
         </a:p>
       </dsp:txBody>
       <dsp:txXfrm>
@@ -7231,7 +6923,7 @@
         </a:bodyPr>
         <a:lstStyle/>
         <a:p>
-          <a:pPr lvl="0" algn="ctr" defTabSz="1155700">
+          <a:pPr marL="0" lvl="0" indent="0" algn="ctr" defTabSz="1155700">
             <a:lnSpc>
               <a:spcPct val="90000"/>
             </a:lnSpc>
@@ -7241,12 +6933,12 @@
             <a:spcAft>
               <a:spcPct val="35000"/>
             </a:spcAft>
+            <a:buNone/>
           </a:pPr>
           <a:r>
-            <a:rPr lang="en-IN" sz="2600" kern="1200" dirty="0" smtClean="0"/>
+            <a:rPr lang="en-IN" sz="2600" kern="1200" dirty="0"/>
             <a:t>Bagged CART</a:t>
           </a:r>
-          <a:endParaRPr lang="en-IN" sz="2600" kern="1200" dirty="0"/>
         </a:p>
       </dsp:txBody>
       <dsp:txXfrm>
@@ -7308,7 +7000,7 @@
         </a:bodyPr>
         <a:lstStyle/>
         <a:p>
-          <a:pPr lvl="0" algn="ctr" defTabSz="1155700">
+          <a:pPr marL="0" lvl="0" indent="0" algn="ctr" defTabSz="1155700">
             <a:lnSpc>
               <a:spcPct val="90000"/>
             </a:lnSpc>
@@ -7318,13 +7010,14 @@
             <a:spcAft>
               <a:spcPct val="35000"/>
             </a:spcAft>
+            <a:buNone/>
           </a:pPr>
           <a:r>
-            <a:rPr lang="en-IN" sz="2600" kern="1200" smtClean="0"/>
+            <a:rPr lang="en-IN" sz="2600" kern="1200"/>
             <a:t>Logistic</a:t>
           </a:r>
           <a:r>
-            <a:rPr lang="en-IN" sz="2600" kern="1200" baseline="0" smtClean="0"/>
+            <a:rPr lang="en-IN" sz="2600" kern="1200" baseline="0"/>
             <a:t> Regression</a:t>
           </a:r>
           <a:endParaRPr lang="en-IN" sz="2600" kern="1200" dirty="0"/>
@@ -13726,7 +13419,7 @@
           <a:p>
             <a:fld id="{D43F0575-B3A6-4125-B536-C1BDF9D37009}" type="datetimeFigureOut">
               <a:rPr lang="en-IN" smtClean="0"/>
-              <a:t>25-05-2018</a:t>
+              <a:t>29-06-2018</a:t>
             </a:fld>
             <a:endParaRPr lang="en-IN"/>
           </a:p>
@@ -13790,35 +13483,35 @@
           <a:p>
             <a:pPr lvl="0"/>
             <a:r>
-              <a:rPr lang="en-US" smtClean="0"/>
+              <a:rPr lang="en-US"/>
               <a:t>Click to edit Master text styles</a:t>
             </a:r>
           </a:p>
           <a:p>
             <a:pPr lvl="1"/>
             <a:r>
-              <a:rPr lang="en-US" smtClean="0"/>
+              <a:rPr lang="en-US"/>
               <a:t>Second level</a:t>
             </a:r>
           </a:p>
           <a:p>
             <a:pPr lvl="2"/>
             <a:r>
-              <a:rPr lang="en-US" smtClean="0"/>
+              <a:rPr lang="en-US"/>
               <a:t>Third level</a:t>
             </a:r>
           </a:p>
           <a:p>
             <a:pPr lvl="3"/>
             <a:r>
-              <a:rPr lang="en-US" smtClean="0"/>
+              <a:rPr lang="en-US"/>
               <a:t>Fourth level</a:t>
             </a:r>
           </a:p>
           <a:p>
             <a:pPr lvl="4"/>
             <a:r>
-              <a:rPr lang="en-US" smtClean="0"/>
+              <a:rPr lang="en-US"/>
               <a:t>Fifth level</a:t>
             </a:r>
             <a:endParaRPr lang="en-IN"/>
@@ -14492,7 +14185,7 @@
           <a:p>
             <a:fld id="{63937D59-5EDB-4C39-B697-625748F703B6}" type="datetimeFigureOut">
               <a:rPr lang="en-US" smtClean="0"/>
-              <a:t>5/25/2018</a:t>
+              <a:t>6/29/2018</a:t>
             </a:fld>
             <a:endParaRPr lang="en-US"/>
           </a:p>
@@ -14595,10 +14288,9 @@
           </a:lstStyle>
           <a:p>
             <a:r>
-              <a:rPr lang="en-US" smtClean="0"/>
+              <a:rPr lang="en-US"/>
               <a:t>Click to edit Master title style</a:t>
             </a:r>
-            <a:endParaRPr lang="en-US"/>
           </a:p>
         </p:txBody>
       </p:sp>
@@ -14652,38 +14344,37 @@
           <a:p>
             <a:pPr lvl="0"/>
             <a:r>
-              <a:rPr lang="en-US" smtClean="0"/>
+              <a:rPr lang="en-US"/>
               <a:t>Click to edit Master text styles</a:t>
             </a:r>
           </a:p>
           <a:p>
             <a:pPr lvl="1"/>
             <a:r>
-              <a:rPr lang="en-US" smtClean="0"/>
+              <a:rPr lang="en-US"/>
               <a:t>Second level</a:t>
             </a:r>
           </a:p>
           <a:p>
             <a:pPr lvl="2"/>
             <a:r>
-              <a:rPr lang="en-US" smtClean="0"/>
+              <a:rPr lang="en-US"/>
               <a:t>Third level</a:t>
             </a:r>
           </a:p>
           <a:p>
             <a:pPr lvl="3"/>
             <a:r>
-              <a:rPr lang="en-US" smtClean="0"/>
+              <a:rPr lang="en-US"/>
               <a:t>Fourth level</a:t>
             </a:r>
           </a:p>
           <a:p>
             <a:pPr lvl="4"/>
             <a:r>
-              <a:rPr lang="en-US" smtClean="0"/>
+              <a:rPr lang="en-US"/>
               <a:t>Fifth level</a:t>
             </a:r>
-            <a:endParaRPr lang="en-US"/>
           </a:p>
         </p:txBody>
       </p:sp>
@@ -14746,7 +14437,7 @@
           <a:p>
             <a:pPr lvl="0"/>
             <a:r>
-              <a:rPr lang="en-US" smtClean="0"/>
+              <a:rPr lang="en-US"/>
               <a:t>Click to edit Master text styles</a:t>
             </a:r>
           </a:p>
@@ -14769,7 +14460,7 @@
           <a:p>
             <a:fld id="{63937D59-5EDB-4C39-B697-625748F703B6}" type="datetimeFigureOut">
               <a:rPr lang="en-US" smtClean="0"/>
-              <a:t>5/25/2018</a:t>
+              <a:t>6/29/2018</a:t>
             </a:fld>
             <a:endParaRPr lang="en-US"/>
           </a:p>
@@ -14872,10 +14563,9 @@
           </a:lstStyle>
           <a:p>
             <a:r>
-              <a:rPr lang="en-US" smtClean="0"/>
+              <a:rPr lang="en-US"/>
               <a:t>Click to edit Master title style</a:t>
             </a:r>
-            <a:endParaRPr lang="en-US"/>
           </a:p>
         </p:txBody>
       </p:sp>
@@ -14999,7 +14689,7 @@
           <a:p>
             <a:pPr lvl="0"/>
             <a:r>
-              <a:rPr lang="en-US" smtClean="0"/>
+              <a:rPr lang="en-US"/>
               <a:t>Click to edit Master text styles</a:t>
             </a:r>
           </a:p>
@@ -15022,7 +14712,7 @@
           <a:p>
             <a:fld id="{63937D59-5EDB-4C39-B697-625748F703B6}" type="datetimeFigureOut">
               <a:rPr lang="en-US" smtClean="0"/>
-              <a:t>5/25/2018</a:t>
+              <a:t>6/29/2018</a:t>
             </a:fld>
             <a:endParaRPr lang="en-US"/>
           </a:p>
@@ -15116,10 +14806,9 @@
           <a:lstStyle/>
           <a:p>
             <a:r>
-              <a:rPr lang="en-US" smtClean="0"/>
+              <a:rPr lang="en-US"/>
               <a:t>Click to edit Master title style</a:t>
             </a:r>
-            <a:endParaRPr lang="en-US"/>
           </a:p>
         </p:txBody>
       </p:sp>
@@ -15140,38 +14829,37 @@
           <a:p>
             <a:pPr lvl="0"/>
             <a:r>
-              <a:rPr lang="en-US" smtClean="0"/>
+              <a:rPr lang="en-US"/>
               <a:t>Click to edit Master text styles</a:t>
             </a:r>
           </a:p>
           <a:p>
             <a:pPr lvl="1"/>
             <a:r>
-              <a:rPr lang="en-US" smtClean="0"/>
+              <a:rPr lang="en-US"/>
               <a:t>Second level</a:t>
             </a:r>
           </a:p>
           <a:p>
             <a:pPr lvl="2"/>
             <a:r>
-              <a:rPr lang="en-US" smtClean="0"/>
+              <a:rPr lang="en-US"/>
               <a:t>Third level</a:t>
             </a:r>
           </a:p>
           <a:p>
             <a:pPr lvl="3"/>
             <a:r>
-              <a:rPr lang="en-US" smtClean="0"/>
+              <a:rPr lang="en-US"/>
               <a:t>Fourth level</a:t>
             </a:r>
           </a:p>
           <a:p>
             <a:pPr lvl="4"/>
             <a:r>
-              <a:rPr lang="en-US" smtClean="0"/>
+              <a:rPr lang="en-US"/>
               <a:t>Fifth level</a:t>
             </a:r>
-            <a:endParaRPr lang="en-US"/>
           </a:p>
         </p:txBody>
       </p:sp>
@@ -15192,7 +14880,7 @@
           <a:p>
             <a:fld id="{63937D59-5EDB-4C39-B697-625748F703B6}" type="datetimeFigureOut">
               <a:rPr lang="en-US" smtClean="0"/>
-              <a:t>5/25/2018</a:t>
+              <a:t>6/29/2018</a:t>
             </a:fld>
             <a:endParaRPr lang="en-US"/>
           </a:p>
@@ -15291,10 +14979,9 @@
           <a:lstStyle/>
           <a:p>
             <a:r>
-              <a:rPr lang="en-US" smtClean="0"/>
+              <a:rPr lang="en-US"/>
               <a:t>Click to edit Master title style</a:t>
             </a:r>
-            <a:endParaRPr lang="en-US"/>
           </a:p>
         </p:txBody>
       </p:sp>
@@ -15320,38 +15007,37 @@
           <a:p>
             <a:pPr lvl="0"/>
             <a:r>
-              <a:rPr lang="en-US" smtClean="0"/>
+              <a:rPr lang="en-US"/>
               <a:t>Click to edit Master text styles</a:t>
             </a:r>
           </a:p>
           <a:p>
             <a:pPr lvl="1"/>
             <a:r>
-              <a:rPr lang="en-US" smtClean="0"/>
+              <a:rPr lang="en-US"/>
               <a:t>Second level</a:t>
             </a:r>
           </a:p>
           <a:p>
             <a:pPr lvl="2"/>
             <a:r>
-              <a:rPr lang="en-US" smtClean="0"/>
+              <a:rPr lang="en-US"/>
               <a:t>Third level</a:t>
             </a:r>
           </a:p>
           <a:p>
             <a:pPr lvl="3"/>
             <a:r>
-              <a:rPr lang="en-US" smtClean="0"/>
+              <a:rPr lang="en-US"/>
               <a:t>Fourth level</a:t>
             </a:r>
           </a:p>
           <a:p>
             <a:pPr lvl="4"/>
             <a:r>
-              <a:rPr lang="en-US" smtClean="0"/>
+              <a:rPr lang="en-US"/>
               <a:t>Fifth level</a:t>
             </a:r>
-            <a:endParaRPr lang="en-US"/>
           </a:p>
         </p:txBody>
       </p:sp>
@@ -15372,7 +15058,7 @@
           <a:p>
             <a:fld id="{63937D59-5EDB-4C39-B697-625748F703B6}" type="datetimeFigureOut">
               <a:rPr lang="en-US" smtClean="0"/>
-              <a:t>5/25/2018</a:t>
+              <a:t>6/29/2018</a:t>
             </a:fld>
             <a:endParaRPr lang="en-US"/>
           </a:p>
@@ -15499,7 +15185,7 @@
           </a:lstStyle>
           <a:p>
             <a:r>
-              <a:rPr lang="en-US" altLang="ko-KR" dirty="0" smtClean="0"/>
+              <a:rPr lang="en-US" altLang="ko-KR" dirty="0"/>
               <a:t> Click to edit title</a:t>
             </a:r>
             <a:endParaRPr lang="ko-KR" altLang="en-US" dirty="0"/>
@@ -15543,7 +15229,7 @@
           <a:p>
             <a:pPr lvl="0"/>
             <a:r>
-              <a:rPr lang="en-US" altLang="ko-KR" dirty="0" smtClean="0"/>
+              <a:rPr lang="en-US" altLang="ko-KR" dirty="0"/>
               <a:t>Click to edit Master text styles</a:t>
             </a:r>
           </a:p>
@@ -15586,7 +15272,7 @@
           <a:p>
             <a:pPr lvl="0"/>
             <a:r>
-              <a:rPr lang="en-US" altLang="ko-KR" dirty="0" smtClean="0"/>
+              <a:rPr lang="en-US" altLang="ko-KR" dirty="0"/>
               <a:t>Click to edit Master text styles</a:t>
             </a:r>
           </a:p>
@@ -15671,7 +15357,7 @@
           </a:lstStyle>
           <a:p>
             <a:r>
-              <a:rPr lang="en-US" altLang="ko-KR" dirty="0" smtClean="0"/>
+              <a:rPr lang="en-US" altLang="ko-KR" dirty="0"/>
               <a:t> Click to edit title</a:t>
             </a:r>
             <a:endParaRPr lang="ko-KR" altLang="en-US" dirty="0"/>
@@ -15715,7 +15401,7 @@
           <a:p>
             <a:pPr lvl="0"/>
             <a:r>
-              <a:rPr lang="en-US" altLang="ko-KR" dirty="0" smtClean="0"/>
+              <a:rPr lang="en-US" altLang="ko-KR" dirty="0"/>
               <a:t>Click to edit Master text styles</a:t>
             </a:r>
           </a:p>
@@ -15758,7 +15444,7 @@
           <a:p>
             <a:pPr lvl="0"/>
             <a:r>
-              <a:rPr lang="en-US" altLang="ko-KR" dirty="0" smtClean="0"/>
+              <a:rPr lang="en-US" altLang="ko-KR" dirty="0"/>
               <a:t>Click to edit Master text styles</a:t>
             </a:r>
           </a:p>
@@ -15815,10 +15501,9 @@
           <a:lstStyle/>
           <a:p>
             <a:r>
-              <a:rPr lang="en-US" smtClean="0"/>
+              <a:rPr lang="en-US"/>
               <a:t>Click to edit Master title style</a:t>
             </a:r>
-            <a:endParaRPr lang="en-US"/>
           </a:p>
         </p:txBody>
       </p:sp>
@@ -15934,10 +15619,9 @@
           </a:lstStyle>
           <a:p>
             <a:r>
-              <a:rPr lang="en-US" smtClean="0"/>
+              <a:rPr lang="en-US"/>
               <a:t>Click to edit Master subtitle style</a:t>
             </a:r>
-            <a:endParaRPr lang="en-US"/>
           </a:p>
         </p:txBody>
       </p:sp>
@@ -15958,7 +15642,7 @@
           <a:p>
             <a:fld id="{63937D59-5EDB-4C39-B697-625748F703B6}" type="datetimeFigureOut">
               <a:rPr lang="en-US" smtClean="0"/>
-              <a:t>5/25/2018</a:t>
+              <a:t>6/29/2018</a:t>
             </a:fld>
             <a:endParaRPr lang="en-US"/>
           </a:p>
@@ -16052,10 +15736,9 @@
           <a:lstStyle/>
           <a:p>
             <a:r>
-              <a:rPr lang="en-US" smtClean="0"/>
+              <a:rPr lang="en-US"/>
               <a:t>Click to edit Master title style</a:t>
             </a:r>
-            <a:endParaRPr lang="en-US"/>
           </a:p>
         </p:txBody>
       </p:sp>
@@ -16076,38 +15759,37 @@
           <a:p>
             <a:pPr lvl="0"/>
             <a:r>
-              <a:rPr lang="en-US" smtClean="0"/>
+              <a:rPr lang="en-US"/>
               <a:t>Click to edit Master text styles</a:t>
             </a:r>
           </a:p>
           <a:p>
             <a:pPr lvl="1"/>
             <a:r>
-              <a:rPr lang="en-US" smtClean="0"/>
+              <a:rPr lang="en-US"/>
               <a:t>Second level</a:t>
             </a:r>
           </a:p>
           <a:p>
             <a:pPr lvl="2"/>
             <a:r>
-              <a:rPr lang="en-US" smtClean="0"/>
+              <a:rPr lang="en-US"/>
               <a:t>Third level</a:t>
             </a:r>
           </a:p>
           <a:p>
             <a:pPr lvl="3"/>
             <a:r>
-              <a:rPr lang="en-US" smtClean="0"/>
+              <a:rPr lang="en-US"/>
               <a:t>Fourth level</a:t>
             </a:r>
           </a:p>
           <a:p>
             <a:pPr lvl="4"/>
             <a:r>
-              <a:rPr lang="en-US" smtClean="0"/>
+              <a:rPr lang="en-US"/>
               <a:t>Fifth level</a:t>
             </a:r>
-            <a:endParaRPr lang="en-US"/>
           </a:p>
         </p:txBody>
       </p:sp>
@@ -16128,7 +15810,7 @@
           <a:p>
             <a:fld id="{63937D59-5EDB-4C39-B697-625748F703B6}" type="datetimeFigureOut">
               <a:rPr lang="en-US" smtClean="0"/>
-              <a:t>5/25/2018</a:t>
+              <a:t>6/29/2018</a:t>
             </a:fld>
             <a:endParaRPr lang="en-US"/>
           </a:p>
@@ -16231,10 +15913,9 @@
           </a:lstStyle>
           <a:p>
             <a:r>
-              <a:rPr lang="en-US" smtClean="0"/>
+              <a:rPr lang="en-US"/>
               <a:t>Click to edit Master title style</a:t>
             </a:r>
-            <a:endParaRPr lang="en-US"/>
           </a:p>
         </p:txBody>
       </p:sp>
@@ -16351,7 +16032,7 @@
           <a:p>
             <a:pPr lvl="0"/>
             <a:r>
-              <a:rPr lang="en-US" smtClean="0"/>
+              <a:rPr lang="en-US"/>
               <a:t>Click to edit Master text styles</a:t>
             </a:r>
           </a:p>
@@ -16374,7 +16055,7 @@
           <a:p>
             <a:fld id="{63937D59-5EDB-4C39-B697-625748F703B6}" type="datetimeFigureOut">
               <a:rPr lang="en-US" smtClean="0"/>
-              <a:t>5/25/2018</a:t>
+              <a:t>6/29/2018</a:t>
             </a:fld>
             <a:endParaRPr lang="en-US"/>
           </a:p>
@@ -16468,10 +16149,9 @@
           <a:lstStyle/>
           <a:p>
             <a:r>
-              <a:rPr lang="en-US" smtClean="0"/>
+              <a:rPr lang="en-US"/>
               <a:t>Click to edit Master title style</a:t>
             </a:r>
-            <a:endParaRPr lang="en-US"/>
           </a:p>
         </p:txBody>
       </p:sp>
@@ -16525,38 +16205,37 @@
           <a:p>
             <a:pPr lvl="0"/>
             <a:r>
-              <a:rPr lang="en-US" smtClean="0"/>
+              <a:rPr lang="en-US"/>
               <a:t>Click to edit Master text styles</a:t>
             </a:r>
           </a:p>
           <a:p>
             <a:pPr lvl="1"/>
             <a:r>
-              <a:rPr lang="en-US" smtClean="0"/>
+              <a:rPr lang="en-US"/>
               <a:t>Second level</a:t>
             </a:r>
           </a:p>
           <a:p>
             <a:pPr lvl="2"/>
             <a:r>
-              <a:rPr lang="en-US" smtClean="0"/>
+              <a:rPr lang="en-US"/>
               <a:t>Third level</a:t>
             </a:r>
           </a:p>
           <a:p>
             <a:pPr lvl="3"/>
             <a:r>
-              <a:rPr lang="en-US" smtClean="0"/>
+              <a:rPr lang="en-US"/>
               <a:t>Fourth level</a:t>
             </a:r>
           </a:p>
           <a:p>
             <a:pPr lvl="4"/>
             <a:r>
-              <a:rPr lang="en-US" smtClean="0"/>
+              <a:rPr lang="en-US"/>
               <a:t>Fifth level</a:t>
             </a:r>
-            <a:endParaRPr lang="en-US"/>
           </a:p>
         </p:txBody>
       </p:sp>
@@ -16610,38 +16289,37 @@
           <a:p>
             <a:pPr lvl="0"/>
             <a:r>
-              <a:rPr lang="en-US" smtClean="0"/>
+              <a:rPr lang="en-US"/>
               <a:t>Click to edit Master text styles</a:t>
             </a:r>
           </a:p>
           <a:p>
             <a:pPr lvl="1"/>
             <a:r>
-              <a:rPr lang="en-US" smtClean="0"/>
+              <a:rPr lang="en-US"/>
               <a:t>Second level</a:t>
             </a:r>
           </a:p>
           <a:p>
             <a:pPr lvl="2"/>
             <a:r>
-              <a:rPr lang="en-US" smtClean="0"/>
+              <a:rPr lang="en-US"/>
               <a:t>Third level</a:t>
             </a:r>
           </a:p>
           <a:p>
             <a:pPr lvl="3"/>
             <a:r>
-              <a:rPr lang="en-US" smtClean="0"/>
+              <a:rPr lang="en-US"/>
               <a:t>Fourth level</a:t>
             </a:r>
           </a:p>
           <a:p>
             <a:pPr lvl="4"/>
             <a:r>
-              <a:rPr lang="en-US" smtClean="0"/>
+              <a:rPr lang="en-US"/>
               <a:t>Fifth level</a:t>
             </a:r>
-            <a:endParaRPr lang="en-US"/>
           </a:p>
         </p:txBody>
       </p:sp>
@@ -16662,7 +16340,7 @@
           <a:p>
             <a:fld id="{63937D59-5EDB-4C39-B697-625748F703B6}" type="datetimeFigureOut">
               <a:rPr lang="en-US" smtClean="0"/>
-              <a:t>5/25/2018</a:t>
+              <a:t>6/29/2018</a:t>
             </a:fld>
             <a:endParaRPr lang="en-US"/>
           </a:p>
@@ -16760,10 +16438,9 @@
           </a:lstStyle>
           <a:p>
             <a:r>
-              <a:rPr lang="en-US" smtClean="0"/>
+              <a:rPr lang="en-US"/>
               <a:t>Click to edit Master title style</a:t>
             </a:r>
-            <a:endParaRPr lang="en-US"/>
           </a:p>
         </p:txBody>
       </p:sp>
@@ -16826,7 +16503,7 @@
           <a:p>
             <a:pPr lvl="0"/>
             <a:r>
-              <a:rPr lang="en-US" smtClean="0"/>
+              <a:rPr lang="en-US"/>
               <a:t>Click to edit Master text styles</a:t>
             </a:r>
           </a:p>
@@ -16882,38 +16559,37 @@
           <a:p>
             <a:pPr lvl="0"/>
             <a:r>
-              <a:rPr lang="en-US" smtClean="0"/>
+              <a:rPr lang="en-US"/>
               <a:t>Click to edit Master text styles</a:t>
             </a:r>
           </a:p>
           <a:p>
             <a:pPr lvl="1"/>
             <a:r>
-              <a:rPr lang="en-US" smtClean="0"/>
+              <a:rPr lang="en-US"/>
               <a:t>Second level</a:t>
             </a:r>
           </a:p>
           <a:p>
             <a:pPr lvl="2"/>
             <a:r>
-              <a:rPr lang="en-US" smtClean="0"/>
+              <a:rPr lang="en-US"/>
               <a:t>Third level</a:t>
             </a:r>
           </a:p>
           <a:p>
             <a:pPr lvl="3"/>
             <a:r>
-              <a:rPr lang="en-US" smtClean="0"/>
+              <a:rPr lang="en-US"/>
               <a:t>Fourth level</a:t>
             </a:r>
           </a:p>
           <a:p>
             <a:pPr lvl="4"/>
             <a:r>
-              <a:rPr lang="en-US" smtClean="0"/>
+              <a:rPr lang="en-US"/>
               <a:t>Fifth level</a:t>
             </a:r>
-            <a:endParaRPr lang="en-US"/>
           </a:p>
         </p:txBody>
       </p:sp>
@@ -16976,7 +16652,7 @@
           <a:p>
             <a:pPr lvl="0"/>
             <a:r>
-              <a:rPr lang="en-US" smtClean="0"/>
+              <a:rPr lang="en-US"/>
               <a:t>Click to edit Master text styles</a:t>
             </a:r>
           </a:p>
@@ -17032,38 +16708,37 @@
           <a:p>
             <a:pPr lvl="0"/>
             <a:r>
-              <a:rPr lang="en-US" smtClean="0"/>
+              <a:rPr lang="en-US"/>
               <a:t>Click to edit Master text styles</a:t>
             </a:r>
           </a:p>
           <a:p>
             <a:pPr lvl="1"/>
             <a:r>
-              <a:rPr lang="en-US" smtClean="0"/>
+              <a:rPr lang="en-US"/>
               <a:t>Second level</a:t>
             </a:r>
           </a:p>
           <a:p>
             <a:pPr lvl="2"/>
             <a:r>
-              <a:rPr lang="en-US" smtClean="0"/>
+              <a:rPr lang="en-US"/>
               <a:t>Third level</a:t>
             </a:r>
           </a:p>
           <a:p>
             <a:pPr lvl="3"/>
             <a:r>
-              <a:rPr lang="en-US" smtClean="0"/>
+              <a:rPr lang="en-US"/>
               <a:t>Fourth level</a:t>
             </a:r>
           </a:p>
           <a:p>
             <a:pPr lvl="4"/>
             <a:r>
-              <a:rPr lang="en-US" smtClean="0"/>
+              <a:rPr lang="en-US"/>
               <a:t>Fifth level</a:t>
             </a:r>
-            <a:endParaRPr lang="en-US"/>
           </a:p>
         </p:txBody>
       </p:sp>
@@ -17084,7 +16759,7 @@
           <a:p>
             <a:fld id="{63937D59-5EDB-4C39-B697-625748F703B6}" type="datetimeFigureOut">
               <a:rPr lang="en-US" smtClean="0"/>
-              <a:t>5/25/2018</a:t>
+              <a:t>6/29/2018</a:t>
             </a:fld>
             <a:endParaRPr lang="en-US"/>
           </a:p>
@@ -17178,10 +16853,9 @@
           <a:lstStyle/>
           <a:p>
             <a:r>
-              <a:rPr lang="en-US" smtClean="0"/>
+              <a:rPr lang="en-US"/>
               <a:t>Click to edit Master title style</a:t>
             </a:r>
-            <a:endParaRPr lang="en-US"/>
           </a:p>
         </p:txBody>
       </p:sp>
@@ -17202,7 +16876,7 @@
           <a:p>
             <a:fld id="{63937D59-5EDB-4C39-B697-625748F703B6}" type="datetimeFigureOut">
               <a:rPr lang="en-US" smtClean="0"/>
-              <a:t>5/25/2018</a:t>
+              <a:t>6/29/2018</a:t>
             </a:fld>
             <a:endParaRPr lang="en-US"/>
           </a:p>
@@ -17602,10 +17276,9 @@
           <a:lstStyle/>
           <a:p>
             <a:r>
-              <a:rPr lang="en-US" smtClean="0"/>
+              <a:rPr lang="en-US"/>
               <a:t>Click to edit Master title style</a:t>
             </a:r>
-            <a:endParaRPr lang="en-US"/>
           </a:p>
         </p:txBody>
       </p:sp>
@@ -17636,38 +17309,37 @@
           <a:p>
             <a:pPr lvl="0"/>
             <a:r>
-              <a:rPr lang="en-US" smtClean="0"/>
+              <a:rPr lang="en-US"/>
               <a:t>Click to edit Master text styles</a:t>
             </a:r>
           </a:p>
           <a:p>
             <a:pPr lvl="1"/>
             <a:r>
-              <a:rPr lang="en-US" smtClean="0"/>
+              <a:rPr lang="en-US"/>
               <a:t>Second level</a:t>
             </a:r>
           </a:p>
           <a:p>
             <a:pPr lvl="2"/>
             <a:r>
-              <a:rPr lang="en-US" smtClean="0"/>
+              <a:rPr lang="en-US"/>
               <a:t>Third level</a:t>
             </a:r>
           </a:p>
           <a:p>
             <a:pPr lvl="3"/>
             <a:r>
-              <a:rPr lang="en-US" smtClean="0"/>
+              <a:rPr lang="en-US"/>
               <a:t>Fourth level</a:t>
             </a:r>
           </a:p>
           <a:p>
             <a:pPr lvl="4"/>
             <a:r>
-              <a:rPr lang="en-US" smtClean="0"/>
+              <a:rPr lang="en-US"/>
               <a:t>Fifth level</a:t>
             </a:r>
-            <a:endParaRPr lang="en-US"/>
           </a:p>
         </p:txBody>
       </p:sp>
@@ -17706,7 +17378,7 @@
           <a:p>
             <a:fld id="{63937D59-5EDB-4C39-B697-625748F703B6}" type="datetimeFigureOut">
               <a:rPr lang="en-US" smtClean="0"/>
-              <a:t>5/25/2018</a:t>
+              <a:t>6/29/2018</a:t>
             </a:fld>
             <a:endParaRPr lang="en-US"/>
           </a:p>
@@ -18113,7 +17785,7 @@
               <a:defRPr/>
             </a:pPr>
             <a:r>
-              <a:rPr kumimoji="0" lang="en-US" altLang="ko-KR" sz="3600" b="1" dirty="0" smtClean="0">
+              <a:rPr kumimoji="0" lang="en-US" altLang="ko-KR" sz="3600" b="1" dirty="0">
                 <a:solidFill>
                   <a:schemeClr val="tx2">
                     <a:lumMod val="75000"/>
@@ -18123,80 +17795,6 @@
                 <a:cs typeface="Arial" pitchFamily="34" charset="0"/>
               </a:rPr>
               <a:t>Diabetes Readmission Prediction</a:t>
-            </a:r>
-            <a:endParaRPr kumimoji="0" lang="en-US" altLang="ko-KR" sz="3600" b="1" dirty="0">
-              <a:solidFill>
-                <a:schemeClr val="tx2">
-                  <a:lumMod val="75000"/>
-                </a:schemeClr>
-              </a:solidFill>
-              <a:latin typeface="Arial" pitchFamily="34" charset="0"/>
-              <a:cs typeface="Arial" pitchFamily="34" charset="0"/>
-            </a:endParaRPr>
-          </a:p>
-        </p:txBody>
-      </p:sp>
-      <p:sp>
-        <p:nvSpPr>
-          <p:cNvPr id="5" name="TextBox 1"/>
-          <p:cNvSpPr txBox="1">
-            <a:spLocks noChangeArrowheads="1"/>
-          </p:cNvSpPr>
-          <p:nvPr/>
-        </p:nvSpPr>
-        <p:spPr bwMode="auto">
-          <a:xfrm>
-            <a:off x="-1296144" y="4501163"/>
-            <a:ext cx="2592288" cy="584775"/>
-          </a:xfrm>
-          <a:prstGeom prst="rect">
-            <a:avLst/>
-          </a:prstGeom>
-          <a:noFill/>
-          <a:ln w="9525">
-            <a:noFill/>
-            <a:miter lim="800000"/>
-            <a:headEnd/>
-            <a:tailEnd/>
-          </a:ln>
-        </p:spPr>
-        <p:txBody>
-          <a:bodyPr wrap="square">
-            <a:spAutoFit/>
-          </a:bodyPr>
-          <a:lstStyle/>
-          <a:p>
-            <a:pPr algn="r"/>
-            <a:r>
-              <a:rPr lang="en-US" altLang="ko-KR" sz="1600" b="1" dirty="0" smtClean="0">
-                <a:solidFill>
-                  <a:schemeClr val="tx1">
-                    <a:lumMod val="75000"/>
-                    <a:lumOff val="25000"/>
-                  </a:schemeClr>
-                </a:solidFill>
-                <a:latin typeface="Arial" pitchFamily="34" charset="0"/>
-                <a:ea typeface="맑은 고딕" pitchFamily="50" charset="-127"/>
-                <a:cs typeface="Arial" pitchFamily="34" charset="0"/>
-              </a:rPr>
-              <a:t>Sheik Basha</a:t>
-            </a:r>
-          </a:p>
-          <a:p>
-            <a:pPr algn="r"/>
-            <a:r>
-              <a:rPr lang="en-US" altLang="ko-KR" sz="1600" b="1" dirty="0" smtClean="0">
-                <a:solidFill>
-                  <a:schemeClr val="tx1">
-                    <a:lumMod val="75000"/>
-                    <a:lumOff val="25000"/>
-                  </a:schemeClr>
-                </a:solidFill>
-                <a:latin typeface="Arial" pitchFamily="34" charset="0"/>
-                <a:ea typeface="맑은 고딕" pitchFamily="50" charset="-127"/>
-                <a:cs typeface="Arial" pitchFamily="34" charset="0"/>
-              </a:rPr>
-              <a:t>1760B37</a:t>
             </a:r>
           </a:p>
         </p:txBody>
@@ -18235,13 +17833,6 @@
   <p:clrMapOvr>
     <a:masterClrMapping/>
   </p:clrMapOvr>
-  <p:timing>
-    <p:tnLst>
-      <p:par>
-        <p:cTn id="1" dur="indefinite" restart="never" nodeType="tmRoot"/>
-      </p:par>
-    </p:tnLst>
-  </p:timing>
 </p:sld>
 </file>
 
@@ -18278,18 +17869,13 @@
           <a:lstStyle/>
           <a:p>
             <a:r>
-              <a:rPr lang="en-IN" dirty="0" smtClean="0">
+              <a:rPr lang="en-IN" dirty="0">
                 <a:solidFill>
                   <a:srgbClr val="002060"/>
                 </a:solidFill>
               </a:rPr>
               <a:t>Target Variable Data Distribution</a:t>
             </a:r>
-            <a:endParaRPr lang="en-IN" dirty="0">
-              <a:solidFill>
-                <a:srgbClr val="002060"/>
-              </a:solidFill>
-            </a:endParaRPr>
           </a:p>
         </p:txBody>
       </p:sp>
@@ -18318,7 +17904,7 @@
               <a:buChar char="v"/>
             </a:pPr>
             <a:r>
-              <a:rPr lang="en-IN" sz="2000" dirty="0" smtClean="0">
+              <a:rPr lang="en-IN" sz="2000" dirty="0">
                 <a:solidFill>
                   <a:srgbClr val="002060"/>
                 </a:solidFill>
@@ -18330,7 +17916,7 @@
           </a:p>
           <a:p>
             <a:r>
-              <a:rPr lang="en-IN" sz="2000" dirty="0" smtClean="0">
+              <a:rPr lang="en-IN" sz="2000" dirty="0">
                 <a:solidFill>
                   <a:srgbClr val="002060"/>
                 </a:solidFill>
@@ -18339,13 +17925,6 @@
               </a:rPr>
               <a:t>class data.</a:t>
             </a:r>
-            <a:endParaRPr lang="en-IN" sz="2000" dirty="0">
-              <a:solidFill>
-                <a:srgbClr val="002060"/>
-              </a:solidFill>
-              <a:latin typeface="Arial" panose="020B0604020202020204" pitchFamily="34" charset="0"/>
-              <a:cs typeface="Arial" panose="020B0604020202020204" pitchFamily="34" charset="0"/>
-            </a:endParaRPr>
           </a:p>
         </p:txBody>
       </p:sp>
@@ -18385,13 +17964,6 @@
   <p:clrMapOvr>
     <a:masterClrMapping/>
   </p:clrMapOvr>
-  <p:timing>
-    <p:tnLst>
-      <p:par>
-        <p:cTn id="1" dur="indefinite" restart="never" nodeType="tmRoot"/>
-      </p:par>
-    </p:tnLst>
-  </p:timing>
 </p:sld>
 </file>
 
@@ -18428,7 +18000,7 @@
           <a:lstStyle/>
           <a:p>
             <a:r>
-              <a:rPr lang="en-IN" dirty="0" smtClean="0">
+              <a:rPr lang="en-IN" dirty="0">
                 <a:solidFill>
                   <a:schemeClr val="tx2">
                     <a:lumMod val="75000"/>
@@ -18437,13 +18009,6 @@
               </a:rPr>
               <a:t>No. of Patient Records Trend</a:t>
             </a:r>
-            <a:endParaRPr lang="en-IN" dirty="0">
-              <a:solidFill>
-                <a:schemeClr val="tx2">
-                  <a:lumMod val="75000"/>
-                </a:schemeClr>
-              </a:solidFill>
-            </a:endParaRPr>
           </a:p>
         </p:txBody>
       </p:sp>
@@ -18509,13 +18074,6 @@
   <p:clrMapOvr>
     <a:masterClrMapping/>
   </p:clrMapOvr>
-  <p:timing>
-    <p:tnLst>
-      <p:par>
-        <p:cTn id="1" dur="indefinite" restart="never" nodeType="tmRoot"/>
-      </p:par>
-    </p:tnLst>
-  </p:timing>
 </p:sld>
 </file>
 
@@ -18557,18 +18115,13 @@
           <a:lstStyle/>
           <a:p>
             <a:r>
-              <a:rPr lang="en-IN" b="0" dirty="0" smtClean="0">
+              <a:rPr lang="en-IN" b="0" dirty="0">
                 <a:solidFill>
                   <a:srgbClr val="002060"/>
                 </a:solidFill>
               </a:rPr>
               <a:t>No. of Records Significantly varying with Payer</a:t>
             </a:r>
-            <a:endParaRPr lang="en-IN" b="0" dirty="0">
-              <a:solidFill>
-                <a:srgbClr val="002060"/>
-              </a:solidFill>
-            </a:endParaRPr>
           </a:p>
         </p:txBody>
       </p:sp>
@@ -18608,13 +18161,6 @@
   <p:clrMapOvr>
     <a:masterClrMapping/>
   </p:clrMapOvr>
-  <p:timing>
-    <p:tnLst>
-      <p:par>
-        <p:cTn id="1" dur="indefinite" restart="never" nodeType="tmRoot"/>
-      </p:par>
-    </p:tnLst>
-  </p:timing>
 </p:sld>
 </file>
 
@@ -18651,7 +18197,7 @@
           <a:lstStyle/>
           <a:p>
             <a:r>
-              <a:rPr lang="en-IN" dirty="0" smtClean="0">
+              <a:rPr lang="en-IN" dirty="0">
                 <a:solidFill>
                   <a:schemeClr val="tx2">
                     <a:lumMod val="75000"/>
@@ -18660,13 +18206,6 @@
               </a:rPr>
               <a:t>Admission Type Trend</a:t>
             </a:r>
-            <a:endParaRPr lang="en-IN" dirty="0">
-              <a:solidFill>
-                <a:schemeClr val="tx2">
-                  <a:lumMod val="75000"/>
-                </a:schemeClr>
-              </a:solidFill>
-            </a:endParaRPr>
           </a:p>
         </p:txBody>
       </p:sp>
@@ -18691,7 +18230,7 @@
           <a:lstStyle/>
           <a:p>
             <a:r>
-              <a:rPr lang="en-IN" sz="1400" b="1" dirty="0" smtClean="0">
+              <a:rPr lang="en-IN" sz="1400" b="1" dirty="0">
                 <a:solidFill>
                   <a:schemeClr val="tx2">
                     <a:lumMod val="75000"/>
@@ -18702,15 +18241,6 @@
               </a:rPr>
               <a:t>Admission Type</a:t>
             </a:r>
-            <a:endParaRPr lang="en-IN" sz="1400" b="1" dirty="0">
-              <a:solidFill>
-                <a:schemeClr val="tx2">
-                  <a:lumMod val="75000"/>
-                </a:schemeClr>
-              </a:solidFill>
-              <a:latin typeface="Arial" panose="020B0604020202020204" pitchFamily="34" charset="0"/>
-              <a:cs typeface="Arial" panose="020B0604020202020204" pitchFamily="34" charset="0"/>
-            </a:endParaRPr>
           </a:p>
         </p:txBody>
       </p:sp>
@@ -18774,13 +18304,6 @@
   <p:clrMapOvr>
     <a:masterClrMapping/>
   </p:clrMapOvr>
-  <p:timing>
-    <p:tnLst>
-      <p:par>
-        <p:cTn id="1" dur="indefinite" restart="never" nodeType="tmRoot"/>
-      </p:par>
-    </p:tnLst>
-  </p:timing>
 </p:sld>
 </file>
 
@@ -18817,18 +18340,13 @@
           <a:lstStyle/>
           <a:p>
             <a:r>
-              <a:rPr lang="en-IN" dirty="0" smtClean="0">
+              <a:rPr lang="en-IN" dirty="0">
                 <a:solidFill>
                   <a:srgbClr val="002060"/>
                 </a:solidFill>
               </a:rPr>
               <a:t>Admission Sources</a:t>
             </a:r>
-            <a:endParaRPr lang="en-IN" dirty="0">
-              <a:solidFill>
-                <a:srgbClr val="002060"/>
-              </a:solidFill>
-            </a:endParaRPr>
           </a:p>
         </p:txBody>
       </p:sp>
@@ -18892,13 +18410,6 @@
   <p:clrMapOvr>
     <a:masterClrMapping/>
   </p:clrMapOvr>
-  <p:timing>
-    <p:tnLst>
-      <p:par>
-        <p:cTn id="1" dur="indefinite" restart="never" nodeType="tmRoot"/>
-      </p:par>
-    </p:tnLst>
-  </p:timing>
 </p:sld>
 </file>
 
@@ -18935,18 +18446,13 @@
           <a:lstStyle/>
           <a:p>
             <a:r>
-              <a:rPr lang="en-IN" dirty="0" smtClean="0">
+              <a:rPr lang="en-IN" dirty="0">
                 <a:solidFill>
                   <a:srgbClr val="002060"/>
                 </a:solidFill>
               </a:rPr>
               <a:t>Admission Source Trend</a:t>
             </a:r>
-            <a:endParaRPr lang="en-IN" dirty="0">
-              <a:solidFill>
-                <a:srgbClr val="002060"/>
-              </a:solidFill>
-            </a:endParaRPr>
           </a:p>
         </p:txBody>
       </p:sp>
@@ -19028,25 +18534,8 @@
                 <a:latin typeface="Arial" panose="020B0604020202020204" pitchFamily="34" charset="0"/>
                 <a:cs typeface="Arial" panose="020B0604020202020204" pitchFamily="34" charset="0"/>
               </a:rPr>
-              <a:t>Admission </a:t>
+              <a:t>Admission Source</a:t>
             </a:r>
-            <a:r>
-              <a:rPr lang="en-IN" sz="1400" b="1" dirty="0" smtClean="0">
-                <a:solidFill>
-                  <a:srgbClr val="002060"/>
-                </a:solidFill>
-                <a:latin typeface="Arial" panose="020B0604020202020204" pitchFamily="34" charset="0"/>
-                <a:cs typeface="Arial" panose="020B0604020202020204" pitchFamily="34" charset="0"/>
-              </a:rPr>
-              <a:t>Source</a:t>
-            </a:r>
-            <a:endParaRPr lang="en-IN" sz="1400" b="1" dirty="0">
-              <a:solidFill>
-                <a:srgbClr val="002060"/>
-              </a:solidFill>
-              <a:latin typeface="Arial" panose="020B0604020202020204" pitchFamily="34" charset="0"/>
-              <a:cs typeface="Arial" panose="020B0604020202020204" pitchFamily="34" charset="0"/>
-            </a:endParaRPr>
           </a:p>
         </p:txBody>
       </p:sp>
@@ -19060,13 +18549,6 @@
   <p:clrMapOvr>
     <a:masterClrMapping/>
   </p:clrMapOvr>
-  <p:timing>
-    <p:tnLst>
-      <p:par>
-        <p:cTn id="1" dur="indefinite" restart="never" nodeType="tmRoot"/>
-      </p:par>
-    </p:tnLst>
-  </p:timing>
 </p:sld>
 </file>
 
@@ -19108,7 +18590,7 @@
           <a:lstStyle/>
           <a:p>
             <a:r>
-              <a:rPr lang="en-IN" sz="2000" dirty="0" smtClean="0">
+              <a:rPr lang="en-IN" sz="2000" dirty="0">
                 <a:solidFill>
                   <a:schemeClr val="accent5">
                     <a:lumMod val="75000"/>
@@ -19117,13 +18599,6 @@
               </a:rPr>
               <a:t>No. of Patients readmitted Vs Race</a:t>
             </a:r>
-            <a:endParaRPr lang="en-IN" sz="2000" dirty="0">
-              <a:solidFill>
-                <a:schemeClr val="accent5">
-                  <a:lumMod val="75000"/>
-                </a:schemeClr>
-              </a:solidFill>
-            </a:endParaRPr>
           </a:p>
         </p:txBody>
       </p:sp>
@@ -19148,7 +18623,7 @@
           <a:lstStyle/>
           <a:p>
             <a:r>
-              <a:rPr lang="en-IN" b="1" dirty="0" smtClean="0">
+              <a:rPr lang="en-IN" b="1" dirty="0">
                 <a:solidFill>
                   <a:schemeClr val="accent5">
                     <a:lumMod val="75000"/>
@@ -19159,15 +18634,6 @@
               </a:rPr>
               <a:t>No. of Patients readmitted who were on Diabetes Medicine</a:t>
             </a:r>
-            <a:endParaRPr lang="en-IN" b="1" dirty="0">
-              <a:solidFill>
-                <a:schemeClr val="accent5">
-                  <a:lumMod val="75000"/>
-                </a:schemeClr>
-              </a:solidFill>
-              <a:latin typeface="Arial" panose="020B0604020202020204" pitchFamily="34" charset="0"/>
-              <a:cs typeface="Arial" panose="020B0604020202020204" pitchFamily="34" charset="0"/>
-            </a:endParaRPr>
           </a:p>
         </p:txBody>
       </p:sp>
@@ -19253,13 +18719,6 @@
   <p:clrMapOvr>
     <a:masterClrMapping/>
   </p:clrMapOvr>
-  <p:timing>
-    <p:tnLst>
-      <p:par>
-        <p:cTn id="1" dur="indefinite" restart="never" nodeType="tmRoot"/>
-      </p:par>
-    </p:tnLst>
-  </p:timing>
 </p:sld>
 </file>
 
@@ -19301,18 +18760,10 @@
                   <a:srgbClr val="002060"/>
                 </a:solidFill>
               </a:rPr>
-              <a:t>	</a:t>
-            </a:r>
-            <a:r>
-              <a:rPr lang="en-IN" dirty="0" smtClean="0">
-                <a:solidFill>
-                  <a:srgbClr val="002060"/>
-                </a:solidFill>
-              </a:rPr>
-              <a:t>	</a:t>
+              <a:t>		</a:t>
             </a:r>
             <a:br>
-              <a:rPr lang="en-IN" dirty="0" smtClean="0">
+              <a:rPr lang="en-IN" dirty="0">
                 <a:solidFill>
                   <a:srgbClr val="002060"/>
                 </a:solidFill>
@@ -19324,21 +18775,8 @@
                   <a:srgbClr val="002060"/>
                 </a:solidFill>
               </a:rPr>
-              <a:t>	</a:t>
+              <a:t>		Model Building</a:t>
             </a:r>
-            <a:r>
-              <a:rPr lang="en-IN" dirty="0" smtClean="0">
-                <a:solidFill>
-                  <a:srgbClr val="002060"/>
-                </a:solidFill>
-              </a:rPr>
-              <a:t>	Model Building</a:t>
-            </a:r>
-            <a:endParaRPr lang="en-IN" dirty="0">
-              <a:solidFill>
-                <a:srgbClr val="002060"/>
-              </a:solidFill>
-            </a:endParaRPr>
           </a:p>
         </p:txBody>
       </p:sp>
@@ -19378,13 +18816,6 @@
   <p:clrMapOvr>
     <a:masterClrMapping/>
   </p:clrMapOvr>
-  <p:timing>
-    <p:tnLst>
-      <p:par>
-        <p:cTn id="1" dur="indefinite" restart="never" nodeType="tmRoot"/>
-      </p:par>
-    </p:tnLst>
-  </p:timing>
 </p:sld>
 </file>
 
@@ -19421,18 +18852,13 @@
           <a:lstStyle/>
           <a:p>
             <a:r>
-              <a:rPr lang="en-IN" dirty="0" smtClean="0">
+              <a:rPr lang="en-IN" dirty="0">
                 <a:solidFill>
                   <a:srgbClr val="002060"/>
                 </a:solidFill>
               </a:rPr>
               <a:t>Model Building Methods </a:t>
             </a:r>
-            <a:endParaRPr lang="en-IN" dirty="0">
-              <a:solidFill>
-                <a:srgbClr val="002060"/>
-              </a:solidFill>
-            </a:endParaRPr>
           </a:p>
         </p:txBody>
       </p:sp>
@@ -19495,13 +18921,6 @@
   <p:clrMapOvr>
     <a:masterClrMapping/>
   </p:clrMapOvr>
-  <p:timing>
-    <p:tnLst>
-      <p:par>
-        <p:cTn id="1" dur="indefinite" restart="never" nodeType="tmRoot"/>
-      </p:par>
-    </p:tnLst>
-  </p:timing>
 </p:sld>
 </file>
 
@@ -19538,18 +18957,13 @@
           <a:lstStyle/>
           <a:p>
             <a:r>
-              <a:rPr lang="en-IN" dirty="0" smtClean="0">
+              <a:rPr lang="en-IN" dirty="0">
                 <a:solidFill>
                   <a:srgbClr val="002060"/>
                 </a:solidFill>
               </a:rPr>
               <a:t>Decision Trees</a:t>
             </a:r>
-            <a:endParaRPr lang="en-IN" dirty="0">
-              <a:solidFill>
-                <a:srgbClr val="002060"/>
-              </a:solidFill>
-            </a:endParaRPr>
           </a:p>
         </p:txBody>
       </p:sp>
@@ -19578,16 +18992,6 @@
               <a:buChar char="v"/>
             </a:pPr>
             <a:r>
-              <a:rPr lang="en-IN" sz="2000" dirty="0" smtClean="0">
-                <a:solidFill>
-                  <a:srgbClr val="002060"/>
-                </a:solidFill>
-                <a:latin typeface="Arial" panose="020B0604020202020204" pitchFamily="34" charset="0"/>
-                <a:cs typeface="Arial" panose="020B0604020202020204" pitchFamily="34" charset="0"/>
-              </a:rPr>
-              <a:t>Easy </a:t>
-            </a:r>
-            <a:r>
               <a:rPr lang="en-IN" sz="2000" dirty="0">
                 <a:solidFill>
                   <a:srgbClr val="002060"/>
@@ -19595,17 +18999,7 @@
                 <a:latin typeface="Arial" panose="020B0604020202020204" pitchFamily="34" charset="0"/>
                 <a:cs typeface="Arial" panose="020B0604020202020204" pitchFamily="34" charset="0"/>
               </a:rPr>
-              <a:t>to </a:t>
-            </a:r>
-            <a:r>
-              <a:rPr lang="en-IN" sz="2000" dirty="0" smtClean="0">
-                <a:solidFill>
-                  <a:srgbClr val="002060"/>
-                </a:solidFill>
-                <a:latin typeface="Arial" panose="020B0604020202020204" pitchFamily="34" charset="0"/>
-                <a:cs typeface="Arial" panose="020B0604020202020204" pitchFamily="34" charset="0"/>
-              </a:rPr>
-              <a:t>interpret.</a:t>
+              <a:t>Easy to interpret.</a:t>
             </a:r>
           </a:p>
           <a:p>
@@ -19621,17 +19015,7 @@
                 <a:latin typeface="Arial" panose="020B0604020202020204" pitchFamily="34" charset="0"/>
                 <a:cs typeface="Arial" panose="020B0604020202020204" pitchFamily="34" charset="0"/>
               </a:rPr>
-              <a:t>Useful in Data </a:t>
-            </a:r>
-            <a:r>
-              <a:rPr lang="en-IN" sz="2000" dirty="0" smtClean="0">
-                <a:solidFill>
-                  <a:srgbClr val="002060"/>
-                </a:solidFill>
-                <a:latin typeface="Arial" panose="020B0604020202020204" pitchFamily="34" charset="0"/>
-                <a:cs typeface="Arial" panose="020B0604020202020204" pitchFamily="34" charset="0"/>
-              </a:rPr>
-              <a:t>exploration.</a:t>
+              <a:t>Useful in Data exploration.</a:t>
             </a:r>
           </a:p>
           <a:p>
@@ -19647,17 +19031,7 @@
                 <a:latin typeface="Arial" panose="020B0604020202020204" pitchFamily="34" charset="0"/>
                 <a:cs typeface="Arial" panose="020B0604020202020204" pitchFamily="34" charset="0"/>
               </a:rPr>
-              <a:t>Less data cleaning </a:t>
-            </a:r>
-            <a:r>
-              <a:rPr lang="en-IN" sz="2000" dirty="0" smtClean="0">
-                <a:solidFill>
-                  <a:srgbClr val="002060"/>
-                </a:solidFill>
-                <a:latin typeface="Arial" panose="020B0604020202020204" pitchFamily="34" charset="0"/>
-                <a:cs typeface="Arial" panose="020B0604020202020204" pitchFamily="34" charset="0"/>
-              </a:rPr>
-              <a:t>required.</a:t>
+              <a:t>Less data cleaning required.</a:t>
             </a:r>
           </a:p>
           <a:p>
@@ -19687,7 +19061,7 @@
           </a:p>
           <a:p>
             <a:r>
-              <a:rPr lang="en-IN" sz="2000" dirty="0" smtClean="0"/>
+              <a:rPr lang="en-IN" sz="2000" dirty="0"/>
               <a:t> </a:t>
             </a:r>
             <a:endParaRPr lang="en-IN" sz="2000" dirty="0">
@@ -19758,13 +19132,6 @@
   <p:clrMapOvr>
     <a:masterClrMapping/>
   </p:clrMapOvr>
-  <p:timing>
-    <p:tnLst>
-      <p:par>
-        <p:cTn id="1" dur="indefinite" restart="never" nodeType="tmRoot"/>
-      </p:par>
-    </p:tnLst>
-  </p:timing>
 </p:sld>
 </file>
 
@@ -19801,18 +19168,13 @@
           <a:lstStyle/>
           <a:p>
             <a:r>
-              <a:rPr lang="en-IN" dirty="0" smtClean="0">
+              <a:rPr lang="en-IN" dirty="0">
                 <a:solidFill>
                   <a:srgbClr val="002060"/>
                 </a:solidFill>
               </a:rPr>
               <a:t>Introduction</a:t>
             </a:r>
-            <a:endParaRPr lang="en-IN" dirty="0">
-              <a:solidFill>
-                <a:srgbClr val="002060"/>
-              </a:solidFill>
-            </a:endParaRPr>
           </a:p>
         </p:txBody>
       </p:sp>
@@ -19841,15 +19203,17 @@
               <a:buChar char="v"/>
             </a:pPr>
             <a:r>
-              <a:rPr lang="en-IN" sz="2000" dirty="0" smtClean="0">
+              <a:rPr lang="en-IN" sz="2000" dirty="0">
                 <a:solidFill>
                   <a:srgbClr val="002060"/>
                 </a:solidFill>
                 <a:latin typeface="Arial" panose="020B0604020202020204" pitchFamily="34" charset="0"/>
                 <a:cs typeface="Arial" panose="020B0604020202020204" pitchFamily="34" charset="0"/>
               </a:rPr>
-              <a:t>Readmission </a:t>
+              <a:t>Readmission Rate </a:t>
             </a:r>
+          </a:p>
+          <a:p>
             <a:r>
               <a:rPr lang="en-IN" sz="2000" dirty="0">
                 <a:solidFill>
@@ -19858,50 +19222,11 @@
                 <a:latin typeface="Arial" panose="020B0604020202020204" pitchFamily="34" charset="0"/>
                 <a:cs typeface="Arial" panose="020B0604020202020204" pitchFamily="34" charset="0"/>
               </a:rPr>
-              <a:t>Rate </a:t>
-            </a:r>
-            <a:endParaRPr lang="en-IN" sz="2000" dirty="0" smtClean="0">
-              <a:solidFill>
-                <a:srgbClr val="002060"/>
-              </a:solidFill>
-              <a:latin typeface="Arial" panose="020B0604020202020204" pitchFamily="34" charset="0"/>
-              <a:cs typeface="Arial" panose="020B0604020202020204" pitchFamily="34" charset="0"/>
-            </a:endParaRPr>
-          </a:p>
-          <a:p>
-            <a:r>
-              <a:rPr lang="en-IN" sz="2000" dirty="0" smtClean="0">
-                <a:solidFill>
-                  <a:srgbClr val="002060"/>
-                </a:solidFill>
-                <a:latin typeface="Arial" panose="020B0604020202020204" pitchFamily="34" charset="0"/>
-                <a:cs typeface="Arial" panose="020B0604020202020204" pitchFamily="34" charset="0"/>
-              </a:rPr>
-              <a:t>	A </a:t>
-            </a:r>
-            <a:r>
-              <a:rPr lang="en-IN" sz="2000" dirty="0">
-                <a:solidFill>
-                  <a:srgbClr val="002060"/>
-                </a:solidFill>
-                <a:latin typeface="Arial" panose="020B0604020202020204" pitchFamily="34" charset="0"/>
-                <a:cs typeface="Arial" panose="020B0604020202020204" pitchFamily="34" charset="0"/>
-              </a:rPr>
-              <a:t>hospitalization that occurs within 30 days after </a:t>
-            </a:r>
-            <a:r>
-              <a:rPr lang="en-IN" sz="2000" dirty="0" smtClean="0">
-                <a:solidFill>
-                  <a:srgbClr val="002060"/>
-                </a:solidFill>
-                <a:latin typeface="Arial" panose="020B0604020202020204" pitchFamily="34" charset="0"/>
-                <a:cs typeface="Arial" panose="020B0604020202020204" pitchFamily="34" charset="0"/>
-              </a:rPr>
-              <a:t>	a      	discharge.</a:t>
+              <a:t>	A hospitalization that occurs within 30 days after 	a      	discharge.</a:t>
             </a:r>
           </a:p>
           <a:p>
-            <a:endParaRPr lang="en-IN" sz="2000" dirty="0" smtClean="0">
+            <a:endParaRPr lang="en-IN" sz="2000" dirty="0">
               <a:solidFill>
                 <a:srgbClr val="002060"/>
               </a:solidFill>
@@ -19915,15 +19240,17 @@
               <a:buChar char="v"/>
             </a:pPr>
             <a:r>
-              <a:rPr lang="en-IN" sz="2000" dirty="0" smtClean="0">
+              <a:rPr lang="en-IN" sz="2000" dirty="0">
                 <a:solidFill>
                   <a:srgbClr val="002060"/>
                 </a:solidFill>
                 <a:latin typeface="Arial" panose="020B0604020202020204" pitchFamily="34" charset="0"/>
                 <a:cs typeface="Arial" panose="020B0604020202020204" pitchFamily="34" charset="0"/>
               </a:rPr>
-              <a:t>Why </a:t>
+              <a:t>Why Is Readmission Important ?</a:t>
             </a:r>
+          </a:p>
+          <a:p>
             <a:r>
               <a:rPr lang="en-IN" sz="2000" dirty="0">
                 <a:solidFill>
@@ -19932,37 +19259,10 @@
                 <a:latin typeface="Arial" panose="020B0604020202020204" pitchFamily="34" charset="0"/>
                 <a:cs typeface="Arial" panose="020B0604020202020204" pitchFamily="34" charset="0"/>
               </a:rPr>
-              <a:t>Is Readmission Important </a:t>
+              <a:t>	Reduce cost of care and medical disputes.</a:t>
             </a:r>
-            <a:r>
-              <a:rPr lang="en-IN" sz="2000" dirty="0" smtClean="0">
-                <a:solidFill>
-                  <a:srgbClr val="002060"/>
-                </a:solidFill>
-                <a:latin typeface="Arial" panose="020B0604020202020204" pitchFamily="34" charset="0"/>
-                <a:cs typeface="Arial" panose="020B0604020202020204" pitchFamily="34" charset="0"/>
-              </a:rPr>
-              <a:t>?</a:t>
-            </a:r>
-            <a:endParaRPr lang="en-IN" sz="2000" dirty="0">
-              <a:solidFill>
-                <a:srgbClr val="002060"/>
-              </a:solidFill>
-              <a:latin typeface="Arial" panose="020B0604020202020204" pitchFamily="34" charset="0"/>
-              <a:cs typeface="Arial" panose="020B0604020202020204" pitchFamily="34" charset="0"/>
-            </a:endParaRPr>
           </a:p>
           <a:p>
-            <a:r>
-              <a:rPr lang="en-IN" sz="2000" dirty="0" smtClean="0">
-                <a:solidFill>
-                  <a:srgbClr val="002060"/>
-                </a:solidFill>
-                <a:latin typeface="Arial" panose="020B0604020202020204" pitchFamily="34" charset="0"/>
-                <a:cs typeface="Arial" panose="020B0604020202020204" pitchFamily="34" charset="0"/>
-              </a:rPr>
-              <a:t>	Reduce </a:t>
-            </a:r>
             <a:r>
               <a:rPr lang="en-IN" sz="2000" dirty="0">
                 <a:solidFill>
@@ -19971,57 +19271,8 @@
                 <a:latin typeface="Arial" panose="020B0604020202020204" pitchFamily="34" charset="0"/>
                 <a:cs typeface="Arial" panose="020B0604020202020204" pitchFamily="34" charset="0"/>
               </a:rPr>
-              <a:t>cost of care and medical </a:t>
+              <a:t> 	Improve patients’ safety and health.</a:t>
             </a:r>
-            <a:r>
-              <a:rPr lang="en-IN" sz="2000" dirty="0" smtClean="0">
-                <a:solidFill>
-                  <a:srgbClr val="002060"/>
-                </a:solidFill>
-                <a:latin typeface="Arial" panose="020B0604020202020204" pitchFamily="34" charset="0"/>
-                <a:cs typeface="Arial" panose="020B0604020202020204" pitchFamily="34" charset="0"/>
-              </a:rPr>
-              <a:t>disputes.</a:t>
-            </a:r>
-          </a:p>
-          <a:p>
-            <a:r>
-              <a:rPr lang="en-IN" sz="2000" dirty="0" smtClean="0">
-                <a:solidFill>
-                  <a:srgbClr val="002060"/>
-                </a:solidFill>
-                <a:latin typeface="Arial" panose="020B0604020202020204" pitchFamily="34" charset="0"/>
-                <a:cs typeface="Arial" panose="020B0604020202020204" pitchFamily="34" charset="0"/>
-              </a:rPr>
-              <a:t> 	Improve </a:t>
-            </a:r>
-            <a:r>
-              <a:rPr lang="en-IN" sz="2000" dirty="0">
-                <a:solidFill>
-                  <a:srgbClr val="002060"/>
-                </a:solidFill>
-                <a:latin typeface="Arial" panose="020B0604020202020204" pitchFamily="34" charset="0"/>
-                <a:cs typeface="Arial" panose="020B0604020202020204" pitchFamily="34" charset="0"/>
-              </a:rPr>
-              <a:t>patients’ safety and </a:t>
-            </a:r>
-            <a:r>
-              <a:rPr lang="en-IN" sz="2000" dirty="0" smtClean="0">
-                <a:solidFill>
-                  <a:srgbClr val="002060"/>
-                </a:solidFill>
-                <a:latin typeface="Arial" panose="020B0604020202020204" pitchFamily="34" charset="0"/>
-                <a:cs typeface="Arial" panose="020B0604020202020204" pitchFamily="34" charset="0"/>
-              </a:rPr>
-              <a:t>health.</a:t>
-            </a:r>
-            <a:endParaRPr lang="en-IN" sz="2000" dirty="0">
-              <a:solidFill>
-                <a:srgbClr val="002060"/>
-              </a:solidFill>
-              <a:latin typeface="Arial" panose="020B0604020202020204" pitchFamily="34" charset="0"/>
-              <a:cs typeface="Arial" panose="020B0604020202020204" pitchFamily="34" charset="0"/>
-            </a:endParaRPr>
           </a:p>
         </p:txBody>
       </p:sp>
@@ -20035,13 +19286,6 @@
   <p:clrMapOvr>
     <a:masterClrMapping/>
   </p:clrMapOvr>
-  <p:timing>
-    <p:tnLst>
-      <p:par>
-        <p:cTn id="1" dur="indefinite" restart="never" nodeType="tmRoot"/>
-      </p:par>
-    </p:tnLst>
-  </p:timing>
 </p:sld>
 </file>
 
@@ -20078,18 +19322,13 @@
           <a:lstStyle/>
           <a:p>
             <a:r>
-              <a:rPr lang="en-IN" dirty="0" smtClean="0">
+              <a:rPr lang="en-IN" dirty="0">
                 <a:solidFill>
                   <a:srgbClr val="002060"/>
                 </a:solidFill>
               </a:rPr>
               <a:t>Decision Tree..</a:t>
             </a:r>
-            <a:endParaRPr lang="en-IN" dirty="0">
-              <a:solidFill>
-                <a:srgbClr val="002060"/>
-              </a:solidFill>
-            </a:endParaRPr>
           </a:p>
         </p:txBody>
       </p:sp>
@@ -20114,16 +19353,6 @@
           <a:lstStyle/>
           <a:p>
             <a:r>
-              <a:rPr lang="en-IN" sz="2000" dirty="0" smtClean="0">
-                <a:solidFill>
-                  <a:srgbClr val="002060"/>
-                </a:solidFill>
-                <a:latin typeface="Arial" panose="020B0604020202020204" pitchFamily="34" charset="0"/>
-                <a:cs typeface="Arial" panose="020B0604020202020204" pitchFamily="34" charset="0"/>
-              </a:rPr>
-              <a:t>Variables </a:t>
-            </a:r>
-            <a:r>
               <a:rPr lang="en-IN" sz="2000" dirty="0">
                 <a:solidFill>
                   <a:srgbClr val="002060"/>
@@ -20131,7 +19360,7 @@
                 <a:latin typeface="Arial" panose="020B0604020202020204" pitchFamily="34" charset="0"/>
                 <a:cs typeface="Arial" panose="020B0604020202020204" pitchFamily="34" charset="0"/>
               </a:rPr>
-              <a:t>actually used in tree construction:</a:t>
+              <a:t>Variables actually used in tree construction:</a:t>
             </a:r>
           </a:p>
           <a:p>
@@ -20140,7 +19369,7 @@
               <a:buChar char="Ø"/>
             </a:pPr>
             <a:r>
-              <a:rPr lang="en-IN" sz="2000" dirty="0" smtClean="0">
+              <a:rPr lang="en-IN" sz="2000" dirty="0">
                 <a:solidFill>
                   <a:srgbClr val="002060"/>
                 </a:solidFill>
@@ -20156,7 +19385,7 @@
               <a:buChar char="Ø"/>
             </a:pPr>
             <a:r>
-              <a:rPr lang="en-IN" sz="2000" dirty="0" smtClean="0">
+              <a:rPr lang="en-IN" sz="2000" dirty="0">
                 <a:solidFill>
                   <a:srgbClr val="002060"/>
                 </a:solidFill>
@@ -20172,7 +19401,7 @@
               <a:buChar char="Ø"/>
             </a:pPr>
             <a:r>
-              <a:rPr lang="en-IN" sz="2000" dirty="0" smtClean="0">
+              <a:rPr lang="en-IN" sz="2000" dirty="0">
                 <a:solidFill>
                   <a:srgbClr val="002060"/>
                 </a:solidFill>
@@ -20181,13 +19410,6 @@
               </a:rPr>
               <a:t>max_glu_serum           </a:t>
             </a:r>
-            <a:endParaRPr lang="en-IN" sz="2000" dirty="0">
-              <a:solidFill>
-                <a:srgbClr val="002060"/>
-              </a:solidFill>
-              <a:latin typeface="Arial" panose="020B0604020202020204" pitchFamily="34" charset="0"/>
-              <a:cs typeface="Arial" panose="020B0604020202020204" pitchFamily="34" charset="0"/>
-            </a:endParaRPr>
           </a:p>
           <a:p>
             <a:pPr marL="285750" indent="-285750">
@@ -20195,7 +19417,7 @@
               <a:buChar char="Ø"/>
             </a:pPr>
             <a:r>
-              <a:rPr lang="en-IN" sz="2000" dirty="0" smtClean="0">
+              <a:rPr lang="en-IN" sz="2000" dirty="0">
                 <a:solidFill>
                   <a:srgbClr val="002060"/>
                 </a:solidFill>
@@ -20211,7 +19433,7 @@
               <a:buChar char="Ø"/>
             </a:pPr>
             <a:r>
-              <a:rPr lang="en-IN" sz="2000" dirty="0" smtClean="0">
+              <a:rPr lang="en-IN" sz="2000" dirty="0">
                 <a:solidFill>
                   <a:srgbClr val="002060"/>
                 </a:solidFill>
@@ -20227,7 +19449,7 @@
               <a:buChar char="Ø"/>
             </a:pPr>
             <a:r>
-              <a:rPr lang="en-IN" sz="2000" dirty="0" smtClean="0">
+              <a:rPr lang="en-IN" sz="2000" dirty="0">
                 <a:solidFill>
                   <a:srgbClr val="002060"/>
                 </a:solidFill>
@@ -20236,13 +19458,6 @@
               </a:rPr>
               <a:t>race </a:t>
             </a:r>
-            <a:endParaRPr lang="en-IN" sz="2000" dirty="0">
-              <a:solidFill>
-                <a:srgbClr val="002060"/>
-              </a:solidFill>
-              <a:latin typeface="Arial" panose="020B0604020202020204" pitchFamily="34" charset="0"/>
-              <a:cs typeface="Arial" panose="020B0604020202020204" pitchFamily="34" charset="0"/>
-            </a:endParaRPr>
           </a:p>
         </p:txBody>
       </p:sp>
@@ -20280,13 +19495,6 @@
   <p:clrMapOvr>
     <a:masterClrMapping/>
   </p:clrMapOvr>
-  <p:timing>
-    <p:tnLst>
-      <p:par>
-        <p:cTn id="1" dur="indefinite" restart="never" nodeType="tmRoot"/>
-      </p:par>
-    </p:tnLst>
-  </p:timing>
 </p:sld>
 </file>
 
@@ -20392,17 +19600,7 @@
                 <a:latin typeface="Arial" panose="020B0604020202020204" pitchFamily="34" charset="0"/>
                 <a:cs typeface="Arial" panose="020B0604020202020204" pitchFamily="34" charset="0"/>
               </a:rPr>
-              <a:t>Reduce the variance of our </a:t>
-            </a:r>
-            <a:r>
-              <a:rPr lang="en-IN" sz="2000" dirty="0" smtClean="0">
-                <a:solidFill>
-                  <a:srgbClr val="002060"/>
-                </a:solidFill>
-                <a:latin typeface="Arial" panose="020B0604020202020204" pitchFamily="34" charset="0"/>
-                <a:cs typeface="Arial" panose="020B0604020202020204" pitchFamily="34" charset="0"/>
-              </a:rPr>
-              <a:t>predictions.</a:t>
+              <a:t>Reduce the variance of our predictions.</a:t>
             </a:r>
           </a:p>
           <a:p>
@@ -20411,16 +19609,6 @@
               <a:buChar char="v"/>
             </a:pPr>
             <a:r>
-              <a:rPr lang="en-IN" sz="2000" dirty="0" smtClean="0">
-                <a:solidFill>
-                  <a:srgbClr val="002060"/>
-                </a:solidFill>
-                <a:latin typeface="Arial" panose="020B0604020202020204" pitchFamily="34" charset="0"/>
-                <a:cs typeface="Arial" panose="020B0604020202020204" pitchFamily="34" charset="0"/>
-              </a:rPr>
-              <a:t>There </a:t>
-            </a:r>
-            <a:r>
               <a:rPr lang="en-IN" sz="2000" dirty="0">
                 <a:solidFill>
                   <a:srgbClr val="002060"/>
@@ -20428,41 +19616,11 @@
                 <a:latin typeface="Arial" panose="020B0604020202020204" pitchFamily="34" charset="0"/>
                 <a:cs typeface="Arial" panose="020B0604020202020204" pitchFamily="34" charset="0"/>
               </a:rPr>
-              <a:t>are various implementations of bagging </a:t>
-            </a:r>
-            <a:r>
-              <a:rPr lang="en-IN" sz="2000" dirty="0" smtClean="0">
-                <a:solidFill>
-                  <a:srgbClr val="002060"/>
-                </a:solidFill>
-                <a:latin typeface="Arial" panose="020B0604020202020204" pitchFamily="34" charset="0"/>
-                <a:cs typeface="Arial" panose="020B0604020202020204" pitchFamily="34" charset="0"/>
-              </a:rPr>
-              <a:t>models </a:t>
-            </a:r>
-            <a:r>
-              <a:rPr lang="en-IN" sz="2000" dirty="0">
-                <a:solidFill>
-                  <a:srgbClr val="002060"/>
-                </a:solidFill>
-                <a:latin typeface="Arial" panose="020B0604020202020204" pitchFamily="34" charset="0"/>
-                <a:cs typeface="Arial" panose="020B0604020202020204" pitchFamily="34" charset="0"/>
-              </a:rPr>
-              <a:t>Random forest is one of them</a:t>
-            </a:r>
-            <a:r>
-              <a:rPr lang="en-IN" sz="2000" dirty="0" smtClean="0">
-                <a:solidFill>
-                  <a:srgbClr val="002060"/>
-                </a:solidFill>
-                <a:latin typeface="Arial" panose="020B0604020202020204" pitchFamily="34" charset="0"/>
-                <a:cs typeface="Arial" panose="020B0604020202020204" pitchFamily="34" charset="0"/>
-              </a:rPr>
-              <a:t>.</a:t>
+              <a:t>There are various implementations of bagging models Random forest is one of them.</a:t>
             </a:r>
           </a:p>
           <a:p>
-            <a:endParaRPr lang="en-IN" sz="2000" dirty="0" smtClean="0">
+            <a:endParaRPr lang="en-IN" sz="2000" dirty="0">
               <a:solidFill>
                 <a:srgbClr val="002060"/>
               </a:solidFill>
@@ -20472,7 +19630,7 @@
           </a:p>
           <a:p>
             <a:r>
-              <a:rPr lang="en-IN" sz="2000" dirty="0" smtClean="0">
+              <a:rPr lang="en-IN" sz="2000" dirty="0">
                 <a:solidFill>
                   <a:srgbClr val="002060"/>
                 </a:solidFill>
@@ -20537,13 +19695,6 @@
   <p:clrMapOvr>
     <a:masterClrMapping/>
   </p:clrMapOvr>
-  <p:timing>
-    <p:tnLst>
-      <p:par>
-        <p:cTn id="1" dur="indefinite" restart="never" nodeType="tmRoot"/>
-      </p:par>
-    </p:tnLst>
-  </p:timing>
 </p:sld>
 </file>
 
@@ -20584,49 +19735,28 @@
           <a:bodyPr/>
           <a:lstStyle/>
           <a:p>
-            <a:r>
-              <a:rPr lang="en-IN" dirty="0" smtClean="0">
+            <a:br>
+              <a:rPr lang="en-IN" dirty="0">
                 <a:solidFill>
                   <a:srgbClr val="002060"/>
                 </a:solidFill>
               </a:rPr>
-              <a:t/>
-            </a:r>
+            </a:br>
             <a:br>
-              <a:rPr lang="en-IN" dirty="0" smtClean="0">
+              <a:rPr lang="en-IN" dirty="0">
                 <a:solidFill>
                   <a:srgbClr val="002060"/>
                 </a:solidFill>
               </a:rPr>
             </a:br>
             <a:r>
-              <a:rPr lang="en-IN" dirty="0" smtClean="0">
-                <a:solidFill>
-                  <a:srgbClr val="002060"/>
-                </a:solidFill>
-              </a:rPr>
-              <a:t/>
-            </a:r>
-            <a:br>
-              <a:rPr lang="en-IN" dirty="0" smtClean="0">
-                <a:solidFill>
-                  <a:srgbClr val="002060"/>
-                </a:solidFill>
-              </a:rPr>
-            </a:br>
-            <a:r>
-              <a:rPr lang="en-IN" dirty="0" smtClean="0">
+              <a:rPr lang="en-IN" dirty="0">
                 <a:solidFill>
                   <a:srgbClr val="002060"/>
                 </a:solidFill>
               </a:rPr>
               <a:t>Random Forest</a:t>
             </a:r>
-            <a:endParaRPr lang="en-IN" dirty="0">
-              <a:solidFill>
-                <a:srgbClr val="002060"/>
-              </a:solidFill>
-            </a:endParaRPr>
           </a:p>
         </p:txBody>
       </p:sp>
@@ -20662,37 +19792,7 @@
                 <a:latin typeface="Arial" panose="020B0604020202020204" pitchFamily="34" charset="0"/>
                 <a:cs typeface="Arial" panose="020B0604020202020204" pitchFamily="34" charset="0"/>
               </a:rPr>
-              <a:t>H</a:t>
-            </a:r>
-            <a:r>
-              <a:rPr lang="en-IN" sz="2000" dirty="0" smtClean="0">
-                <a:solidFill>
-                  <a:srgbClr val="002060"/>
-                </a:solidFill>
-                <a:latin typeface="Arial" panose="020B0604020202020204" pitchFamily="34" charset="0"/>
-                <a:cs typeface="Arial" panose="020B0604020202020204" pitchFamily="34" charset="0"/>
-              </a:rPr>
-              <a:t>andle </a:t>
-            </a:r>
-            <a:r>
-              <a:rPr lang="en-IN" sz="2000" dirty="0">
-                <a:solidFill>
-                  <a:srgbClr val="002060"/>
-                </a:solidFill>
-                <a:latin typeface="Arial" panose="020B0604020202020204" pitchFamily="34" charset="0"/>
-                <a:cs typeface="Arial" panose="020B0604020202020204" pitchFamily="34" charset="0"/>
-              </a:rPr>
-              <a:t>large data set with higher </a:t>
-            </a:r>
-            <a:r>
-              <a:rPr lang="en-IN" sz="2000" dirty="0" smtClean="0">
-                <a:solidFill>
-                  <a:srgbClr val="002060"/>
-                </a:solidFill>
-                <a:latin typeface="Arial" panose="020B0604020202020204" pitchFamily="34" charset="0"/>
-                <a:cs typeface="Arial" panose="020B0604020202020204" pitchFamily="34" charset="0"/>
-              </a:rPr>
-              <a:t>dimensionality. </a:t>
+              <a:t>Handle large data set with higher dimensionality. </a:t>
             </a:r>
           </a:p>
           <a:p>
@@ -20708,18 +19808,26 @@
                 <a:latin typeface="Arial" panose="020B0604020202020204" pitchFamily="34" charset="0"/>
                 <a:cs typeface="Arial" panose="020B0604020202020204" pitchFamily="34" charset="0"/>
               </a:rPr>
-              <a:t>I</a:t>
+              <a:t>Identify most significant variables i.e. the model outputs </a:t>
             </a:r>
+          </a:p>
+          <a:p>
             <a:r>
-              <a:rPr lang="en-IN" sz="2000" dirty="0" smtClean="0">
+              <a:rPr lang="en-IN" sz="2000" b="1" dirty="0">
                 <a:solidFill>
                   <a:srgbClr val="002060"/>
                 </a:solidFill>
                 <a:latin typeface="Arial" panose="020B0604020202020204" pitchFamily="34" charset="0"/>
                 <a:cs typeface="Arial" panose="020B0604020202020204" pitchFamily="34" charset="0"/>
               </a:rPr>
-              <a:t>dentify </a:t>
+              <a:t>     Importance of variable.</a:t>
             </a:r>
+          </a:p>
+          <a:p>
+            <a:pPr marL="342900" indent="-342900">
+              <a:buFont typeface="Wingdings" panose="05000000000000000000" pitchFamily="2" charset="2"/>
+              <a:buChar char="v"/>
+            </a:pPr>
             <a:r>
               <a:rPr lang="en-IN" sz="2000" dirty="0">
                 <a:solidFill>
@@ -20728,102 +19836,7 @@
                 <a:latin typeface="Arial" panose="020B0604020202020204" pitchFamily="34" charset="0"/>
                 <a:cs typeface="Arial" panose="020B0604020202020204" pitchFamily="34" charset="0"/>
               </a:rPr>
-              <a:t>most significant </a:t>
-            </a:r>
-            <a:r>
-              <a:rPr lang="en-IN" sz="2000" dirty="0" smtClean="0">
-                <a:solidFill>
-                  <a:srgbClr val="002060"/>
-                </a:solidFill>
-                <a:latin typeface="Arial" panose="020B0604020202020204" pitchFamily="34" charset="0"/>
-                <a:cs typeface="Arial" panose="020B0604020202020204" pitchFamily="34" charset="0"/>
-              </a:rPr>
-              <a:t>variables i.e.</a:t>
-            </a:r>
-            <a:r>
-              <a:rPr lang="en-IN" sz="2000" dirty="0">
-                <a:solidFill>
-                  <a:srgbClr val="002060"/>
-                </a:solidFill>
-                <a:latin typeface="Arial" panose="020B0604020202020204" pitchFamily="34" charset="0"/>
-                <a:cs typeface="Arial" panose="020B0604020202020204" pitchFamily="34" charset="0"/>
-              </a:rPr>
-              <a:t> the model outputs </a:t>
-            </a:r>
-            <a:endParaRPr lang="en-IN" sz="2000" dirty="0" smtClean="0">
-              <a:solidFill>
-                <a:srgbClr val="002060"/>
-              </a:solidFill>
-              <a:latin typeface="Arial" panose="020B0604020202020204" pitchFamily="34" charset="0"/>
-              <a:cs typeface="Arial" panose="020B0604020202020204" pitchFamily="34" charset="0"/>
-            </a:endParaRPr>
-          </a:p>
-          <a:p>
-            <a:r>
-              <a:rPr lang="en-IN" sz="2000" b="1" dirty="0" smtClean="0">
-                <a:solidFill>
-                  <a:srgbClr val="002060"/>
-                </a:solidFill>
-                <a:latin typeface="Arial" panose="020B0604020202020204" pitchFamily="34" charset="0"/>
-                <a:cs typeface="Arial" panose="020B0604020202020204" pitchFamily="34" charset="0"/>
-              </a:rPr>
-              <a:t>     Importance </a:t>
-            </a:r>
-            <a:r>
-              <a:rPr lang="en-IN" sz="2000" b="1" dirty="0">
-                <a:solidFill>
-                  <a:srgbClr val="002060"/>
-                </a:solidFill>
-                <a:latin typeface="Arial" panose="020B0604020202020204" pitchFamily="34" charset="0"/>
-                <a:cs typeface="Arial" panose="020B0604020202020204" pitchFamily="34" charset="0"/>
-              </a:rPr>
-              <a:t>of </a:t>
-            </a:r>
-            <a:r>
-              <a:rPr lang="en-IN" sz="2000" b="1" dirty="0" smtClean="0">
-                <a:solidFill>
-                  <a:srgbClr val="002060"/>
-                </a:solidFill>
-                <a:latin typeface="Arial" panose="020B0604020202020204" pitchFamily="34" charset="0"/>
-                <a:cs typeface="Arial" panose="020B0604020202020204" pitchFamily="34" charset="0"/>
-              </a:rPr>
-              <a:t>variable.</a:t>
-            </a:r>
-          </a:p>
-          <a:p>
-            <a:pPr marL="342900" indent="-342900">
-              <a:buFont typeface="Wingdings" panose="05000000000000000000" pitchFamily="2" charset="2"/>
-              <a:buChar char="v"/>
-            </a:pPr>
-            <a:r>
-              <a:rPr lang="en-IN" sz="2000" dirty="0" smtClean="0">
-                <a:solidFill>
-                  <a:srgbClr val="002060"/>
-                </a:solidFill>
-                <a:latin typeface="Arial" panose="020B0604020202020204" pitchFamily="34" charset="0"/>
-                <a:cs typeface="Arial" panose="020B0604020202020204" pitchFamily="34" charset="0"/>
-              </a:rPr>
-              <a:t>The </a:t>
-            </a:r>
-            <a:r>
-              <a:rPr lang="en-IN" sz="2000" dirty="0">
-                <a:solidFill>
-                  <a:srgbClr val="002060"/>
-                </a:solidFill>
-                <a:latin typeface="Arial" panose="020B0604020202020204" pitchFamily="34" charset="0"/>
-                <a:cs typeface="Arial" panose="020B0604020202020204" pitchFamily="34" charset="0"/>
-              </a:rPr>
-              <a:t>sub-trees are learned so that the resulting predictions from all of the subtrees have less correlation</a:t>
-            </a:r>
-            <a:r>
-              <a:rPr lang="en-IN" sz="2000" dirty="0" smtClean="0">
-                <a:solidFill>
-                  <a:srgbClr val="002060"/>
-                </a:solidFill>
-                <a:latin typeface="Arial" panose="020B0604020202020204" pitchFamily="34" charset="0"/>
-                <a:cs typeface="Arial" panose="020B0604020202020204" pitchFamily="34" charset="0"/>
-              </a:rPr>
-              <a:t>.</a:t>
+              <a:t>The sub-trees are learned so that the resulting predictions from all of the subtrees have less correlation.</a:t>
             </a:r>
           </a:p>
           <a:p>
@@ -20867,13 +19880,6 @@
   <p:clrMapOvr>
     <a:masterClrMapping/>
   </p:clrMapOvr>
-  <p:timing>
-    <p:tnLst>
-      <p:par>
-        <p:cTn id="1" dur="indefinite" restart="never" nodeType="tmRoot"/>
-      </p:par>
-    </p:tnLst>
-  </p:timing>
 </p:sld>
 </file>
 
@@ -20910,18 +19916,13 @@
           <a:lstStyle/>
           <a:p>
             <a:r>
-              <a:rPr lang="en-IN" dirty="0" smtClean="0">
+              <a:rPr lang="en-IN" dirty="0">
                 <a:solidFill>
                   <a:srgbClr val="002060"/>
                 </a:solidFill>
               </a:rPr>
               <a:t>Random Forest ..</a:t>
             </a:r>
-            <a:endParaRPr lang="en-IN" dirty="0">
-              <a:solidFill>
-                <a:srgbClr val="002060"/>
-              </a:solidFill>
-            </a:endParaRPr>
           </a:p>
         </p:txBody>
       </p:sp>
@@ -20957,81 +19958,11 @@
                 <a:latin typeface="Arial" panose="020B0604020202020204" pitchFamily="34" charset="0"/>
                 <a:cs typeface="Arial" panose="020B0604020202020204" pitchFamily="34" charset="0"/>
               </a:rPr>
-              <a:t>By considering more than one decision tree and then </a:t>
-            </a:r>
-            <a:r>
-              <a:rPr lang="en-IN" sz="2000" dirty="0" smtClean="0">
-                <a:solidFill>
-                  <a:srgbClr val="002060"/>
-                </a:solidFill>
-                <a:latin typeface="Arial" panose="020B0604020202020204" pitchFamily="34" charset="0"/>
-                <a:cs typeface="Arial" panose="020B0604020202020204" pitchFamily="34" charset="0"/>
-              </a:rPr>
-              <a:t>     doing </a:t>
-            </a:r>
-            <a:r>
-              <a:rPr lang="en-IN" sz="2000" dirty="0">
-                <a:solidFill>
-                  <a:srgbClr val="002060"/>
-                </a:solidFill>
-                <a:latin typeface="Arial" panose="020B0604020202020204" pitchFamily="34" charset="0"/>
-                <a:cs typeface="Arial" panose="020B0604020202020204" pitchFamily="34" charset="0"/>
-              </a:rPr>
-              <a:t>a majority voting, random forests helped in  </a:t>
-            </a:r>
-            <a:r>
-              <a:rPr lang="en-IN" sz="2000" dirty="0" smtClean="0">
-                <a:solidFill>
-                  <a:srgbClr val="002060"/>
-                </a:solidFill>
-                <a:latin typeface="Arial" panose="020B0604020202020204" pitchFamily="34" charset="0"/>
-                <a:cs typeface="Arial" panose="020B0604020202020204" pitchFamily="34" charset="0"/>
-              </a:rPr>
-              <a:t>being </a:t>
-            </a:r>
-            <a:r>
-              <a:rPr lang="en-IN" sz="2000" dirty="0">
-                <a:solidFill>
-                  <a:srgbClr val="002060"/>
-                </a:solidFill>
-                <a:latin typeface="Arial" panose="020B0604020202020204" pitchFamily="34" charset="0"/>
-                <a:cs typeface="Arial" panose="020B0604020202020204" pitchFamily="34" charset="0"/>
-              </a:rPr>
-              <a:t>more </a:t>
-            </a:r>
-            <a:r>
-              <a:rPr lang="en-IN" sz="2000" dirty="0" smtClean="0">
-                <a:solidFill>
-                  <a:srgbClr val="002060"/>
-                </a:solidFill>
-                <a:latin typeface="Arial" panose="020B0604020202020204" pitchFamily="34" charset="0"/>
-                <a:cs typeface="Arial" panose="020B0604020202020204" pitchFamily="34" charset="0"/>
-              </a:rPr>
-              <a:t>robust </a:t>
-            </a:r>
-            <a:r>
-              <a:rPr lang="en-IN" sz="2000" dirty="0">
-                <a:solidFill>
-                  <a:srgbClr val="002060"/>
-                </a:solidFill>
-                <a:latin typeface="Arial" panose="020B0604020202020204" pitchFamily="34" charset="0"/>
-                <a:cs typeface="Arial" panose="020B0604020202020204" pitchFamily="34" charset="0"/>
-              </a:rPr>
-              <a:t>predictive representations than </a:t>
-            </a:r>
-            <a:r>
-              <a:rPr lang="en-IN" sz="2000" dirty="0" smtClean="0">
-                <a:solidFill>
-                  <a:srgbClr val="002060"/>
-                </a:solidFill>
-                <a:latin typeface="Arial" panose="020B0604020202020204" pitchFamily="34" charset="0"/>
-                <a:cs typeface="Arial" panose="020B0604020202020204" pitchFamily="34" charset="0"/>
-              </a:rPr>
-              <a:t>trees.</a:t>
+              <a:t>By considering more than one decision tree and then      doing a majority voting, random forests helped in  being more robust predictive representations than trees.</a:t>
             </a:r>
           </a:p>
           <a:p>
-            <a:endParaRPr lang="en-IN" sz="2000" dirty="0" smtClean="0">
+            <a:endParaRPr lang="en-IN" sz="2000" dirty="0">
               <a:solidFill>
                 <a:srgbClr val="002060"/>
               </a:solidFill>
@@ -21041,16 +19972,6 @@
           </a:p>
           <a:p>
             <a:r>
-              <a:rPr lang="en-IN" sz="2000" dirty="0" smtClean="0">
-                <a:solidFill>
-                  <a:srgbClr val="002060"/>
-                </a:solidFill>
-                <a:latin typeface="Arial" panose="020B0604020202020204" pitchFamily="34" charset="0"/>
-                <a:cs typeface="Arial" panose="020B0604020202020204" pitchFamily="34" charset="0"/>
-              </a:rPr>
-              <a:t>Model </a:t>
-            </a:r>
-            <a:r>
               <a:rPr lang="en-IN" sz="2000" dirty="0">
                 <a:solidFill>
                   <a:srgbClr val="002060"/>
@@ -21058,7 +19979,7 @@
                 <a:latin typeface="Arial" panose="020B0604020202020204" pitchFamily="34" charset="0"/>
                 <a:cs typeface="Arial" panose="020B0604020202020204" pitchFamily="34" charset="0"/>
               </a:rPr>
-              <a:t>Performance :</a:t>
+              <a:t>Model Performance :</a:t>
             </a:r>
           </a:p>
           <a:p>
@@ -21113,13 +20034,6 @@
   <p:clrMapOvr>
     <a:masterClrMapping/>
   </p:clrMapOvr>
-  <p:timing>
-    <p:tnLst>
-      <p:par>
-        <p:cTn id="1" dur="indefinite" restart="never" nodeType="tmRoot"/>
-      </p:par>
-    </p:tnLst>
-  </p:timing>
 </p:sld>
 </file>
 
@@ -21161,18 +20075,13 @@
           <a:lstStyle/>
           <a:p>
             <a:r>
-              <a:rPr lang="en-IN" sz="3200" dirty="0" smtClean="0">
+              <a:rPr lang="en-IN" sz="3200" dirty="0">
                 <a:solidFill>
                   <a:srgbClr val="00B050"/>
                 </a:solidFill>
               </a:rPr>
               <a:t>Important Variable Plot</a:t>
             </a:r>
-            <a:endParaRPr lang="en-IN" sz="3200" dirty="0">
-              <a:solidFill>
-                <a:srgbClr val="00B050"/>
-              </a:solidFill>
-            </a:endParaRPr>
           </a:p>
         </p:txBody>
       </p:sp>
@@ -21212,13 +20121,6 @@
   <p:clrMapOvr>
     <a:masterClrMapping/>
   </p:clrMapOvr>
-  <p:timing>
-    <p:tnLst>
-      <p:par>
-        <p:cTn id="1" dur="indefinite" restart="never" nodeType="tmRoot"/>
-      </p:par>
-    </p:tnLst>
-  </p:timing>
 </p:sld>
 </file>
 
@@ -21254,34 +20156,21 @@
           <a:bodyPr/>
           <a:lstStyle/>
           <a:p>
-            <a:r>
-              <a:rPr lang="en-IN" dirty="0" smtClean="0">
-                <a:solidFill>
-                  <a:srgbClr val="002060"/>
-                </a:solidFill>
-              </a:rPr>
-              <a:t/>
-            </a:r>
             <a:br>
-              <a:rPr lang="en-IN" dirty="0" smtClean="0">
+              <a:rPr lang="en-IN" dirty="0">
                 <a:solidFill>
                   <a:srgbClr val="002060"/>
                 </a:solidFill>
               </a:rPr>
             </a:br>
             <a:r>
-              <a:rPr lang="en-IN" dirty="0" smtClean="0">
+              <a:rPr lang="en-IN" dirty="0">
                 <a:solidFill>
                   <a:srgbClr val="002060"/>
                 </a:solidFill>
               </a:rPr>
               <a:t>Logistic Regression</a:t>
             </a:r>
-            <a:endParaRPr lang="en-IN" dirty="0">
-              <a:solidFill>
-                <a:srgbClr val="002060"/>
-              </a:solidFill>
-            </a:endParaRPr>
           </a:p>
         </p:txBody>
       </p:sp>
@@ -21310,16 +20199,6 @@
               <a:buChar char="v"/>
             </a:pPr>
             <a:r>
-              <a:rPr lang="en-IN" sz="2000" dirty="0" smtClean="0">
-                <a:solidFill>
-                  <a:srgbClr val="002060"/>
-                </a:solidFill>
-                <a:latin typeface="Arial" panose="020B0604020202020204" pitchFamily="34" charset="0"/>
-                <a:cs typeface="Arial" panose="020B0604020202020204" pitchFamily="34" charset="0"/>
-              </a:rPr>
-              <a:t>Have </a:t>
-            </a:r>
-            <a:r>
               <a:rPr lang="en-IN" sz="2000" dirty="0">
                 <a:solidFill>
                   <a:srgbClr val="002060"/>
@@ -21327,17 +20206,7 @@
                 <a:latin typeface="Arial" panose="020B0604020202020204" pitchFamily="34" charset="0"/>
                 <a:cs typeface="Arial" panose="020B0604020202020204" pitchFamily="34" charset="0"/>
               </a:rPr>
-              <a:t>probability for </a:t>
-            </a:r>
-            <a:r>
-              <a:rPr lang="en-IN" sz="2000" dirty="0" smtClean="0">
-                <a:solidFill>
-                  <a:srgbClr val="002060"/>
-                </a:solidFill>
-                <a:latin typeface="Arial" panose="020B0604020202020204" pitchFamily="34" charset="0"/>
-                <a:cs typeface="Arial" panose="020B0604020202020204" pitchFamily="34" charset="0"/>
-              </a:rPr>
-              <a:t>reference.</a:t>
+              <a:t>Have probability for reference.</a:t>
             </a:r>
           </a:p>
           <a:p>
@@ -21346,7 +20215,7 @@
               <a:buChar char="v"/>
             </a:pPr>
             <a:r>
-              <a:rPr lang="en-IN" sz="2000" dirty="0" smtClean="0">
+              <a:rPr lang="en-IN" sz="2000" dirty="0">
                 <a:solidFill>
                   <a:srgbClr val="002060"/>
                 </a:solidFill>
@@ -21395,7 +20264,7 @@
               <a:buFont typeface="Wingdings" panose="05000000000000000000" pitchFamily="2" charset="2"/>
               <a:buChar char="v"/>
             </a:pPr>
-            <a:endParaRPr lang="en-IN" sz="2000" dirty="0" smtClean="0">
+            <a:endParaRPr lang="en-IN" sz="2000" dirty="0">
               <a:solidFill>
                 <a:srgbClr val="002060"/>
               </a:solidFill>
@@ -21439,13 +20308,6 @@
   <p:clrMapOvr>
     <a:masterClrMapping/>
   </p:clrMapOvr>
-  <p:timing>
-    <p:tnLst>
-      <p:par>
-        <p:cTn id="1" dur="indefinite" restart="never" nodeType="tmRoot"/>
-      </p:par>
-    </p:tnLst>
-  </p:timing>
 </p:sld>
 </file>
 
@@ -21482,18 +20344,13 @@
           <a:lstStyle/>
           <a:p>
             <a:r>
-              <a:rPr lang="en-IN" dirty="0" smtClean="0">
+              <a:rPr lang="en-IN" dirty="0">
                 <a:solidFill>
                   <a:srgbClr val="002060"/>
                 </a:solidFill>
               </a:rPr>
               <a:t>ROC Curve</a:t>
             </a:r>
-            <a:endParaRPr lang="en-IN" dirty="0">
-              <a:solidFill>
-                <a:srgbClr val="002060"/>
-              </a:solidFill>
-            </a:endParaRPr>
           </a:p>
         </p:txBody>
       </p:sp>
@@ -21512,7 +20369,7 @@
           <a:bodyPr/>
           <a:lstStyle/>
           <a:p>
-            <a:endParaRPr lang="en-IN" dirty="0" smtClean="0">
+            <a:endParaRPr lang="en-IN" dirty="0">
               <a:solidFill>
                 <a:srgbClr val="002060"/>
               </a:solidFill>
@@ -21522,7 +20379,7 @@
           </a:p>
           <a:p>
             <a:r>
-              <a:rPr lang="en-IN" dirty="0" smtClean="0">
+              <a:rPr lang="en-IN" dirty="0">
                 <a:solidFill>
                   <a:srgbClr val="002060"/>
                 </a:solidFill>
@@ -21531,13 +20388,6 @@
               </a:rPr>
               <a:t>AUC = 77.12%</a:t>
             </a:r>
-            <a:endParaRPr lang="en-IN" dirty="0">
-              <a:solidFill>
-                <a:srgbClr val="002060"/>
-              </a:solidFill>
-              <a:latin typeface="Arial" panose="020B0604020202020204" pitchFamily="34" charset="0"/>
-              <a:cs typeface="Arial" panose="020B0604020202020204" pitchFamily="34" charset="0"/>
-            </a:endParaRPr>
           </a:p>
         </p:txBody>
       </p:sp>
@@ -21577,13 +20427,6 @@
   <p:clrMapOvr>
     <a:masterClrMapping/>
   </p:clrMapOvr>
-  <p:timing>
-    <p:tnLst>
-      <p:par>
-        <p:cTn id="1" dur="indefinite" restart="never" nodeType="tmRoot"/>
-      </p:par>
-    </p:tnLst>
-  </p:timing>
 </p:sld>
 </file>
 
@@ -21630,21 +20473,8 @@
                   <a:srgbClr val="002060"/>
                 </a:solidFill>
               </a:rPr>
-              <a:t>Threshold </a:t>
+              <a:t>Threshold Level Vs Recall &amp; Accuracy</a:t>
             </a:r>
-            <a:r>
-              <a:rPr lang="en-IN" sz="2800" dirty="0" smtClean="0">
-                <a:solidFill>
-                  <a:srgbClr val="002060"/>
-                </a:solidFill>
-              </a:rPr>
-              <a:t>Level Vs Recall &amp; Accuracy</a:t>
-            </a:r>
-            <a:endParaRPr lang="en-IN" sz="2800" dirty="0">
-              <a:solidFill>
-                <a:srgbClr val="002060"/>
-              </a:solidFill>
-            </a:endParaRPr>
           </a:p>
         </p:txBody>
       </p:sp>
@@ -21706,13 +20536,6 @@
   <p:clrMapOvr>
     <a:masterClrMapping/>
   </p:clrMapOvr>
-  <p:timing>
-    <p:tnLst>
-      <p:par>
-        <p:cTn id="1" dur="indefinite" restart="never" nodeType="tmRoot"/>
-      </p:par>
-    </p:tnLst>
-  </p:timing>
 </p:sld>
 </file>
 
@@ -21749,18 +20572,13 @@
           <a:lstStyle/>
           <a:p>
             <a:r>
-              <a:rPr lang="en-IN" dirty="0" smtClean="0">
+              <a:rPr lang="en-IN" dirty="0">
                 <a:solidFill>
                   <a:srgbClr val="002060"/>
                 </a:solidFill>
               </a:rPr>
               <a:t>Model Performance</a:t>
             </a:r>
-            <a:endParaRPr lang="en-IN" dirty="0">
-              <a:solidFill>
-                <a:srgbClr val="002060"/>
-              </a:solidFill>
-            </a:endParaRPr>
           </a:p>
         </p:txBody>
       </p:sp>
@@ -21822,13 +20640,6 @@
   <p:clrMapOvr>
     <a:masterClrMapping/>
   </p:clrMapOvr>
-  <p:timing>
-    <p:tnLst>
-      <p:par>
-        <p:cTn id="1" dur="indefinite" restart="never" nodeType="tmRoot"/>
-      </p:par>
-    </p:tnLst>
-  </p:timing>
 </p:sld>
 </file>
 
@@ -21864,23 +20675,15 @@
           <a:bodyPr/>
           <a:lstStyle/>
           <a:p>
-            <a:r>
-              <a:rPr lang="en-IN" dirty="0" smtClean="0">
-                <a:solidFill>
-                  <a:srgbClr val="002060"/>
-                </a:solidFill>
-              </a:rPr>
-              <a:t/>
-            </a:r>
             <a:br>
-              <a:rPr lang="en-IN" dirty="0" smtClean="0">
+              <a:rPr lang="en-IN" dirty="0">
                 <a:solidFill>
                   <a:srgbClr val="002060"/>
                 </a:solidFill>
               </a:rPr>
             </a:br>
             <a:r>
-              <a:rPr lang="en-IN" dirty="0" smtClean="0">
+              <a:rPr lang="en-IN" dirty="0">
                 <a:solidFill>
                   <a:srgbClr val="002060"/>
                 </a:solidFill>
@@ -21916,16 +20719,6 @@
               <a:buChar char="v"/>
             </a:pPr>
             <a:r>
-              <a:rPr lang="en-IN" sz="2000" dirty="0" smtClean="0">
-                <a:solidFill>
-                  <a:srgbClr val="002060"/>
-                </a:solidFill>
-                <a:latin typeface="Arial" panose="020B0604020202020204" pitchFamily="34" charset="0"/>
-                <a:cs typeface="Arial" panose="020B0604020202020204" pitchFamily="34" charset="0"/>
-              </a:rPr>
-              <a:t>The </a:t>
-            </a:r>
-            <a:r>
               <a:rPr lang="en-IN" sz="2000" dirty="0">
                 <a:solidFill>
                   <a:srgbClr val="002060"/>
@@ -21933,67 +20726,7 @@
                 <a:latin typeface="Arial" panose="020B0604020202020204" pitchFamily="34" charset="0"/>
                 <a:cs typeface="Arial" panose="020B0604020202020204" pitchFamily="34" charset="0"/>
               </a:rPr>
-              <a:t>readmission groups are related to admission </a:t>
-            </a:r>
-            <a:r>
-              <a:rPr lang="en-IN" sz="2000" dirty="0" smtClean="0">
-                <a:solidFill>
-                  <a:srgbClr val="002060"/>
-                </a:solidFill>
-                <a:latin typeface="Arial" panose="020B0604020202020204" pitchFamily="34" charset="0"/>
-                <a:cs typeface="Arial" panose="020B0604020202020204" pitchFamily="34" charset="0"/>
-              </a:rPr>
-              <a:t>      source</a:t>
-            </a:r>
-            <a:r>
-              <a:rPr lang="en-IN" sz="2000" dirty="0">
-                <a:solidFill>
-                  <a:srgbClr val="002060"/>
-                </a:solidFill>
-                <a:latin typeface="Arial" panose="020B0604020202020204" pitchFamily="34" charset="0"/>
-                <a:cs typeface="Arial" panose="020B0604020202020204" pitchFamily="34" charset="0"/>
-              </a:rPr>
-              <a:t>, admission type, discharge disposition and </a:t>
-            </a:r>
-            <a:r>
-              <a:rPr lang="en-IN" sz="2000" dirty="0" smtClean="0">
-                <a:solidFill>
-                  <a:srgbClr val="002060"/>
-                </a:solidFill>
-                <a:latin typeface="Arial" panose="020B0604020202020204" pitchFamily="34" charset="0"/>
-                <a:cs typeface="Arial" panose="020B0604020202020204" pitchFamily="34" charset="0"/>
-              </a:rPr>
-              <a:t>    number </a:t>
-            </a:r>
-            <a:r>
-              <a:rPr lang="en-IN" sz="2000" dirty="0">
-                <a:solidFill>
-                  <a:srgbClr val="002060"/>
-                </a:solidFill>
-                <a:latin typeface="Arial" panose="020B0604020202020204" pitchFamily="34" charset="0"/>
-                <a:cs typeface="Arial" panose="020B0604020202020204" pitchFamily="34" charset="0"/>
-              </a:rPr>
-              <a:t>of </a:t>
-            </a:r>
-            <a:r>
-              <a:rPr lang="en-IN" sz="2000" dirty="0" smtClean="0">
-                <a:solidFill>
-                  <a:srgbClr val="002060"/>
-                </a:solidFill>
-                <a:latin typeface="Arial" panose="020B0604020202020204" pitchFamily="34" charset="0"/>
-                <a:cs typeface="Arial" panose="020B0604020202020204" pitchFamily="34" charset="0"/>
-              </a:rPr>
-              <a:t>inpatient </a:t>
-            </a:r>
-            <a:r>
-              <a:rPr lang="en-IN" sz="2000" dirty="0">
-                <a:solidFill>
-                  <a:srgbClr val="002060"/>
-                </a:solidFill>
-                <a:latin typeface="Arial" panose="020B0604020202020204" pitchFamily="34" charset="0"/>
-                <a:cs typeface="Arial" panose="020B0604020202020204" pitchFamily="34" charset="0"/>
-              </a:rPr>
-              <a:t>visits.</a:t>
+              <a:t>The readmission groups are related to admission       source, admission type, discharge disposition and     number of inpatient visits.</a:t>
             </a:r>
           </a:p>
           <a:p>
@@ -22009,65 +20742,8 @@
                 <a:latin typeface="Arial" panose="020B0604020202020204" pitchFamily="34" charset="0"/>
                 <a:cs typeface="Arial" panose="020B0604020202020204" pitchFamily="34" charset="0"/>
               </a:rPr>
-              <a:t>Instead of tracking all attributes, hospitals are </a:t>
+              <a:t>Instead of tracking all attributes, hospitals are             suggested to focus on number of patient’s inpatient    visits, admission source, admission type, discharge   disposition.</a:t>
             </a:r>
-            <a:r>
-              <a:rPr lang="en-IN" sz="2000" dirty="0" smtClean="0">
-                <a:solidFill>
-                  <a:srgbClr val="002060"/>
-                </a:solidFill>
-                <a:latin typeface="Arial" panose="020B0604020202020204" pitchFamily="34" charset="0"/>
-                <a:cs typeface="Arial" panose="020B0604020202020204" pitchFamily="34" charset="0"/>
-              </a:rPr>
-              <a:t>            suggested </a:t>
-            </a:r>
-            <a:r>
-              <a:rPr lang="en-IN" sz="2000" dirty="0">
-                <a:solidFill>
-                  <a:srgbClr val="002060"/>
-                </a:solidFill>
-                <a:latin typeface="Arial" panose="020B0604020202020204" pitchFamily="34" charset="0"/>
-                <a:cs typeface="Arial" panose="020B0604020202020204" pitchFamily="34" charset="0"/>
-              </a:rPr>
-              <a:t>to focus on number of patient’s inpatient </a:t>
-            </a:r>
-            <a:r>
-              <a:rPr lang="en-IN" sz="2000" dirty="0" smtClean="0">
-                <a:solidFill>
-                  <a:srgbClr val="002060"/>
-                </a:solidFill>
-                <a:latin typeface="Arial" panose="020B0604020202020204" pitchFamily="34" charset="0"/>
-                <a:cs typeface="Arial" panose="020B0604020202020204" pitchFamily="34" charset="0"/>
-              </a:rPr>
-              <a:t>   visits</a:t>
-            </a:r>
-            <a:r>
-              <a:rPr lang="en-IN" sz="2000" dirty="0">
-                <a:solidFill>
-                  <a:srgbClr val="002060"/>
-                </a:solidFill>
-                <a:latin typeface="Arial" panose="020B0604020202020204" pitchFamily="34" charset="0"/>
-                <a:cs typeface="Arial" panose="020B0604020202020204" pitchFamily="34" charset="0"/>
-              </a:rPr>
-              <a:t>, admission source, admission type, discharge </a:t>
-            </a:r>
-            <a:r>
-              <a:rPr lang="en-IN" sz="2000" dirty="0" smtClean="0">
-                <a:solidFill>
-                  <a:srgbClr val="002060"/>
-                </a:solidFill>
-                <a:latin typeface="Arial" panose="020B0604020202020204" pitchFamily="34" charset="0"/>
-                <a:cs typeface="Arial" panose="020B0604020202020204" pitchFamily="34" charset="0"/>
-              </a:rPr>
-              <a:t>  disposition.</a:t>
-            </a:r>
-            <a:endParaRPr lang="en-IN" sz="2000" dirty="0">
-              <a:solidFill>
-                <a:srgbClr val="002060"/>
-              </a:solidFill>
-              <a:latin typeface="Arial" panose="020B0604020202020204" pitchFamily="34" charset="0"/>
-              <a:cs typeface="Arial" panose="020B0604020202020204" pitchFamily="34" charset="0"/>
-            </a:endParaRPr>
           </a:p>
           <a:p>
             <a:pPr marL="342900" indent="-342900">
@@ -22082,33 +20758,12 @@
                 <a:latin typeface="Arial" panose="020B0604020202020204" pitchFamily="34" charset="0"/>
                 <a:cs typeface="Arial" panose="020B0604020202020204" pitchFamily="34" charset="0"/>
               </a:rPr>
-              <a:t>Hospitals are advised to concern not only </a:t>
-            </a:r>
-            <a:r>
-              <a:rPr lang="en-IN" sz="2000" dirty="0" smtClean="0">
-                <a:solidFill>
-                  <a:srgbClr val="002060"/>
-                </a:solidFill>
-                <a:latin typeface="Arial" panose="020B0604020202020204" pitchFamily="34" charset="0"/>
-                <a:cs typeface="Arial" panose="020B0604020202020204" pitchFamily="34" charset="0"/>
-              </a:rPr>
-              <a:t>inpatient      </a:t>
-            </a:r>
-            <a:r>
-              <a:rPr lang="en-IN" sz="2000" dirty="0">
-                <a:solidFill>
-                  <a:srgbClr val="002060"/>
-                </a:solidFill>
-                <a:latin typeface="Arial" panose="020B0604020202020204" pitchFamily="34" charset="0"/>
-                <a:cs typeface="Arial" panose="020B0604020202020204" pitchFamily="34" charset="0"/>
-              </a:rPr>
-              <a:t>treatment but also continuing care after discharge</a:t>
+              <a:t>Hospitals are advised to concern not only inpatient      treatment but also continuing care after discharge</a:t>
             </a:r>
             <a:r>
               <a:rPr lang="en-IN" dirty="0"/>
               <a:t>.</a:t>
             </a:r>
-            <a:endParaRPr lang="en-IN" dirty="0"/>
           </a:p>
         </p:txBody>
       </p:sp>
@@ -22158,18 +20813,13 @@
           <a:lstStyle/>
           <a:p>
             <a:r>
-              <a:rPr lang="en-IN" dirty="0" smtClean="0">
+              <a:rPr lang="en-IN" dirty="0">
                 <a:solidFill>
                   <a:srgbClr val="002060"/>
                 </a:solidFill>
               </a:rPr>
               <a:t>Methodology/ Process</a:t>
             </a:r>
-            <a:endParaRPr lang="en-IN" dirty="0">
-              <a:solidFill>
-                <a:srgbClr val="002060"/>
-              </a:solidFill>
-            </a:endParaRPr>
           </a:p>
         </p:txBody>
       </p:sp>
@@ -22208,13 +20858,6 @@
   <p:clrMapOvr>
     <a:masterClrMapping/>
   </p:clrMapOvr>
-  <p:timing>
-    <p:tnLst>
-      <p:par>
-        <p:cTn id="1" dur="indefinite" restart="never" nodeType="tmRoot"/>
-      </p:par>
-    </p:tnLst>
-  </p:timing>
 </p:sld>
 </file>
 
@@ -22305,7 +20948,7 @@
           <a:lstStyle/>
           <a:p>
             <a:r>
-              <a:rPr lang="en-IN" altLang="ko-KR" dirty="0" smtClean="0">
+              <a:rPr lang="en-IN" altLang="ko-KR" dirty="0">
                 <a:solidFill>
                   <a:schemeClr val="tx2">
                     <a:lumMod val="75000"/>
@@ -22356,19 +20999,9 @@
                 <a:latin typeface="Arial" panose="020B0604020202020204" pitchFamily="34" charset="0"/>
                 <a:cs typeface="Arial" panose="020B0604020202020204" pitchFamily="34" charset="0"/>
               </a:rPr>
-              <a:t>Identify the major factors that contribute to hospital </a:t>
+              <a:t>Identify the major factors that contribute to hospital readmissions.</a:t>
             </a:r>
-            <a:r>
-              <a:rPr lang="en-IN" sz="2000" dirty="0" smtClean="0">
-                <a:solidFill>
-                  <a:srgbClr val="002060"/>
-                </a:solidFill>
-                <a:latin typeface="Arial" panose="020B0604020202020204" pitchFamily="34" charset="0"/>
-                <a:cs typeface="Arial" panose="020B0604020202020204" pitchFamily="34" charset="0"/>
-              </a:rPr>
-              <a:t>readmissions.</a:t>
-            </a:r>
-            <a:endParaRPr lang="en-US" altLang="ko-KR" sz="2000" dirty="0" smtClean="0">
+            <a:endParaRPr lang="en-US" altLang="ko-KR" sz="2000" dirty="0">
               <a:solidFill>
                 <a:srgbClr val="002060"/>
               </a:solidFill>
@@ -22381,7 +21014,7 @@
               <a:buFont typeface="Wingdings" panose="05000000000000000000" pitchFamily="2" charset="2"/>
               <a:buChar char="v"/>
             </a:pPr>
-            <a:endParaRPr lang="en-US" altLang="ko-KR" sz="2000" b="1" dirty="0" smtClean="0">
+            <a:endParaRPr lang="en-US" altLang="ko-KR" sz="2000" b="1" dirty="0">
               <a:solidFill>
                 <a:srgbClr val="00B0F0"/>
               </a:solidFill>
@@ -22395,7 +21028,7 @@
               <a:buChar char="v"/>
             </a:pPr>
             <a:r>
-              <a:rPr lang="en-US" altLang="ko-KR" sz="2000" b="1" dirty="0" smtClean="0">
+              <a:rPr lang="en-US" altLang="ko-KR" sz="2000" b="1" dirty="0">
                 <a:solidFill>
                   <a:srgbClr val="002060"/>
                 </a:solidFill>
@@ -22405,16 +21038,6 @@
               <a:t>Goal :</a:t>
             </a:r>
             <a:r>
-              <a:rPr lang="en-US" altLang="ko-KR" sz="2000" dirty="0" smtClean="0">
-                <a:solidFill>
-                  <a:srgbClr val="002060"/>
-                </a:solidFill>
-                <a:latin typeface="Arial" pitchFamily="34" charset="0"/>
-                <a:cs typeface="Arial" pitchFamily="34" charset="0"/>
-              </a:rPr>
-              <a:t> To make effective </a:t>
-            </a:r>
-            <a:r>
               <a:rPr lang="en-US" altLang="ko-KR" sz="2000" dirty="0">
                 <a:solidFill>
                   <a:srgbClr val="002060"/>
@@ -22422,17 +21045,7 @@
                 <a:latin typeface="Arial" pitchFamily="34" charset="0"/>
                 <a:cs typeface="Arial" pitchFamily="34" charset="0"/>
               </a:rPr>
-              <a:t>prediction on </a:t>
-            </a:r>
-            <a:r>
-              <a:rPr lang="en-US" altLang="ko-KR" sz="2000" dirty="0" smtClean="0">
-                <a:solidFill>
-                  <a:srgbClr val="002060"/>
-                </a:solidFill>
-                <a:latin typeface="Arial" pitchFamily="34" charset="0"/>
-                <a:cs typeface="Arial" pitchFamily="34" charset="0"/>
-              </a:rPr>
-              <a:t>readmissions which will enable hospitals to identify and target patients at the higher risk.</a:t>
+              <a:t> To make effective prediction on readmissions which will enable hospitals to identify and target patients at the higher risk.</a:t>
             </a:r>
             <a:endParaRPr lang="ko-KR" altLang="en-US" sz="2000" dirty="0">
               <a:solidFill>
@@ -22478,13 +21091,6 @@
   <p:clrMapOvr>
     <a:masterClrMapping/>
   </p:clrMapOvr>
-  <p:timing>
-    <p:tnLst>
-      <p:par>
-        <p:cTn id="1" dur="indefinite" restart="never" nodeType="tmRoot"/>
-      </p:par>
-    </p:tnLst>
-  </p:timing>
 </p:sld>
 </file>
 
@@ -22521,18 +21127,13 @@
           <a:lstStyle/>
           <a:p>
             <a:r>
-              <a:rPr lang="en-IN" dirty="0" smtClean="0">
+              <a:rPr lang="en-IN" dirty="0">
                 <a:solidFill>
                   <a:srgbClr val="002060"/>
                 </a:solidFill>
               </a:rPr>
               <a:t>Data Pre-mining</a:t>
             </a:r>
-            <a:endParaRPr lang="en-IN" dirty="0">
-              <a:solidFill>
-                <a:srgbClr val="002060"/>
-              </a:solidFill>
-            </a:endParaRPr>
           </a:p>
         </p:txBody>
       </p:sp>
@@ -22571,13 +21172,6 @@
   <p:clrMapOvr>
     <a:masterClrMapping/>
   </p:clrMapOvr>
-  <p:timing>
-    <p:tnLst>
-      <p:par>
-        <p:cTn id="1" dur="indefinite" restart="never" nodeType="tmRoot"/>
-      </p:par>
-    </p:tnLst>
-  </p:timing>
 </p:sld>
 </file>
 
@@ -22613,34 +21207,21 @@
           <a:bodyPr/>
           <a:lstStyle/>
           <a:p>
-            <a:r>
-              <a:rPr lang="en-IN" dirty="0" smtClean="0">
-                <a:solidFill>
-                  <a:srgbClr val="002060"/>
-                </a:solidFill>
-              </a:rPr>
-              <a:t/>
-            </a:r>
             <a:br>
-              <a:rPr lang="en-IN" dirty="0" smtClean="0">
+              <a:rPr lang="en-IN" dirty="0">
                 <a:solidFill>
                   <a:srgbClr val="002060"/>
                 </a:solidFill>
               </a:rPr>
             </a:br>
             <a:r>
-              <a:rPr lang="en-IN" dirty="0" smtClean="0">
+              <a:rPr lang="en-IN" dirty="0">
                 <a:solidFill>
                   <a:srgbClr val="002060"/>
                 </a:solidFill>
               </a:rPr>
               <a:t>Data Pre-processing</a:t>
             </a:r>
-            <a:endParaRPr lang="en-IN" dirty="0">
-              <a:solidFill>
-                <a:srgbClr val="002060"/>
-              </a:solidFill>
-            </a:endParaRPr>
           </a:p>
         </p:txBody>
       </p:sp>
@@ -22671,17 +21252,7 @@
                 <a:latin typeface="Arial" panose="020B0604020202020204" pitchFamily="34" charset="0"/>
                 <a:cs typeface="Arial" panose="020B0604020202020204" pitchFamily="34" charset="0"/>
               </a:rPr>
-              <a:t>Dataset was given with 34650 records and 45 variables out of which one is target variable</a:t>
-            </a:r>
-            <a:r>
-              <a:rPr lang="en-IN" sz="2000" dirty="0" smtClean="0">
-                <a:solidFill>
-                  <a:srgbClr val="002060"/>
-                </a:solidFill>
-                <a:latin typeface="Arial" panose="020B0604020202020204" pitchFamily="34" charset="0"/>
-                <a:cs typeface="Arial" panose="020B0604020202020204" pitchFamily="34" charset="0"/>
-              </a:rPr>
-              <a:t>.</a:t>
+              <a:t>Dataset was given with 34650 records and 45 variables out of which one is target variable.</a:t>
             </a:r>
           </a:p>
           <a:p>
@@ -22690,7 +21261,7 @@
               <a:buChar char="v"/>
             </a:pPr>
             <a:r>
-              <a:rPr lang="en-IN" sz="2000" dirty="0" smtClean="0">
+              <a:rPr lang="en-IN" sz="2000" dirty="0">
                 <a:solidFill>
                   <a:srgbClr val="002060"/>
                 </a:solidFill>
@@ -22704,7 +21275,7 @@
               <a:buChar char="v"/>
             </a:pPr>
             <a:r>
-              <a:rPr lang="en-IN" sz="2000" dirty="0" smtClean="0">
+              <a:rPr lang="en-IN" sz="2000" dirty="0">
                 <a:solidFill>
                   <a:srgbClr val="002060"/>
                 </a:solidFill>
@@ -22718,7 +21289,7 @@
               <a:buChar char="v"/>
             </a:pPr>
             <a:r>
-              <a:rPr lang="en-IN" sz="2000" dirty="0" smtClean="0">
+              <a:rPr lang="en-IN" sz="2000" dirty="0">
                 <a:solidFill>
                   <a:srgbClr val="002060"/>
                 </a:solidFill>
@@ -22733,19 +21304,11 @@
                   <a:srgbClr val="002060"/>
                 </a:solidFill>
               </a:rPr>
-              <a:t> </a:t>
-            </a:r>
-            <a:r>
-              <a:rPr lang="en-IN" sz="2000" dirty="0" smtClean="0">
-                <a:solidFill>
-                  <a:srgbClr val="002060"/>
-                </a:solidFill>
-              </a:rPr>
-              <a:t>   Values.</a:t>
+              <a:t>    Values.</a:t>
             </a:r>
           </a:p>
           <a:p>
-            <a:endParaRPr lang="en-IN" sz="2000" dirty="0" smtClean="0">
+            <a:endParaRPr lang="en-IN" sz="2000" dirty="0">
               <a:solidFill>
                 <a:srgbClr val="0070C0"/>
               </a:solidFill>
@@ -22772,13 +21335,6 @@
   <p:clrMapOvr>
     <a:masterClrMapping/>
   </p:clrMapOvr>
-  <p:timing>
-    <p:tnLst>
-      <p:par>
-        <p:cTn id="1" dur="indefinite" restart="never" nodeType="tmRoot"/>
-      </p:par>
-    </p:tnLst>
-  </p:timing>
 </p:sld>
 </file>
 
@@ -22814,28 +21370,16 @@
           <a:bodyPr/>
           <a:lstStyle/>
           <a:p>
-            <a:r>
-              <a:rPr lang="en-IN" dirty="0" smtClean="0"/>
-              <a:t/>
-            </a:r>
             <a:br>
-              <a:rPr lang="en-IN" dirty="0" smtClean="0"/>
+              <a:rPr lang="en-IN" dirty="0"/>
             </a:br>
-            <a:r>
-              <a:rPr lang="en-IN" dirty="0" smtClean="0">
-                <a:solidFill>
-                  <a:srgbClr val="002060"/>
-                </a:solidFill>
-              </a:rPr>
-              <a:t>Feature </a:t>
-            </a:r>
             <a:r>
               <a:rPr lang="en-IN" dirty="0">
                 <a:solidFill>
                   <a:srgbClr val="002060"/>
                 </a:solidFill>
               </a:rPr>
-              <a:t>Engineering</a:t>
+              <a:t>Feature Engineering</a:t>
             </a:r>
             <a:br>
               <a:rPr lang="en-IN" dirty="0">
@@ -22884,37 +21428,7 @@
                 <a:latin typeface="Arial" panose="020B0604020202020204" pitchFamily="34" charset="0"/>
                 <a:cs typeface="Arial" panose="020B0604020202020204" pitchFamily="34" charset="0"/>
               </a:rPr>
-              <a:t>A new </a:t>
-            </a:r>
-            <a:r>
-              <a:rPr lang="en-IN" sz="2000" dirty="0" smtClean="0">
-                <a:solidFill>
-                  <a:srgbClr val="002060"/>
-                </a:solidFill>
-                <a:latin typeface="Arial" panose="020B0604020202020204" pitchFamily="34" charset="0"/>
-                <a:cs typeface="Arial" panose="020B0604020202020204" pitchFamily="34" charset="0"/>
-              </a:rPr>
-              <a:t>Feature have been </a:t>
-            </a:r>
-            <a:r>
-              <a:rPr lang="en-IN" sz="2000" dirty="0">
-                <a:solidFill>
-                  <a:srgbClr val="002060"/>
-                </a:solidFill>
-                <a:latin typeface="Arial" panose="020B0604020202020204" pitchFamily="34" charset="0"/>
-                <a:cs typeface="Arial" panose="020B0604020202020204" pitchFamily="34" charset="0"/>
-              </a:rPr>
-              <a:t>extracted based on the existing </a:t>
-            </a:r>
-            <a:r>
-              <a:rPr lang="en-IN" sz="2000" dirty="0" smtClean="0">
-                <a:solidFill>
-                  <a:srgbClr val="002060"/>
-                </a:solidFill>
-                <a:latin typeface="Arial" panose="020B0604020202020204" pitchFamily="34" charset="0"/>
-                <a:cs typeface="Arial" panose="020B0604020202020204" pitchFamily="34" charset="0"/>
-              </a:rPr>
-              <a:t>variables.</a:t>
+              <a:t>A new Feature have been extracted based on the existing variables.</a:t>
             </a:r>
           </a:p>
           <a:p>
@@ -22922,7 +21436,7 @@
               <a:buFont typeface="Wingdings" panose="05000000000000000000" pitchFamily="2" charset="2"/>
               <a:buChar char="v"/>
             </a:pPr>
-            <a:endParaRPr lang="en-IN" sz="2000" dirty="0" smtClean="0">
+            <a:endParaRPr lang="en-IN" sz="2000" dirty="0">
               <a:solidFill>
                 <a:srgbClr val="002060"/>
               </a:solidFill>
@@ -22936,7 +21450,7 @@
               <a:buChar char="v"/>
             </a:pPr>
             <a:r>
-              <a:rPr lang="en-IN" sz="2000" dirty="0" smtClean="0">
+              <a:rPr lang="en-IN" sz="2000" dirty="0">
                 <a:solidFill>
                   <a:srgbClr val="002060"/>
                 </a:solidFill>
@@ -22945,13 +21459,6 @@
               </a:rPr>
               <a:t>Days _Spent : No. of     days spent in hospital</a:t>
             </a:r>
-            <a:endParaRPr lang="en-IN" sz="2000" dirty="0">
-              <a:solidFill>
-                <a:srgbClr val="002060"/>
-              </a:solidFill>
-              <a:latin typeface="Arial" panose="020B0604020202020204" pitchFamily="34" charset="0"/>
-              <a:cs typeface="Arial" panose="020B0604020202020204" pitchFamily="34" charset="0"/>
-            </a:endParaRPr>
           </a:p>
         </p:txBody>
       </p:sp>
@@ -22989,13 +21496,6 @@
   <p:clrMapOvr>
     <a:masterClrMapping/>
   </p:clrMapOvr>
-  <p:timing>
-    <p:tnLst>
-      <p:par>
-        <p:cTn id="1" dur="indefinite" restart="never" nodeType="tmRoot"/>
-      </p:par>
-    </p:tnLst>
-  </p:timing>
 </p:sld>
 </file>
 
@@ -23031,36 +21531,20 @@
           <a:bodyPr/>
           <a:lstStyle/>
           <a:p>
-            <a:r>
-              <a:rPr lang="en-IN" dirty="0" smtClean="0">
-                <a:solidFill>
-                  <a:srgbClr val="002060"/>
-                </a:solidFill>
-              </a:rPr>
-              <a:t/>
-            </a:r>
             <a:br>
-              <a:rPr lang="en-IN" dirty="0" smtClean="0">
+              <a:rPr lang="en-IN" dirty="0">
                 <a:solidFill>
                   <a:srgbClr val="002060"/>
                 </a:solidFill>
               </a:rPr>
             </a:br>
             <a:r>
-              <a:rPr lang="en-IN" dirty="0" smtClean="0">
-                <a:solidFill>
-                  <a:srgbClr val="002060"/>
-                </a:solidFill>
-              </a:rPr>
-              <a:t>Variable </a:t>
-            </a:r>
-            <a:r>
               <a:rPr lang="en-IN" dirty="0">
                 <a:solidFill>
                   <a:srgbClr val="002060"/>
                 </a:solidFill>
               </a:rPr>
-              <a:t>Extraction</a:t>
+              <a:t>Variable Extraction</a:t>
             </a:r>
             <a:endParaRPr lang="en-IN" dirty="0"/>
           </a:p>
@@ -23090,7 +21574,7 @@
               <a:buFont typeface="Wingdings" panose="05000000000000000000" pitchFamily="2" charset="2"/>
               <a:buChar char="v"/>
             </a:pPr>
-            <a:endParaRPr lang="en-IN" sz="2000" dirty="0" smtClean="0">
+            <a:endParaRPr lang="en-IN" sz="2000" dirty="0">
               <a:solidFill>
                 <a:srgbClr val="002060"/>
               </a:solidFill>
@@ -23104,16 +21588,6 @@
               <a:buChar char="v"/>
             </a:pPr>
             <a:r>
-              <a:rPr lang="en-IN" sz="2000" dirty="0" smtClean="0">
-                <a:solidFill>
-                  <a:srgbClr val="002060"/>
-                </a:solidFill>
-                <a:latin typeface="Arial" panose="020B0604020202020204" pitchFamily="34" charset="0"/>
-                <a:cs typeface="Arial" panose="020B0604020202020204" pitchFamily="34" charset="0"/>
-              </a:rPr>
-              <a:t>By </a:t>
-            </a:r>
-            <a:r>
               <a:rPr lang="en-IN" sz="2000" dirty="0">
                 <a:solidFill>
                   <a:srgbClr val="002060"/>
@@ -23121,17 +21595,7 @@
                 <a:latin typeface="Arial" panose="020B0604020202020204" pitchFamily="34" charset="0"/>
                 <a:cs typeface="Arial" panose="020B0604020202020204" pitchFamily="34" charset="0"/>
               </a:rPr>
-              <a:t>using the </a:t>
-            </a:r>
-            <a:r>
-              <a:rPr lang="en-IN" sz="2000" dirty="0" smtClean="0">
-                <a:solidFill>
-                  <a:srgbClr val="002060"/>
-                </a:solidFill>
-                <a:latin typeface="Arial" panose="020B0604020202020204" pitchFamily="34" charset="0"/>
-                <a:cs typeface="Arial" panose="020B0604020202020204" pitchFamily="34" charset="0"/>
-              </a:rPr>
-              <a:t>chisq test between </a:t>
+              <a:t>By using the chisq test between </a:t>
             </a:r>
           </a:p>
           <a:p>
@@ -23143,30 +21607,10 @@
                 <a:latin typeface="Arial" panose="020B0604020202020204" pitchFamily="34" charset="0"/>
                 <a:cs typeface="Arial" panose="020B0604020202020204" pitchFamily="34" charset="0"/>
               </a:rPr>
-              <a:t> </a:t>
-            </a:r>
-            <a:r>
-              <a:rPr lang="en-IN" sz="2000" dirty="0" smtClean="0">
-                <a:solidFill>
-                  <a:srgbClr val="002060"/>
-                </a:solidFill>
-                <a:latin typeface="Arial" panose="020B0604020202020204" pitchFamily="34" charset="0"/>
-                <a:cs typeface="Arial" panose="020B0604020202020204" pitchFamily="34" charset="0"/>
-              </a:rPr>
-              <a:t>   the various extracted variables and</a:t>
+              <a:t>    the various extracted variables and</a:t>
             </a:r>
           </a:p>
           <a:p>
-            <a:r>
-              <a:rPr lang="en-IN" sz="2000" dirty="0" smtClean="0">
-                <a:solidFill>
-                  <a:srgbClr val="002060"/>
-                </a:solidFill>
-                <a:latin typeface="Arial" panose="020B0604020202020204" pitchFamily="34" charset="0"/>
-                <a:cs typeface="Arial" panose="020B0604020202020204" pitchFamily="34" charset="0"/>
-              </a:rPr>
-              <a:t>    the </a:t>
-            </a:r>
             <a:r>
               <a:rPr lang="en-IN" sz="2000" dirty="0">
                 <a:solidFill>
@@ -23175,30 +21619,10 @@
                 <a:latin typeface="Arial" panose="020B0604020202020204" pitchFamily="34" charset="0"/>
                 <a:cs typeface="Arial" panose="020B0604020202020204" pitchFamily="34" charset="0"/>
               </a:rPr>
-              <a:t>target </a:t>
-            </a:r>
-            <a:r>
-              <a:rPr lang="en-IN" sz="2000" dirty="0" smtClean="0">
-                <a:solidFill>
-                  <a:srgbClr val="002060"/>
-                </a:solidFill>
-                <a:latin typeface="Arial" panose="020B0604020202020204" pitchFamily="34" charset="0"/>
-                <a:cs typeface="Arial" panose="020B0604020202020204" pitchFamily="34" charset="0"/>
-              </a:rPr>
-              <a:t>variables, could able to </a:t>
+              <a:t>    the target variables, could able to </a:t>
             </a:r>
           </a:p>
           <a:p>
-            <a:r>
-              <a:rPr lang="en-IN" sz="2000" dirty="0" smtClean="0">
-                <a:solidFill>
-                  <a:srgbClr val="002060"/>
-                </a:solidFill>
-                <a:latin typeface="Arial" panose="020B0604020202020204" pitchFamily="34" charset="0"/>
-                <a:cs typeface="Arial" panose="020B0604020202020204" pitchFamily="34" charset="0"/>
-              </a:rPr>
-              <a:t>    find </a:t>
-            </a:r>
             <a:r>
               <a:rPr lang="en-IN" sz="2000" dirty="0">
                 <a:solidFill>
@@ -23207,17 +21631,7 @@
                 <a:latin typeface="Arial" panose="020B0604020202020204" pitchFamily="34" charset="0"/>
                 <a:cs typeface="Arial" panose="020B0604020202020204" pitchFamily="34" charset="0"/>
               </a:rPr>
-              <a:t>the most useful variables</a:t>
-            </a:r>
-            <a:r>
-              <a:rPr lang="en-IN" sz="2000" dirty="0" smtClean="0">
-                <a:solidFill>
-                  <a:srgbClr val="002060"/>
-                </a:solidFill>
-                <a:latin typeface="Arial" panose="020B0604020202020204" pitchFamily="34" charset="0"/>
-                <a:cs typeface="Arial" panose="020B0604020202020204" pitchFamily="34" charset="0"/>
-              </a:rPr>
-              <a:t>.</a:t>
+              <a:t>    find the most useful variables.</a:t>
             </a:r>
           </a:p>
           <a:p>
@@ -23235,16 +21649,6 @@
               <a:buChar char="v"/>
             </a:pPr>
             <a:r>
-              <a:rPr lang="fr-FR" sz="2000" dirty="0" smtClean="0">
-                <a:solidFill>
-                  <a:srgbClr val="002060"/>
-                </a:solidFill>
-                <a:latin typeface="Arial" panose="020B0604020202020204" pitchFamily="34" charset="0"/>
-                <a:cs typeface="Arial" panose="020B0604020202020204" pitchFamily="34" charset="0"/>
-              </a:rPr>
-              <a:t>Remove irrelevant variables </a:t>
-            </a:r>
-            <a:r>
               <a:rPr lang="fr-FR" sz="2000" dirty="0">
                 <a:solidFill>
                   <a:srgbClr val="002060"/>
@@ -23252,17 +21656,7 @@
                 <a:latin typeface="Arial" panose="020B0604020202020204" pitchFamily="34" charset="0"/>
                 <a:cs typeface="Arial" panose="020B0604020202020204" pitchFamily="34" charset="0"/>
               </a:rPr>
-              <a:t>(EX: patient </a:t>
-            </a:r>
-            <a:r>
-              <a:rPr lang="fr-FR" sz="2000" dirty="0" smtClean="0">
-                <a:solidFill>
-                  <a:srgbClr val="002060"/>
-                </a:solidFill>
-                <a:latin typeface="Arial" panose="020B0604020202020204" pitchFamily="34" charset="0"/>
-                <a:cs typeface="Arial" panose="020B0604020202020204" pitchFamily="34" charset="0"/>
-              </a:rPr>
-              <a:t>ID)</a:t>
+              <a:t>Remove irrelevant variables (EX: patient ID)</a:t>
             </a:r>
             <a:endParaRPr lang="en-IN" sz="2000" dirty="0">
               <a:solidFill>
@@ -23319,13 +21713,6 @@
   <p:clrMapOvr>
     <a:masterClrMapping/>
   </p:clrMapOvr>
-  <p:timing>
-    <p:tnLst>
-      <p:par>
-        <p:cTn id="1" dur="indefinite" restart="never" nodeType="tmRoot"/>
-      </p:par>
-    </p:tnLst>
-  </p:timing>
 </p:sld>
 </file>
 
@@ -23378,13 +21765,6 @@
   <p:clrMapOvr>
     <a:masterClrMapping/>
   </p:clrMapOvr>
-  <p:timing>
-    <p:tnLst>
-      <p:par>
-        <p:cTn id="1" dur="indefinite" restart="never" nodeType="tmRoot"/>
-      </p:par>
-    </p:tnLst>
-  </p:timing>
 </p:sld>
 </file>
 
